--- a/media/generated_ppts/DR IAm_Agadir.pptx
+++ b/media/generated_ppts/DR IAm_Agadir.pptx
@@ -3104,6 +3104,11 @@
           <a:bodyPr/>
           <a:lstStyle/>
           <a:p>
+            <a:pPr>
+              <a:defRPr sz="3200">
+                <a:latin typeface="Arial Narrow"/>
+              </a:defRPr>
+            </a:pPr>
             <a:r>
               <a:t>Données pour DR IAm: Agadir</a:t>
             </a:r>
@@ -3125,6 +3130,11 @@
           <a:bodyPr/>
           <a:lstStyle/>
           <a:p>
+            <a:pPr>
+              <a:defRPr sz="1800">
+                <a:latin typeface="Arial Narrow"/>
+              </a:defRPr>
+            </a:pPr>
             <a:r>
               <a:t>Nombre d'enregistrements: 35</a:t>
             </a:r>
@@ -3164,6 +3174,11 @@
           <a:bodyPr/>
           <a:lstStyle/>
           <a:p>
+            <a:pPr>
+              <a:defRPr sz="2400">
+                <a:latin typeface="Arial Narrow"/>
+              </a:defRPr>
+            </a:pPr>
             <a:r>
               <a:t>Détails - Agadir</a:t>
             </a:r>
@@ -3196,8 +3211,8 @@
           <p:nvPr/>
         </p:nvGraphicFramePr>
         <p:xfrm>
-          <a:off x="457200" y="1828800"/>
-          <a:ext cx="8229600" cy="4572000"/>
+          <a:off x="360000" y="1645920"/>
+          <a:ext cx="8747999" cy="3401999"/>
         </p:xfrm>
         <a:graphic>
           <a:graphicData uri="http://schemas.openxmlformats.org/drawingml/2006/table">
@@ -3206,197 +3221,195 @@
                 <a:tableStyleId>{5C22544A-7EE6-4342-B048-85BDC9FD1C3A}</a:tableStyleId>
               </a:tblPr>
               <a:tblGrid>
-                <a:gridCol w="587828"/>
-                <a:gridCol w="587828"/>
-                <a:gridCol w="587828"/>
-                <a:gridCol w="587828"/>
-                <a:gridCol w="587828"/>
-                <a:gridCol w="587828"/>
-                <a:gridCol w="587828"/>
-                <a:gridCol w="587828"/>
-                <a:gridCol w="587828"/>
-                <a:gridCol w="587828"/>
-                <a:gridCol w="587828"/>
-                <a:gridCol w="587828"/>
-                <a:gridCol w="587828"/>
-                <a:gridCol w="587836"/>
+                <a:gridCol w="648000"/>
+                <a:gridCol w="864000"/>
+                <a:gridCol w="1332000"/>
+                <a:gridCol w="936000"/>
+                <a:gridCol w="1007999"/>
+                <a:gridCol w="2232000"/>
+                <a:gridCol w="1728000"/>
               </a:tblGrid>
-              <a:tr h="127000">
-                <a:tc>
-                  <a:txBody>
-                    <a:bodyPr/>
-                    <a:lstStyle/>
-                    <a:p>
+              <a:tr h="125999">
+                <a:tc>
+                  <a:txBody>
+                    <a:bodyPr tIns="18288" bIns="18288" lIns="45720" rIns="45720"/>
+                    <a:lstStyle/>
+                    <a:p>
+                      <a:pPr>
+                        <a:defRPr sz="700" b="1">
+                          <a:solidFill>
+                            <a:srgbClr val="FFFFFF"/>
+                          </a:solidFill>
+                          <a:latin typeface="Arial Narrow"/>
+                        </a:defRPr>
+                      </a:pPr>
                       <a:r>
                         <a:t>code site</a:t>
                       </a:r>
                     </a:p>
                   </a:txBody>
-                  <a:tcPr/>
-                </a:tc>
-                <a:tc>
-                  <a:txBody>
-                    <a:bodyPr/>
-                    <a:lstStyle/>
-                    <a:p>
+                  <a:tcPr>
+                    <a:solidFill>
+                      <a:srgbClr val="4472C4"/>
+                    </a:solidFill>
+                  </a:tcPr>
+                </a:tc>
+                <a:tc>
+                  <a:txBody>
+                    <a:bodyPr tIns="18288" bIns="18288" lIns="45720" rIns="45720"/>
+                    <a:lstStyle/>
+                    <a:p>
+                      <a:pPr>
+                        <a:defRPr sz="700" b="1">
+                          <a:solidFill>
+                            <a:srgbClr val="FFFFFF"/>
+                          </a:solidFill>
+                          <a:latin typeface="Arial Narrow"/>
+                        </a:defRPr>
+                      </a:pPr>
                       <a:r>
                         <a:t>ST FO</a:t>
                       </a:r>
                     </a:p>
                   </a:txBody>
-                  <a:tcPr/>
-                </a:tc>
-                <a:tc>
-                  <a:txBody>
-                    <a:bodyPr/>
-                    <a:lstStyle/>
-                    <a:p>
-                      <a:r>
-                        <a:t>Mois Survey &amp; Aiguillage</a:t>
-                      </a:r>
-                    </a:p>
-                  </a:txBody>
-                  <a:tcPr/>
-                </a:tc>
-                <a:tc>
-                  <a:txBody>
-                    <a:bodyPr/>
-                    <a:lstStyle/>
-                    <a:p>
-                      <a:r>
-                        <a:t>Semaine Survey &amp; Aiguillage</a:t>
-                      </a:r>
-                    </a:p>
-                  </a:txBody>
-                  <a:tcPr/>
-                </a:tc>
-                <a:tc>
-                  <a:txBody>
-                    <a:bodyPr/>
-                    <a:lstStyle/>
-                    <a:p>
-                      <a:r>
-                        <a:t>Planning Survey &amp; Aiguillage</a:t>
-                      </a:r>
-                    </a:p>
-                  </a:txBody>
-                  <a:tcPr/>
-                </a:tc>
-                <a:tc>
-                  <a:txBody>
-                    <a:bodyPr/>
-                    <a:lstStyle/>
-                    <a:p>
-                      <a:r>
-                        <a:t>date proposé par IAM pour le survey avec orange (semaine)</a:t>
-                      </a:r>
-                    </a:p>
-                  </a:txBody>
-                  <a:tcPr/>
-                </a:tc>
-                <a:tc>
-                  <a:txBody>
-                    <a:bodyPr/>
-                    <a:lstStyle/>
-                    <a:p>
-                      <a:r>
-                        <a:t>Contact ERPT</a:t>
-                      </a:r>
-                    </a:p>
-                  </a:txBody>
-                  <a:tcPr/>
-                </a:tc>
-                <a:tc>
-                  <a:txBody>
-                    <a:bodyPr/>
-                    <a:lstStyle/>
-                    <a:p>
-                      <a:r>
-                        <a:t>Contact IAM</a:t>
-                      </a:r>
-                    </a:p>
-                  </a:txBody>
-                  <a:tcPr/>
-                </a:tc>
-                <a:tc>
-                  <a:txBody>
-                    <a:bodyPr/>
-                    <a:lstStyle/>
-                    <a:p>
+                  <a:tcPr>
+                    <a:solidFill>
+                      <a:srgbClr val="4472C4"/>
+                    </a:solidFill>
+                  </a:tcPr>
+                </a:tc>
+                <a:tc>
+                  <a:txBody>
+                    <a:bodyPr tIns="18288" bIns="18288" lIns="45720" rIns="45720"/>
+                    <a:lstStyle/>
+                    <a:p>
+                      <a:pPr>
+                        <a:defRPr sz="700" b="1">
+                          <a:solidFill>
+                            <a:srgbClr val="FFFFFF"/>
+                          </a:solidFill>
+                          <a:latin typeface="Arial Narrow"/>
+                        </a:defRPr>
+                      </a:pPr>
+                      <a:r>
+                        <a:t>contact ERPT</a:t>
+                      </a:r>
+                    </a:p>
+                  </a:txBody>
+                  <a:tcPr>
+                    <a:solidFill>
+                      <a:srgbClr val="4472C4"/>
+                    </a:solidFill>
+                  </a:tcPr>
+                </a:tc>
+                <a:tc>
+                  <a:txBody>
+                    <a:bodyPr tIns="18288" bIns="18288" lIns="45720" rIns="45720"/>
+                    <a:lstStyle/>
+                    <a:p>
+                      <a:pPr>
+                        <a:defRPr sz="700" b="1">
+                          <a:solidFill>
+                            <a:srgbClr val="FFFFFF"/>
+                          </a:solidFill>
+                          <a:latin typeface="Arial Narrow"/>
+                        </a:defRPr>
+                      </a:pPr>
                       <a:r>
                         <a:t>DR IAm</a:t>
                       </a:r>
                     </a:p>
                   </a:txBody>
-                  <a:tcPr/>
-                </a:tc>
-                <a:tc>
-                  <a:txBody>
-                    <a:bodyPr/>
-                    <a:lstStyle/>
-                    <a:p>
+                  <a:tcPr>
+                    <a:solidFill>
+                      <a:srgbClr val="4472C4"/>
+                    </a:solidFill>
+                  </a:tcPr>
+                </a:tc>
+                <a:tc>
+                  <a:txBody>
+                    <a:bodyPr tIns="18288" bIns="18288" lIns="45720" rIns="45720"/>
+                    <a:lstStyle/>
+                    <a:p>
+                      <a:pPr>
+                        <a:defRPr sz="700" b="1">
+                          <a:solidFill>
+                            <a:srgbClr val="FFFFFF"/>
+                          </a:solidFill>
+                          <a:latin typeface="Arial Narrow"/>
+                        </a:defRPr>
+                      </a:pPr>
                       <a:r>
                         <a:t>ville</a:t>
                       </a:r>
                     </a:p>
                   </a:txBody>
-                  <a:tcPr/>
-                </a:tc>
-                <a:tc>
-                  <a:txBody>
-                    <a:bodyPr/>
-                    <a:lstStyle/>
-                    <a:p>
-                      <a:r>
-                        <a:t>X Départ  ERPT  - Y Départ ERPT</a:t>
-                      </a:r>
-                    </a:p>
-                  </a:txBody>
-                  <a:tcPr/>
-                </a:tc>
-                <a:tc>
-                  <a:txBody>
-                    <a:bodyPr/>
-                    <a:lstStyle/>
-                    <a:p>
+                  <a:tcPr>
+                    <a:solidFill>
+                      <a:srgbClr val="4472C4"/>
+                    </a:solidFill>
+                  </a:tcPr>
+                </a:tc>
+                <a:tc>
+                  <a:txBody>
+                    <a:bodyPr tIns="18288" bIns="18288" lIns="45720" rIns="45720"/>
+                    <a:lstStyle/>
+                    <a:p>
+                      <a:pPr>
+                        <a:defRPr sz="700" b="1">
+                          <a:solidFill>
+                            <a:srgbClr val="FFFFFF"/>
+                          </a:solidFill>
+                          <a:latin typeface="Arial Narrow"/>
+                        </a:defRPr>
+                      </a:pPr>
+                      <a:r>
+                        <a:t>X Départ ERPT - Y Départ ERPT</a:t>
+                      </a:r>
+                    </a:p>
+                  </a:txBody>
+                  <a:tcPr>
+                    <a:solidFill>
+                      <a:srgbClr val="4472C4"/>
+                    </a:solidFill>
+                  </a:tcPr>
+                </a:tc>
+                <a:tc>
+                  <a:txBody>
+                    <a:bodyPr tIns="18288" bIns="18288" lIns="45720" rIns="45720"/>
+                    <a:lstStyle/>
+                    <a:p>
+                      <a:pPr>
+                        <a:defRPr sz="700" b="1">
+                          <a:solidFill>
+                            <a:srgbClr val="FFFFFF"/>
+                          </a:solidFill>
+                          <a:latin typeface="Arial Narrow"/>
+                        </a:defRPr>
+                      </a:pPr>
                       <a:r>
                         <a:t>X Arrivée ERPT Proposition1 - Y Arrivée ERPT Proposition1</a:t>
                       </a:r>
                     </a:p>
                   </a:txBody>
-                  <a:tcPr/>
-                </a:tc>
-                <a:tc>
-                  <a:txBody>
-                    <a:bodyPr/>
-                    <a:lstStyle/>
-                    <a:p>
-                      <a:r>
-                        <a:t>Commentaire ERPT</a:t>
-                      </a:r>
-                    </a:p>
-                  </a:txBody>
-                  <a:tcPr/>
-                </a:tc>
-                <a:tc>
-                  <a:txBody>
-                    <a:bodyPr/>
-                    <a:lstStyle/>
-                    <a:p>
-                      <a:r>
-                        <a:t>Date TSS</a:t>
-                      </a:r>
-                    </a:p>
-                  </a:txBody>
-                  <a:tcPr/>
+                  <a:tcPr>
+                    <a:solidFill>
+                      <a:srgbClr val="4472C4"/>
+                    </a:solidFill>
+                  </a:tcPr>
                 </a:tc>
               </a:tr>
-              <a:tr h="127000">
-                <a:tc>
-                  <a:txBody>
-                    <a:bodyPr/>
-                    <a:lstStyle/>
-                    <a:p>
+              <a:tr h="93600">
+                <a:tc>
+                  <a:txBody>
+                    <a:bodyPr tIns="18288" bIns="18288" lIns="45720" rIns="45720"/>
+                    <a:lstStyle/>
+                    <a:p>
+                      <a:pPr>
+                        <a:defRPr sz="700">
+                          <a:latin typeface="Arial Narrow"/>
+                        </a:defRPr>
+                      </a:pPr>
                       <a:r>
                         <a:t>LAA023</a:t>
                       </a:r>
@@ -3406,9 +3419,14 @@
                 </a:tc>
                 <a:tc>
                   <a:txBody>
-                    <a:bodyPr/>
-                    <a:lstStyle/>
-                    <a:p>
+                    <a:bodyPr tIns="18288" bIns="18288" lIns="45720" rIns="45720"/>
+                    <a:lstStyle/>
+                    <a:p>
+                      <a:pPr>
+                        <a:defRPr sz="700">
+                          <a:latin typeface="Arial Narrow"/>
+                        </a:defRPr>
+                      </a:pPr>
                       <a:r>
                         <a:t>VERNE</a:t>
                       </a:r>
@@ -3418,53 +3436,14 @@
                 </a:tc>
                 <a:tc>
                   <a:txBody>
-                    <a:bodyPr/>
-                    <a:lstStyle/>
-                    <a:p>
-                      <a:r>
-                        <a:t>JUIN</a:t>
-                      </a:r>
-                    </a:p>
-                  </a:txBody>
-                  <a:tcPr/>
-                </a:tc>
-                <a:tc>
-                  <a:txBody>
-                    <a:bodyPr/>
-                    <a:lstStyle/>
-                    <a:p>
-                      <a:r>
-                        <a:t>Du 01/06/2024 Au 30/06/2024</a:t>
-                      </a:r>
-                    </a:p>
-                  </a:txBody>
-                  <a:tcPr/>
-                </a:tc>
-                <a:tc>
-                  <a:txBody>
-                    <a:bodyPr/>
-                    <a:lstStyle/>
-                    <a:p>
-                      <a:r>
-                        <a:t>Du 01/06/2024 Au 30/06/2024</a:t>
-                      </a:r>
-                    </a:p>
-                  </a:txBody>
-                  <a:tcPr/>
-                </a:tc>
-                <a:tc>
-                  <a:txBody>
-                    <a:bodyPr/>
-                    <a:lstStyle/>
-                    <a:p/>
-                  </a:txBody>
-                  <a:tcPr/>
-                </a:tc>
-                <a:tc>
-                  <a:txBody>
-                    <a:bodyPr/>
-                    <a:lstStyle/>
-                    <a:p>
+                    <a:bodyPr tIns="18288" bIns="18288" lIns="45720" rIns="45720"/>
+                    <a:lstStyle/>
+                    <a:p>
+                      <a:pPr>
+                        <a:defRPr sz="700">
+                          <a:latin typeface="Arial Narrow"/>
+                        </a:defRPr>
+                      </a:pPr>
                       <a:r>
                         <a:t>0660127763 AZEDDINE</a:t>
                       </a:r>
@@ -3474,17 +3453,14 @@
                 </a:tc>
                 <a:tc>
                   <a:txBody>
-                    <a:bodyPr/>
-                    <a:lstStyle/>
-                    <a:p/>
-                  </a:txBody>
-                  <a:tcPr/>
-                </a:tc>
-                <a:tc>
-                  <a:txBody>
-                    <a:bodyPr/>
-                    <a:lstStyle/>
-                    <a:p>
+                    <a:bodyPr tIns="18288" bIns="18288" lIns="45720" rIns="45720"/>
+                    <a:lstStyle/>
+                    <a:p>
+                      <a:pPr>
+                        <a:defRPr sz="700">
+                          <a:latin typeface="Arial Narrow"/>
+                        </a:defRPr>
+                      </a:pPr>
                       <a:r>
                         <a:t>Agadir</a:t>
                       </a:r>
@@ -3494,9 +3470,14 @@
                 </a:tc>
                 <a:tc>
                   <a:txBody>
-                    <a:bodyPr/>
-                    <a:lstStyle/>
-                    <a:p>
+                    <a:bodyPr tIns="18288" bIns="18288" lIns="45720" rIns="45720"/>
+                    <a:lstStyle/>
+                    <a:p>
+                      <a:pPr>
+                        <a:defRPr sz="700">
+                          <a:latin typeface="Arial Narrow"/>
+                        </a:defRPr>
+                      </a:pPr>
                       <a:r>
                         <a:t>Laâyoune</a:t>
                       </a:r>
@@ -3506,9 +3487,14 @@
                 </a:tc>
                 <a:tc>
                   <a:txBody>
-                    <a:bodyPr/>
-                    <a:lstStyle/>
-                    <a:p>
+                    <a:bodyPr tIns="18288" bIns="18288" lIns="45720" rIns="45720"/>
+                    <a:lstStyle/>
+                    <a:p>
+                      <a:pPr>
+                        <a:defRPr sz="700">
+                          <a:latin typeface="Arial Narrow"/>
+                        </a:defRPr>
+                      </a:pPr>
                       <a:r>
                         <a:t>-13.18873690000000032, 27.13451909999999856</a:t>
                       </a:r>
@@ -3518,9 +3504,14 @@
                 </a:tc>
                 <a:tc>
                   <a:txBody>
-                    <a:bodyPr/>
-                    <a:lstStyle/>
-                    <a:p>
+                    <a:bodyPr tIns="18288" bIns="18288" lIns="45720" rIns="45720"/>
+                    <a:lstStyle/>
+                    <a:p>
+                      <a:pPr>
+                        <a:defRPr sz="700">
+                          <a:latin typeface="Arial Narrow"/>
+                        </a:defRPr>
+                      </a:pPr>
                       <a:r>
                         <a:t>27.13873631, -13.19135810</a:t>
                       </a:r>
@@ -3528,183 +3519,167 @@
                   </a:txBody>
                   <a:tcPr/>
                 </a:tc>
-                <a:tc>
-                  <a:txBody>
-                    <a:bodyPr/>
-                    <a:lstStyle/>
-                    <a:p/>
-                  </a:txBody>
-                  <a:tcPr/>
-                </a:tc>
-                <a:tc>
-                  <a:txBody>
-                    <a:bodyPr/>
-                    <a:lstStyle/>
-                    <a:p/>
-                  </a:txBody>
-                  <a:tcPr/>
-                </a:tc>
               </a:tr>
-              <a:tr h="127000">
-                <a:tc>
-                  <a:txBody>
-                    <a:bodyPr/>
-                    <a:lstStyle/>
-                    <a:p>
+              <a:tr h="93600">
+                <a:tc>
+                  <a:txBody>
+                    <a:bodyPr tIns="18288" bIns="18288" lIns="45720" rIns="45720"/>
+                    <a:lstStyle/>
+                    <a:p>
+                      <a:pPr>
+                        <a:defRPr sz="700">
+                          <a:latin typeface="Arial Narrow"/>
+                        </a:defRPr>
+                      </a:pPr>
                       <a:r>
                         <a:t>LAA030</a:t>
                       </a:r>
                     </a:p>
                   </a:txBody>
-                  <a:tcPr/>
-                </a:tc>
-                <a:tc>
-                  <a:txBody>
-                    <a:bodyPr/>
-                    <a:lstStyle/>
-                    <a:p>
+                  <a:tcPr>
+                    <a:solidFill>
+                      <a:srgbClr val="F2F2F2"/>
+                    </a:solidFill>
+                  </a:tcPr>
+                </a:tc>
+                <a:tc>
+                  <a:txBody>
+                    <a:bodyPr tIns="18288" bIns="18288" lIns="45720" rIns="45720"/>
+                    <a:lstStyle/>
+                    <a:p>
+                      <a:pPr>
+                        <a:defRPr sz="700">
+                          <a:latin typeface="Arial Narrow"/>
+                        </a:defRPr>
+                      </a:pPr>
                       <a:r>
                         <a:t>VERNE</a:t>
                       </a:r>
                     </a:p>
                   </a:txBody>
-                  <a:tcPr/>
-                </a:tc>
-                <a:tc>
-                  <a:txBody>
-                    <a:bodyPr/>
-                    <a:lstStyle/>
-                    <a:p>
-                      <a:r>
-                        <a:t>JUIN</a:t>
-                      </a:r>
-                    </a:p>
-                  </a:txBody>
-                  <a:tcPr/>
-                </a:tc>
-                <a:tc>
-                  <a:txBody>
-                    <a:bodyPr/>
-                    <a:lstStyle/>
-                    <a:p>
-                      <a:r>
-                        <a:t>Du 01/06/2024 Au 30/06/2024</a:t>
-                      </a:r>
-                    </a:p>
-                  </a:txBody>
-                  <a:tcPr/>
-                </a:tc>
-                <a:tc>
-                  <a:txBody>
-                    <a:bodyPr/>
-                    <a:lstStyle/>
-                    <a:p>
-                      <a:r>
-                        <a:t>Du 01/06/2024 Au 30/06/2024</a:t>
-                      </a:r>
-                    </a:p>
-                  </a:txBody>
-                  <a:tcPr/>
-                </a:tc>
-                <a:tc>
-                  <a:txBody>
-                    <a:bodyPr/>
-                    <a:lstStyle/>
-                    <a:p/>
-                  </a:txBody>
-                  <a:tcPr/>
-                </a:tc>
-                <a:tc>
-                  <a:txBody>
-                    <a:bodyPr/>
-                    <a:lstStyle/>
-                    <a:p>
+                  <a:tcPr>
+                    <a:solidFill>
+                      <a:srgbClr val="F2F2F2"/>
+                    </a:solidFill>
+                  </a:tcPr>
+                </a:tc>
+                <a:tc>
+                  <a:txBody>
+                    <a:bodyPr tIns="18288" bIns="18288" lIns="45720" rIns="45720"/>
+                    <a:lstStyle/>
+                    <a:p>
+                      <a:pPr>
+                        <a:defRPr sz="700">
+                          <a:latin typeface="Arial Narrow"/>
+                        </a:defRPr>
+                      </a:pPr>
                       <a:r>
                         <a:t>0660127763 AZEDDINE</a:t>
                       </a:r>
                     </a:p>
                   </a:txBody>
-                  <a:tcPr/>
-                </a:tc>
-                <a:tc>
-                  <a:txBody>
-                    <a:bodyPr/>
-                    <a:lstStyle/>
-                    <a:p/>
-                  </a:txBody>
-                  <a:tcPr/>
-                </a:tc>
-                <a:tc>
-                  <a:txBody>
-                    <a:bodyPr/>
-                    <a:lstStyle/>
-                    <a:p>
+                  <a:tcPr>
+                    <a:solidFill>
+                      <a:srgbClr val="F2F2F2"/>
+                    </a:solidFill>
+                  </a:tcPr>
+                </a:tc>
+                <a:tc>
+                  <a:txBody>
+                    <a:bodyPr tIns="18288" bIns="18288" lIns="45720" rIns="45720"/>
+                    <a:lstStyle/>
+                    <a:p>
+                      <a:pPr>
+                        <a:defRPr sz="700">
+                          <a:latin typeface="Arial Narrow"/>
+                        </a:defRPr>
+                      </a:pPr>
                       <a:r>
                         <a:t>Agadir</a:t>
                       </a:r>
                     </a:p>
                   </a:txBody>
-                  <a:tcPr/>
-                </a:tc>
-                <a:tc>
-                  <a:txBody>
-                    <a:bodyPr/>
-                    <a:lstStyle/>
-                    <a:p>
+                  <a:tcPr>
+                    <a:solidFill>
+                      <a:srgbClr val="F2F2F2"/>
+                    </a:solidFill>
+                  </a:tcPr>
+                </a:tc>
+                <a:tc>
+                  <a:txBody>
+                    <a:bodyPr tIns="18288" bIns="18288" lIns="45720" rIns="45720"/>
+                    <a:lstStyle/>
+                    <a:p>
+                      <a:pPr>
+                        <a:defRPr sz="700">
+                          <a:latin typeface="Arial Narrow"/>
+                        </a:defRPr>
+                      </a:pPr>
                       <a:r>
                         <a:t>Laâyoune</a:t>
                       </a:r>
                     </a:p>
                   </a:txBody>
-                  <a:tcPr/>
-                </a:tc>
-                <a:tc>
-                  <a:txBody>
-                    <a:bodyPr/>
-                    <a:lstStyle/>
-                    <a:p>
+                  <a:tcPr>
+                    <a:solidFill>
+                      <a:srgbClr val="F2F2F2"/>
+                    </a:solidFill>
+                  </a:tcPr>
+                </a:tc>
+                <a:tc>
+                  <a:txBody>
+                    <a:bodyPr tIns="18288" bIns="18288" lIns="45720" rIns="45720"/>
+                    <a:lstStyle/>
+                    <a:p>
+                      <a:pPr>
+                        <a:defRPr sz="700">
+                          <a:latin typeface="Arial Narrow"/>
+                        </a:defRPr>
+                      </a:pPr>
                       <a:r>
                         <a:t>-13.18502800000000086, 27.13613900000000001</a:t>
                       </a:r>
                     </a:p>
                   </a:txBody>
-                  <a:tcPr/>
-                </a:tc>
-                <a:tc>
-                  <a:txBody>
-                    <a:bodyPr/>
-                    <a:lstStyle/>
-                    <a:p>
+                  <a:tcPr>
+                    <a:solidFill>
+                      <a:srgbClr val="F2F2F2"/>
+                    </a:solidFill>
+                  </a:tcPr>
+                </a:tc>
+                <a:tc>
+                  <a:txBody>
+                    <a:bodyPr tIns="18288" bIns="18288" lIns="45720" rIns="45720"/>
+                    <a:lstStyle/>
+                    <a:p>
+                      <a:pPr>
+                        <a:defRPr sz="700">
+                          <a:latin typeface="Arial Narrow"/>
+                        </a:defRPr>
+                      </a:pPr>
                       <a:r>
                         <a:t>27.13873631, -13.19135810</a:t>
                       </a:r>
                     </a:p>
                   </a:txBody>
-                  <a:tcPr/>
-                </a:tc>
-                <a:tc>
-                  <a:txBody>
-                    <a:bodyPr/>
-                    <a:lstStyle/>
-                    <a:p/>
-                  </a:txBody>
-                  <a:tcPr/>
-                </a:tc>
-                <a:tc>
-                  <a:txBody>
-                    <a:bodyPr/>
-                    <a:lstStyle/>
-                    <a:p/>
-                  </a:txBody>
-                  <a:tcPr/>
+                  <a:tcPr>
+                    <a:solidFill>
+                      <a:srgbClr val="F2F2F2"/>
+                    </a:solidFill>
+                  </a:tcPr>
                 </a:tc>
               </a:tr>
-              <a:tr h="127000">
-                <a:tc>
-                  <a:txBody>
-                    <a:bodyPr/>
-                    <a:lstStyle/>
-                    <a:p>
+              <a:tr h="93600">
+                <a:tc>
+                  <a:txBody>
+                    <a:bodyPr tIns="18288" bIns="18288" lIns="45720" rIns="45720"/>
+                    <a:lstStyle/>
+                    <a:p>
+                      <a:pPr>
+                        <a:defRPr sz="700">
+                          <a:latin typeface="Arial Narrow"/>
+                        </a:defRPr>
+                      </a:pPr>
                       <a:r>
                         <a:t>LAA047</a:t>
                       </a:r>
@@ -3714,9 +3689,14 @@
                 </a:tc>
                 <a:tc>
                   <a:txBody>
-                    <a:bodyPr/>
-                    <a:lstStyle/>
-                    <a:p>
+                    <a:bodyPr tIns="18288" bIns="18288" lIns="45720" rIns="45720"/>
+                    <a:lstStyle/>
+                    <a:p>
+                      <a:pPr>
+                        <a:defRPr sz="700">
+                          <a:latin typeface="Arial Narrow"/>
+                        </a:defRPr>
+                      </a:pPr>
                       <a:r>
                         <a:t>NOMATIS</a:t>
                       </a:r>
@@ -3726,53 +3706,14 @@
                 </a:tc>
                 <a:tc>
                   <a:txBody>
-                    <a:bodyPr/>
-                    <a:lstStyle/>
-                    <a:p>
-                      <a:r>
-                        <a:t>JUIN</a:t>
-                      </a:r>
-                    </a:p>
-                  </a:txBody>
-                  <a:tcPr/>
-                </a:tc>
-                <a:tc>
-                  <a:txBody>
-                    <a:bodyPr/>
-                    <a:lstStyle/>
-                    <a:p>
-                      <a:r>
-                        <a:t>Du 01/06/2024 Au 31/09/2024</a:t>
-                      </a:r>
-                    </a:p>
-                  </a:txBody>
-                  <a:tcPr/>
-                </a:tc>
-                <a:tc>
-                  <a:txBody>
-                    <a:bodyPr/>
-                    <a:lstStyle/>
-                    <a:p>
-                      <a:r>
-                        <a:t>Du 01/06/2024 Au 31/09/2024</a:t>
-                      </a:r>
-                    </a:p>
-                  </a:txBody>
-                  <a:tcPr/>
-                </a:tc>
-                <a:tc>
-                  <a:txBody>
-                    <a:bodyPr/>
-                    <a:lstStyle/>
-                    <a:p/>
-                  </a:txBody>
-                  <a:tcPr/>
-                </a:tc>
-                <a:tc>
-                  <a:txBody>
-                    <a:bodyPr/>
-                    <a:lstStyle/>
-                    <a:p>
+                    <a:bodyPr tIns="18288" bIns="18288" lIns="45720" rIns="45720"/>
+                    <a:lstStyle/>
+                    <a:p>
+                      <a:pPr>
+                        <a:defRPr sz="700">
+                          <a:latin typeface="Arial Narrow"/>
+                        </a:defRPr>
+                      </a:pPr>
                       <a:r>
                         <a:t>0660127763 AZEDDINE</a:t>
                       </a:r>
@@ -3782,17 +3723,14 @@
                 </a:tc>
                 <a:tc>
                   <a:txBody>
-                    <a:bodyPr/>
-                    <a:lstStyle/>
-                    <a:p/>
-                  </a:txBody>
-                  <a:tcPr/>
-                </a:tc>
-                <a:tc>
-                  <a:txBody>
-                    <a:bodyPr/>
-                    <a:lstStyle/>
-                    <a:p>
+                    <a:bodyPr tIns="18288" bIns="18288" lIns="45720" rIns="45720"/>
+                    <a:lstStyle/>
+                    <a:p>
+                      <a:pPr>
+                        <a:defRPr sz="700">
+                          <a:latin typeface="Arial Narrow"/>
+                        </a:defRPr>
+                      </a:pPr>
                       <a:r>
                         <a:t>Agadir</a:t>
                       </a:r>
@@ -3802,9 +3740,14 @@
                 </a:tc>
                 <a:tc>
                   <a:txBody>
-                    <a:bodyPr/>
-                    <a:lstStyle/>
-                    <a:p>
+                    <a:bodyPr tIns="18288" bIns="18288" lIns="45720" rIns="45720"/>
+                    <a:lstStyle/>
+                    <a:p>
+                      <a:pPr>
+                        <a:defRPr sz="700">
+                          <a:latin typeface="Arial Narrow"/>
+                        </a:defRPr>
+                      </a:pPr>
                       <a:r>
                         <a:t>Laâyoune</a:t>
                       </a:r>
@@ -3814,9 +3757,14 @@
                 </a:tc>
                 <a:tc>
                   <a:txBody>
-                    <a:bodyPr/>
-                    <a:lstStyle/>
-                    <a:p>
+                    <a:bodyPr tIns="18288" bIns="18288" lIns="45720" rIns="45720"/>
+                    <a:lstStyle/>
+                    <a:p>
+                      <a:pPr>
+                        <a:defRPr sz="700">
+                          <a:latin typeface="Arial Narrow"/>
+                        </a:defRPr>
+                      </a:pPr>
                       <a:r>
                         <a:t>-13.18643699999999974, 27.12888200000000083</a:t>
                       </a:r>
@@ -3826,9 +3774,14 @@
                 </a:tc>
                 <a:tc>
                   <a:txBody>
-                    <a:bodyPr/>
-                    <a:lstStyle/>
-                    <a:p>
+                    <a:bodyPr tIns="18288" bIns="18288" lIns="45720" rIns="45720"/>
+                    <a:lstStyle/>
+                    <a:p>
+                      <a:pPr>
+                        <a:defRPr sz="700">
+                          <a:latin typeface="Arial Narrow"/>
+                        </a:defRPr>
+                      </a:pPr>
                       <a:r>
                         <a:t>27.13873631, -13.19135810</a:t>
                       </a:r>
@@ -3836,183 +3789,167 @@
                   </a:txBody>
                   <a:tcPr/>
                 </a:tc>
-                <a:tc>
-                  <a:txBody>
-                    <a:bodyPr/>
-                    <a:lstStyle/>
-                    <a:p/>
-                  </a:txBody>
-                  <a:tcPr/>
-                </a:tc>
-                <a:tc>
-                  <a:txBody>
-                    <a:bodyPr/>
-                    <a:lstStyle/>
-                    <a:p/>
-                  </a:txBody>
-                  <a:tcPr/>
-                </a:tc>
               </a:tr>
-              <a:tr h="127000">
-                <a:tc>
-                  <a:txBody>
-                    <a:bodyPr/>
-                    <a:lstStyle/>
-                    <a:p>
+              <a:tr h="93600">
+                <a:tc>
+                  <a:txBody>
+                    <a:bodyPr tIns="18288" bIns="18288" lIns="45720" rIns="45720"/>
+                    <a:lstStyle/>
+                    <a:p>
+                      <a:pPr>
+                        <a:defRPr sz="700">
+                          <a:latin typeface="Arial Narrow"/>
+                        </a:defRPr>
+                      </a:pPr>
                       <a:r>
                         <a:t>LAA936</a:t>
                       </a:r>
                     </a:p>
                   </a:txBody>
-                  <a:tcPr/>
-                </a:tc>
-                <a:tc>
-                  <a:txBody>
-                    <a:bodyPr/>
-                    <a:lstStyle/>
-                    <a:p>
+                  <a:tcPr>
+                    <a:solidFill>
+                      <a:srgbClr val="F2F2F2"/>
+                    </a:solidFill>
+                  </a:tcPr>
+                </a:tc>
+                <a:tc>
+                  <a:txBody>
+                    <a:bodyPr tIns="18288" bIns="18288" lIns="45720" rIns="45720"/>
+                    <a:lstStyle/>
+                    <a:p>
+                      <a:pPr>
+                        <a:defRPr sz="700">
+                          <a:latin typeface="Arial Narrow"/>
+                        </a:defRPr>
+                      </a:pPr>
                       <a:r>
                         <a:t>NOMATIS</a:t>
                       </a:r>
                     </a:p>
                   </a:txBody>
-                  <a:tcPr/>
-                </a:tc>
-                <a:tc>
-                  <a:txBody>
-                    <a:bodyPr/>
-                    <a:lstStyle/>
-                    <a:p>
-                      <a:r>
-                        <a:t>JUIN</a:t>
-                      </a:r>
-                    </a:p>
-                  </a:txBody>
-                  <a:tcPr/>
-                </a:tc>
-                <a:tc>
-                  <a:txBody>
-                    <a:bodyPr/>
-                    <a:lstStyle/>
-                    <a:p>
-                      <a:r>
-                        <a:t>Du 01/06/2024 Au 31/09/2024</a:t>
-                      </a:r>
-                    </a:p>
-                  </a:txBody>
-                  <a:tcPr/>
-                </a:tc>
-                <a:tc>
-                  <a:txBody>
-                    <a:bodyPr/>
-                    <a:lstStyle/>
-                    <a:p>
-                      <a:r>
-                        <a:t>Du 01/06/2024 Au 31/09/2024</a:t>
-                      </a:r>
-                    </a:p>
-                  </a:txBody>
-                  <a:tcPr/>
-                </a:tc>
-                <a:tc>
-                  <a:txBody>
-                    <a:bodyPr/>
-                    <a:lstStyle/>
-                    <a:p/>
-                  </a:txBody>
-                  <a:tcPr/>
-                </a:tc>
-                <a:tc>
-                  <a:txBody>
-                    <a:bodyPr/>
-                    <a:lstStyle/>
-                    <a:p>
+                  <a:tcPr>
+                    <a:solidFill>
+                      <a:srgbClr val="F2F2F2"/>
+                    </a:solidFill>
+                  </a:tcPr>
+                </a:tc>
+                <a:tc>
+                  <a:txBody>
+                    <a:bodyPr tIns="18288" bIns="18288" lIns="45720" rIns="45720"/>
+                    <a:lstStyle/>
+                    <a:p>
+                      <a:pPr>
+                        <a:defRPr sz="700">
+                          <a:latin typeface="Arial Narrow"/>
+                        </a:defRPr>
+                      </a:pPr>
                       <a:r>
                         <a:t>0660127763 AZEDDINE</a:t>
                       </a:r>
                     </a:p>
                   </a:txBody>
-                  <a:tcPr/>
-                </a:tc>
-                <a:tc>
-                  <a:txBody>
-                    <a:bodyPr/>
-                    <a:lstStyle/>
-                    <a:p/>
-                  </a:txBody>
-                  <a:tcPr/>
-                </a:tc>
-                <a:tc>
-                  <a:txBody>
-                    <a:bodyPr/>
-                    <a:lstStyle/>
-                    <a:p>
+                  <a:tcPr>
+                    <a:solidFill>
+                      <a:srgbClr val="F2F2F2"/>
+                    </a:solidFill>
+                  </a:tcPr>
+                </a:tc>
+                <a:tc>
+                  <a:txBody>
+                    <a:bodyPr tIns="18288" bIns="18288" lIns="45720" rIns="45720"/>
+                    <a:lstStyle/>
+                    <a:p>
+                      <a:pPr>
+                        <a:defRPr sz="700">
+                          <a:latin typeface="Arial Narrow"/>
+                        </a:defRPr>
+                      </a:pPr>
                       <a:r>
                         <a:t>Agadir</a:t>
                       </a:r>
                     </a:p>
                   </a:txBody>
-                  <a:tcPr/>
-                </a:tc>
-                <a:tc>
-                  <a:txBody>
-                    <a:bodyPr/>
-                    <a:lstStyle/>
-                    <a:p>
+                  <a:tcPr>
+                    <a:solidFill>
+                      <a:srgbClr val="F2F2F2"/>
+                    </a:solidFill>
+                  </a:tcPr>
+                </a:tc>
+                <a:tc>
+                  <a:txBody>
+                    <a:bodyPr tIns="18288" bIns="18288" lIns="45720" rIns="45720"/>
+                    <a:lstStyle/>
+                    <a:p>
+                      <a:pPr>
+                        <a:defRPr sz="700">
+                          <a:latin typeface="Arial Narrow"/>
+                        </a:defRPr>
+                      </a:pPr>
                       <a:r>
                         <a:t>Laâyoune</a:t>
                       </a:r>
                     </a:p>
                   </a:txBody>
-                  <a:tcPr/>
-                </a:tc>
-                <a:tc>
-                  <a:txBody>
-                    <a:bodyPr/>
-                    <a:lstStyle/>
-                    <a:p>
+                  <a:tcPr>
+                    <a:solidFill>
+                      <a:srgbClr val="F2F2F2"/>
+                    </a:solidFill>
+                  </a:tcPr>
+                </a:tc>
+                <a:tc>
+                  <a:txBody>
+                    <a:bodyPr tIns="18288" bIns="18288" lIns="45720" rIns="45720"/>
+                    <a:lstStyle/>
+                    <a:p>
+                      <a:pPr>
+                        <a:defRPr sz="700">
+                          <a:latin typeface="Arial Narrow"/>
+                        </a:defRPr>
+                      </a:pPr>
                       <a:r>
                         <a:t>-13.1825360000000007, 27.12980130000000045</a:t>
                       </a:r>
                     </a:p>
                   </a:txBody>
-                  <a:tcPr/>
-                </a:tc>
-                <a:tc>
-                  <a:txBody>
-                    <a:bodyPr/>
-                    <a:lstStyle/>
-                    <a:p>
+                  <a:tcPr>
+                    <a:solidFill>
+                      <a:srgbClr val="F2F2F2"/>
+                    </a:solidFill>
+                  </a:tcPr>
+                </a:tc>
+                <a:tc>
+                  <a:txBody>
+                    <a:bodyPr tIns="18288" bIns="18288" lIns="45720" rIns="45720"/>
+                    <a:lstStyle/>
+                    <a:p>
+                      <a:pPr>
+                        <a:defRPr sz="700">
+                          <a:latin typeface="Arial Narrow"/>
+                        </a:defRPr>
+                      </a:pPr>
                       <a:r>
                         <a:t>27.13873631, -13.19135810</a:t>
                       </a:r>
                     </a:p>
                   </a:txBody>
-                  <a:tcPr/>
-                </a:tc>
-                <a:tc>
-                  <a:txBody>
-                    <a:bodyPr/>
-                    <a:lstStyle/>
-                    <a:p/>
-                  </a:txBody>
-                  <a:tcPr/>
-                </a:tc>
-                <a:tc>
-                  <a:txBody>
-                    <a:bodyPr/>
-                    <a:lstStyle/>
-                    <a:p/>
-                  </a:txBody>
-                  <a:tcPr/>
+                  <a:tcPr>
+                    <a:solidFill>
+                      <a:srgbClr val="F2F2F2"/>
+                    </a:solidFill>
+                  </a:tcPr>
                 </a:tc>
               </a:tr>
-              <a:tr h="127000">
-                <a:tc>
-                  <a:txBody>
-                    <a:bodyPr/>
-                    <a:lstStyle/>
-                    <a:p>
+              <a:tr h="93600">
+                <a:tc>
+                  <a:txBody>
+                    <a:bodyPr tIns="18288" bIns="18288" lIns="45720" rIns="45720"/>
+                    <a:lstStyle/>
+                    <a:p>
+                      <a:pPr>
+                        <a:defRPr sz="700">
+                          <a:latin typeface="Arial Narrow"/>
+                        </a:defRPr>
+                      </a:pPr>
                       <a:r>
                         <a:t>LAA938</a:t>
                       </a:r>
@@ -4022,9 +3959,14 @@
                 </a:tc>
                 <a:tc>
                   <a:txBody>
-                    <a:bodyPr/>
-                    <a:lstStyle/>
-                    <a:p>
+                    <a:bodyPr tIns="18288" bIns="18288" lIns="45720" rIns="45720"/>
+                    <a:lstStyle/>
+                    <a:p>
+                      <a:pPr>
+                        <a:defRPr sz="700">
+                          <a:latin typeface="Arial Narrow"/>
+                        </a:defRPr>
+                      </a:pPr>
                       <a:r>
                         <a:t>NOMATIS</a:t>
                       </a:r>
@@ -4034,53 +3976,14 @@
                 </a:tc>
                 <a:tc>
                   <a:txBody>
-                    <a:bodyPr/>
-                    <a:lstStyle/>
-                    <a:p>
-                      <a:r>
-                        <a:t>JUIN</a:t>
-                      </a:r>
-                    </a:p>
-                  </a:txBody>
-                  <a:tcPr/>
-                </a:tc>
-                <a:tc>
-                  <a:txBody>
-                    <a:bodyPr/>
-                    <a:lstStyle/>
-                    <a:p>
-                      <a:r>
-                        <a:t>Du 01/06/2024 Au 31/09/2024</a:t>
-                      </a:r>
-                    </a:p>
-                  </a:txBody>
-                  <a:tcPr/>
-                </a:tc>
-                <a:tc>
-                  <a:txBody>
-                    <a:bodyPr/>
-                    <a:lstStyle/>
-                    <a:p>
-                      <a:r>
-                        <a:t>Du 01/06/2024 Au 31/09/2024</a:t>
-                      </a:r>
-                    </a:p>
-                  </a:txBody>
-                  <a:tcPr/>
-                </a:tc>
-                <a:tc>
-                  <a:txBody>
-                    <a:bodyPr/>
-                    <a:lstStyle/>
-                    <a:p/>
-                  </a:txBody>
-                  <a:tcPr/>
-                </a:tc>
-                <a:tc>
-                  <a:txBody>
-                    <a:bodyPr/>
-                    <a:lstStyle/>
-                    <a:p>
+                    <a:bodyPr tIns="18288" bIns="18288" lIns="45720" rIns="45720"/>
+                    <a:lstStyle/>
+                    <a:p>
+                      <a:pPr>
+                        <a:defRPr sz="700">
+                          <a:latin typeface="Arial Narrow"/>
+                        </a:defRPr>
+                      </a:pPr>
                       <a:r>
                         <a:t>0660127763 AZEDDINE</a:t>
                       </a:r>
@@ -4090,17 +3993,14 @@
                 </a:tc>
                 <a:tc>
                   <a:txBody>
-                    <a:bodyPr/>
-                    <a:lstStyle/>
-                    <a:p/>
-                  </a:txBody>
-                  <a:tcPr/>
-                </a:tc>
-                <a:tc>
-                  <a:txBody>
-                    <a:bodyPr/>
-                    <a:lstStyle/>
-                    <a:p>
+                    <a:bodyPr tIns="18288" bIns="18288" lIns="45720" rIns="45720"/>
+                    <a:lstStyle/>
+                    <a:p>
+                      <a:pPr>
+                        <a:defRPr sz="700">
+                          <a:latin typeface="Arial Narrow"/>
+                        </a:defRPr>
+                      </a:pPr>
                       <a:r>
                         <a:t>Agadir</a:t>
                       </a:r>
@@ -4110,9 +4010,14 @@
                 </a:tc>
                 <a:tc>
                   <a:txBody>
-                    <a:bodyPr/>
-                    <a:lstStyle/>
-                    <a:p>
+                    <a:bodyPr tIns="18288" bIns="18288" lIns="45720" rIns="45720"/>
+                    <a:lstStyle/>
+                    <a:p>
+                      <a:pPr>
+                        <a:defRPr sz="700">
+                          <a:latin typeface="Arial Narrow"/>
+                        </a:defRPr>
+                      </a:pPr>
                       <a:r>
                         <a:t>Laâyoune</a:t>
                       </a:r>
@@ -4122,9 +4027,14 @@
                 </a:tc>
                 <a:tc>
                   <a:txBody>
-                    <a:bodyPr/>
-                    <a:lstStyle/>
-                    <a:p>
+                    <a:bodyPr tIns="18288" bIns="18288" lIns="45720" rIns="45720"/>
+                    <a:lstStyle/>
+                    <a:p>
+                      <a:pPr>
+                        <a:defRPr sz="700">
+                          <a:latin typeface="Arial Narrow"/>
+                        </a:defRPr>
+                      </a:pPr>
                       <a:r>
                         <a:t>-13.1772519999999993, 27.12702499999999972</a:t>
                       </a:r>
@@ -4134,9 +4044,14 @@
                 </a:tc>
                 <a:tc>
                   <a:txBody>
-                    <a:bodyPr/>
-                    <a:lstStyle/>
-                    <a:p>
+                    <a:bodyPr tIns="18288" bIns="18288" lIns="45720" rIns="45720"/>
+                    <a:lstStyle/>
+                    <a:p>
+                      <a:pPr>
+                        <a:defRPr sz="700">
+                          <a:latin typeface="Arial Narrow"/>
+                        </a:defRPr>
+                      </a:pPr>
                       <a:r>
                         <a:t>27.13873631, -13.19135810</a:t>
                       </a:r>
@@ -4144,183 +4059,167 @@
                   </a:txBody>
                   <a:tcPr/>
                 </a:tc>
-                <a:tc>
-                  <a:txBody>
-                    <a:bodyPr/>
-                    <a:lstStyle/>
-                    <a:p/>
-                  </a:txBody>
-                  <a:tcPr/>
-                </a:tc>
-                <a:tc>
-                  <a:txBody>
-                    <a:bodyPr/>
-                    <a:lstStyle/>
-                    <a:p/>
-                  </a:txBody>
-                  <a:tcPr/>
-                </a:tc>
               </a:tr>
-              <a:tr h="127000">
-                <a:tc>
-                  <a:txBody>
-                    <a:bodyPr/>
-                    <a:lstStyle/>
-                    <a:p>
+              <a:tr h="93600">
+                <a:tc>
+                  <a:txBody>
+                    <a:bodyPr tIns="18288" bIns="18288" lIns="45720" rIns="45720"/>
+                    <a:lstStyle/>
+                    <a:p>
+                      <a:pPr>
+                        <a:defRPr sz="700">
+                          <a:latin typeface="Arial Narrow"/>
+                        </a:defRPr>
+                      </a:pPr>
                       <a:r>
                         <a:t>LAA031</a:t>
                       </a:r>
                     </a:p>
                   </a:txBody>
-                  <a:tcPr/>
-                </a:tc>
-                <a:tc>
-                  <a:txBody>
-                    <a:bodyPr/>
-                    <a:lstStyle/>
-                    <a:p>
+                  <a:tcPr>
+                    <a:solidFill>
+                      <a:srgbClr val="F2F2F2"/>
+                    </a:solidFill>
+                  </a:tcPr>
+                </a:tc>
+                <a:tc>
+                  <a:txBody>
+                    <a:bodyPr tIns="18288" bIns="18288" lIns="45720" rIns="45720"/>
+                    <a:lstStyle/>
+                    <a:p>
+                      <a:pPr>
+                        <a:defRPr sz="700">
+                          <a:latin typeface="Arial Narrow"/>
+                        </a:defRPr>
+                      </a:pPr>
                       <a:r>
                         <a:t>VERNE</a:t>
                       </a:r>
                     </a:p>
                   </a:txBody>
-                  <a:tcPr/>
-                </a:tc>
-                <a:tc>
-                  <a:txBody>
-                    <a:bodyPr/>
-                    <a:lstStyle/>
-                    <a:p>
-                      <a:r>
-                        <a:t>JUIN</a:t>
-                      </a:r>
-                    </a:p>
-                  </a:txBody>
-                  <a:tcPr/>
-                </a:tc>
-                <a:tc>
-                  <a:txBody>
-                    <a:bodyPr/>
-                    <a:lstStyle/>
-                    <a:p>
-                      <a:r>
-                        <a:t>Du 01/06/2024 Au 30/06/2024</a:t>
-                      </a:r>
-                    </a:p>
-                  </a:txBody>
-                  <a:tcPr/>
-                </a:tc>
-                <a:tc>
-                  <a:txBody>
-                    <a:bodyPr/>
-                    <a:lstStyle/>
-                    <a:p>
-                      <a:r>
-                        <a:t>Du 01/06/2024 Au 30/06/2024</a:t>
-                      </a:r>
-                    </a:p>
-                  </a:txBody>
-                  <a:tcPr/>
-                </a:tc>
-                <a:tc>
-                  <a:txBody>
-                    <a:bodyPr/>
-                    <a:lstStyle/>
-                    <a:p/>
-                  </a:txBody>
-                  <a:tcPr/>
-                </a:tc>
-                <a:tc>
-                  <a:txBody>
-                    <a:bodyPr/>
-                    <a:lstStyle/>
-                    <a:p>
+                  <a:tcPr>
+                    <a:solidFill>
+                      <a:srgbClr val="F2F2F2"/>
+                    </a:solidFill>
+                  </a:tcPr>
+                </a:tc>
+                <a:tc>
+                  <a:txBody>
+                    <a:bodyPr tIns="18288" bIns="18288" lIns="45720" rIns="45720"/>
+                    <a:lstStyle/>
+                    <a:p>
+                      <a:pPr>
+                        <a:defRPr sz="700">
+                          <a:latin typeface="Arial Narrow"/>
+                        </a:defRPr>
+                      </a:pPr>
                       <a:r>
                         <a:t>0660127763 AZEDDINE</a:t>
                       </a:r>
                     </a:p>
                   </a:txBody>
-                  <a:tcPr/>
-                </a:tc>
-                <a:tc>
-                  <a:txBody>
-                    <a:bodyPr/>
-                    <a:lstStyle/>
-                    <a:p/>
-                  </a:txBody>
-                  <a:tcPr/>
-                </a:tc>
-                <a:tc>
-                  <a:txBody>
-                    <a:bodyPr/>
-                    <a:lstStyle/>
-                    <a:p>
+                  <a:tcPr>
+                    <a:solidFill>
+                      <a:srgbClr val="F2F2F2"/>
+                    </a:solidFill>
+                  </a:tcPr>
+                </a:tc>
+                <a:tc>
+                  <a:txBody>
+                    <a:bodyPr tIns="18288" bIns="18288" lIns="45720" rIns="45720"/>
+                    <a:lstStyle/>
+                    <a:p>
+                      <a:pPr>
+                        <a:defRPr sz="700">
+                          <a:latin typeface="Arial Narrow"/>
+                        </a:defRPr>
+                      </a:pPr>
                       <a:r>
                         <a:t>Agadir</a:t>
                       </a:r>
                     </a:p>
                   </a:txBody>
-                  <a:tcPr/>
-                </a:tc>
-                <a:tc>
-                  <a:txBody>
-                    <a:bodyPr/>
-                    <a:lstStyle/>
-                    <a:p>
+                  <a:tcPr>
+                    <a:solidFill>
+                      <a:srgbClr val="F2F2F2"/>
+                    </a:solidFill>
+                  </a:tcPr>
+                </a:tc>
+                <a:tc>
+                  <a:txBody>
+                    <a:bodyPr tIns="18288" bIns="18288" lIns="45720" rIns="45720"/>
+                    <a:lstStyle/>
+                    <a:p>
+                      <a:pPr>
+                        <a:defRPr sz="700">
+                          <a:latin typeface="Arial Narrow"/>
+                        </a:defRPr>
+                      </a:pPr>
                       <a:r>
                         <a:t>Laâyoune</a:t>
                       </a:r>
                     </a:p>
                   </a:txBody>
-                  <a:tcPr/>
-                </a:tc>
-                <a:tc>
-                  <a:txBody>
-                    <a:bodyPr/>
-                    <a:lstStyle/>
-                    <a:p>
+                  <a:tcPr>
+                    <a:solidFill>
+                      <a:srgbClr val="F2F2F2"/>
+                    </a:solidFill>
+                  </a:tcPr>
+                </a:tc>
+                <a:tc>
+                  <a:txBody>
+                    <a:bodyPr tIns="18288" bIns="18288" lIns="45720" rIns="45720"/>
+                    <a:lstStyle/>
+                    <a:p>
+                      <a:pPr>
+                        <a:defRPr sz="700">
+                          <a:latin typeface="Arial Narrow"/>
+                        </a:defRPr>
+                      </a:pPr>
                       <a:r>
                         <a:t>-13.17236100000000043, 27.12766699999999886</a:t>
                       </a:r>
                     </a:p>
                   </a:txBody>
-                  <a:tcPr/>
-                </a:tc>
-                <a:tc>
-                  <a:txBody>
-                    <a:bodyPr/>
-                    <a:lstStyle/>
-                    <a:p>
+                  <a:tcPr>
+                    <a:solidFill>
+                      <a:srgbClr val="F2F2F2"/>
+                    </a:solidFill>
+                  </a:tcPr>
+                </a:tc>
+                <a:tc>
+                  <a:txBody>
+                    <a:bodyPr tIns="18288" bIns="18288" lIns="45720" rIns="45720"/>
+                    <a:lstStyle/>
+                    <a:p>
+                      <a:pPr>
+                        <a:defRPr sz="700">
+                          <a:latin typeface="Arial Narrow"/>
+                        </a:defRPr>
+                      </a:pPr>
                       <a:r>
                         <a:t>27.13873631, -13.19135810</a:t>
                       </a:r>
                     </a:p>
                   </a:txBody>
-                  <a:tcPr/>
-                </a:tc>
-                <a:tc>
-                  <a:txBody>
-                    <a:bodyPr/>
-                    <a:lstStyle/>
-                    <a:p/>
-                  </a:txBody>
-                  <a:tcPr/>
-                </a:tc>
-                <a:tc>
-                  <a:txBody>
-                    <a:bodyPr/>
-                    <a:lstStyle/>
-                    <a:p/>
-                  </a:txBody>
-                  <a:tcPr/>
+                  <a:tcPr>
+                    <a:solidFill>
+                      <a:srgbClr val="F2F2F2"/>
+                    </a:solidFill>
+                  </a:tcPr>
                 </a:tc>
               </a:tr>
-              <a:tr h="127000">
-                <a:tc>
-                  <a:txBody>
-                    <a:bodyPr/>
-                    <a:lstStyle/>
-                    <a:p>
+              <a:tr h="93600">
+                <a:tc>
+                  <a:txBody>
+                    <a:bodyPr tIns="18288" bIns="18288" lIns="45720" rIns="45720"/>
+                    <a:lstStyle/>
+                    <a:p>
+                      <a:pPr>
+                        <a:defRPr sz="700">
+                          <a:latin typeface="Arial Narrow"/>
+                        </a:defRPr>
+                      </a:pPr>
                       <a:r>
                         <a:t>LAA022</a:t>
                       </a:r>
@@ -4330,9 +4229,14 @@
                 </a:tc>
                 <a:tc>
                   <a:txBody>
-                    <a:bodyPr/>
-                    <a:lstStyle/>
-                    <a:p>
+                    <a:bodyPr tIns="18288" bIns="18288" lIns="45720" rIns="45720"/>
+                    <a:lstStyle/>
+                    <a:p>
+                      <a:pPr>
+                        <a:defRPr sz="700">
+                          <a:latin typeface="Arial Narrow"/>
+                        </a:defRPr>
+                      </a:pPr>
                       <a:r>
                         <a:t>VERNE</a:t>
                       </a:r>
@@ -4342,53 +4246,14 @@
                 </a:tc>
                 <a:tc>
                   <a:txBody>
-                    <a:bodyPr/>
-                    <a:lstStyle/>
-                    <a:p>
-                      <a:r>
-                        <a:t>JUIN</a:t>
-                      </a:r>
-                    </a:p>
-                  </a:txBody>
-                  <a:tcPr/>
-                </a:tc>
-                <a:tc>
-                  <a:txBody>
-                    <a:bodyPr/>
-                    <a:lstStyle/>
-                    <a:p>
-                      <a:r>
-                        <a:t>Du 01/06/2024 Au 30/06/2024</a:t>
-                      </a:r>
-                    </a:p>
-                  </a:txBody>
-                  <a:tcPr/>
-                </a:tc>
-                <a:tc>
-                  <a:txBody>
-                    <a:bodyPr/>
-                    <a:lstStyle/>
-                    <a:p>
-                      <a:r>
-                        <a:t>Du 01/06/2024 Au 30/06/2024</a:t>
-                      </a:r>
-                    </a:p>
-                  </a:txBody>
-                  <a:tcPr/>
-                </a:tc>
-                <a:tc>
-                  <a:txBody>
-                    <a:bodyPr/>
-                    <a:lstStyle/>
-                    <a:p/>
-                  </a:txBody>
-                  <a:tcPr/>
-                </a:tc>
-                <a:tc>
-                  <a:txBody>
-                    <a:bodyPr/>
-                    <a:lstStyle/>
-                    <a:p>
+                    <a:bodyPr tIns="18288" bIns="18288" lIns="45720" rIns="45720"/>
+                    <a:lstStyle/>
+                    <a:p>
+                      <a:pPr>
+                        <a:defRPr sz="700">
+                          <a:latin typeface="Arial Narrow"/>
+                        </a:defRPr>
+                      </a:pPr>
                       <a:r>
                         <a:t>0660127763 AZEDDINE</a:t>
                       </a:r>
@@ -4398,17 +4263,14 @@
                 </a:tc>
                 <a:tc>
                   <a:txBody>
-                    <a:bodyPr/>
-                    <a:lstStyle/>
-                    <a:p/>
-                  </a:txBody>
-                  <a:tcPr/>
-                </a:tc>
-                <a:tc>
-                  <a:txBody>
-                    <a:bodyPr/>
-                    <a:lstStyle/>
-                    <a:p>
+                    <a:bodyPr tIns="18288" bIns="18288" lIns="45720" rIns="45720"/>
+                    <a:lstStyle/>
+                    <a:p>
+                      <a:pPr>
+                        <a:defRPr sz="700">
+                          <a:latin typeface="Arial Narrow"/>
+                        </a:defRPr>
+                      </a:pPr>
                       <a:r>
                         <a:t>Agadir</a:t>
                       </a:r>
@@ -4418,9 +4280,14 @@
                 </a:tc>
                 <a:tc>
                   <a:txBody>
-                    <a:bodyPr/>
-                    <a:lstStyle/>
-                    <a:p>
+                    <a:bodyPr tIns="18288" bIns="18288" lIns="45720" rIns="45720"/>
+                    <a:lstStyle/>
+                    <a:p>
+                      <a:pPr>
+                        <a:defRPr sz="700">
+                          <a:latin typeface="Arial Narrow"/>
+                        </a:defRPr>
+                      </a:pPr>
                       <a:r>
                         <a:t>Laâyoune</a:t>
                       </a:r>
@@ -4430,9 +4297,14 @@
                 </a:tc>
                 <a:tc>
                   <a:txBody>
-                    <a:bodyPr/>
-                    <a:lstStyle/>
-                    <a:p>
+                    <a:bodyPr tIns="18288" bIns="18288" lIns="45720" rIns="45720"/>
+                    <a:lstStyle/>
+                    <a:p>
+                      <a:pPr>
+                        <a:defRPr sz="700">
+                          <a:latin typeface="Arial Narrow"/>
+                        </a:defRPr>
+                      </a:pPr>
                       <a:r>
                         <a:t>-13.17837160000000019, 27.12260789999999844</a:t>
                       </a:r>
@@ -4442,9 +4314,14 @@
                 </a:tc>
                 <a:tc>
                   <a:txBody>
-                    <a:bodyPr/>
-                    <a:lstStyle/>
-                    <a:p>
+                    <a:bodyPr tIns="18288" bIns="18288" lIns="45720" rIns="45720"/>
+                    <a:lstStyle/>
+                    <a:p>
+                      <a:pPr>
+                        <a:defRPr sz="700">
+                          <a:latin typeface="Arial Narrow"/>
+                        </a:defRPr>
+                      </a:pPr>
                       <a:r>
                         <a:t>27.13873631, -13.19135810</a:t>
                       </a:r>
@@ -4452,183 +4329,167 @@
                   </a:txBody>
                   <a:tcPr/>
                 </a:tc>
-                <a:tc>
-                  <a:txBody>
-                    <a:bodyPr/>
-                    <a:lstStyle/>
-                    <a:p/>
-                  </a:txBody>
-                  <a:tcPr/>
-                </a:tc>
-                <a:tc>
-                  <a:txBody>
-                    <a:bodyPr/>
-                    <a:lstStyle/>
-                    <a:p/>
-                  </a:txBody>
-                  <a:tcPr/>
-                </a:tc>
               </a:tr>
-              <a:tr h="127000">
-                <a:tc>
-                  <a:txBody>
-                    <a:bodyPr/>
-                    <a:lstStyle/>
-                    <a:p>
+              <a:tr h="93600">
+                <a:tc>
+                  <a:txBody>
+                    <a:bodyPr tIns="18288" bIns="18288" lIns="45720" rIns="45720"/>
+                    <a:lstStyle/>
+                    <a:p>
+                      <a:pPr>
+                        <a:defRPr sz="700">
+                          <a:latin typeface="Arial Narrow"/>
+                        </a:defRPr>
+                      </a:pPr>
                       <a:r>
                         <a:t>LAA033</a:t>
                       </a:r>
                     </a:p>
                   </a:txBody>
-                  <a:tcPr/>
-                </a:tc>
-                <a:tc>
-                  <a:txBody>
-                    <a:bodyPr/>
-                    <a:lstStyle/>
-                    <a:p>
+                  <a:tcPr>
+                    <a:solidFill>
+                      <a:srgbClr val="F2F2F2"/>
+                    </a:solidFill>
+                  </a:tcPr>
+                </a:tc>
+                <a:tc>
+                  <a:txBody>
+                    <a:bodyPr tIns="18288" bIns="18288" lIns="45720" rIns="45720"/>
+                    <a:lstStyle/>
+                    <a:p>
+                      <a:pPr>
+                        <a:defRPr sz="700">
+                          <a:latin typeface="Arial Narrow"/>
+                        </a:defRPr>
+                      </a:pPr>
                       <a:r>
                         <a:t>VERNE</a:t>
                       </a:r>
                     </a:p>
                   </a:txBody>
-                  <a:tcPr/>
-                </a:tc>
-                <a:tc>
-                  <a:txBody>
-                    <a:bodyPr/>
-                    <a:lstStyle/>
-                    <a:p>
-                      <a:r>
-                        <a:t>JUIN</a:t>
-                      </a:r>
-                    </a:p>
-                  </a:txBody>
-                  <a:tcPr/>
-                </a:tc>
-                <a:tc>
-                  <a:txBody>
-                    <a:bodyPr/>
-                    <a:lstStyle/>
-                    <a:p>
-                      <a:r>
-                        <a:t>Du 01/06/2024 Au 30/06/2024</a:t>
-                      </a:r>
-                    </a:p>
-                  </a:txBody>
-                  <a:tcPr/>
-                </a:tc>
-                <a:tc>
-                  <a:txBody>
-                    <a:bodyPr/>
-                    <a:lstStyle/>
-                    <a:p>
-                      <a:r>
-                        <a:t>Du 01/06/2024 Au 30/06/2024</a:t>
-                      </a:r>
-                    </a:p>
-                  </a:txBody>
-                  <a:tcPr/>
-                </a:tc>
-                <a:tc>
-                  <a:txBody>
-                    <a:bodyPr/>
-                    <a:lstStyle/>
-                    <a:p/>
-                  </a:txBody>
-                  <a:tcPr/>
-                </a:tc>
-                <a:tc>
-                  <a:txBody>
-                    <a:bodyPr/>
-                    <a:lstStyle/>
-                    <a:p>
+                  <a:tcPr>
+                    <a:solidFill>
+                      <a:srgbClr val="F2F2F2"/>
+                    </a:solidFill>
+                  </a:tcPr>
+                </a:tc>
+                <a:tc>
+                  <a:txBody>
+                    <a:bodyPr tIns="18288" bIns="18288" lIns="45720" rIns="45720"/>
+                    <a:lstStyle/>
+                    <a:p>
+                      <a:pPr>
+                        <a:defRPr sz="700">
+                          <a:latin typeface="Arial Narrow"/>
+                        </a:defRPr>
+                      </a:pPr>
                       <a:r>
                         <a:t>0660127763 AZEDDINE</a:t>
                       </a:r>
                     </a:p>
                   </a:txBody>
-                  <a:tcPr/>
-                </a:tc>
-                <a:tc>
-                  <a:txBody>
-                    <a:bodyPr/>
-                    <a:lstStyle/>
-                    <a:p/>
-                  </a:txBody>
-                  <a:tcPr/>
-                </a:tc>
-                <a:tc>
-                  <a:txBody>
-                    <a:bodyPr/>
-                    <a:lstStyle/>
-                    <a:p>
+                  <a:tcPr>
+                    <a:solidFill>
+                      <a:srgbClr val="F2F2F2"/>
+                    </a:solidFill>
+                  </a:tcPr>
+                </a:tc>
+                <a:tc>
+                  <a:txBody>
+                    <a:bodyPr tIns="18288" bIns="18288" lIns="45720" rIns="45720"/>
+                    <a:lstStyle/>
+                    <a:p>
+                      <a:pPr>
+                        <a:defRPr sz="700">
+                          <a:latin typeface="Arial Narrow"/>
+                        </a:defRPr>
+                      </a:pPr>
                       <a:r>
                         <a:t>Agadir</a:t>
                       </a:r>
                     </a:p>
                   </a:txBody>
-                  <a:tcPr/>
-                </a:tc>
-                <a:tc>
-                  <a:txBody>
-                    <a:bodyPr/>
-                    <a:lstStyle/>
-                    <a:p>
+                  <a:tcPr>
+                    <a:solidFill>
+                      <a:srgbClr val="F2F2F2"/>
+                    </a:solidFill>
+                  </a:tcPr>
+                </a:tc>
+                <a:tc>
+                  <a:txBody>
+                    <a:bodyPr tIns="18288" bIns="18288" lIns="45720" rIns="45720"/>
+                    <a:lstStyle/>
+                    <a:p>
+                      <a:pPr>
+                        <a:defRPr sz="700">
+                          <a:latin typeface="Arial Narrow"/>
+                        </a:defRPr>
+                      </a:pPr>
                       <a:r>
                         <a:t>Laâyoune</a:t>
                       </a:r>
                     </a:p>
                   </a:txBody>
-                  <a:tcPr/>
-                </a:tc>
-                <a:tc>
-                  <a:txBody>
-                    <a:bodyPr/>
-                    <a:lstStyle/>
-                    <a:p>
+                  <a:tcPr>
+                    <a:solidFill>
+                      <a:srgbClr val="F2F2F2"/>
+                    </a:solidFill>
+                  </a:tcPr>
+                </a:tc>
+                <a:tc>
+                  <a:txBody>
+                    <a:bodyPr tIns="18288" bIns="18288" lIns="45720" rIns="45720"/>
+                    <a:lstStyle/>
+                    <a:p>
+                      <a:pPr>
+                        <a:defRPr sz="700">
+                          <a:latin typeface="Arial Narrow"/>
+                        </a:defRPr>
+                      </a:pPr>
                       <a:r>
                         <a:t>-13.16355599999999981, 27.11272200000000154</a:t>
                       </a:r>
                     </a:p>
                   </a:txBody>
-                  <a:tcPr/>
-                </a:tc>
-                <a:tc>
-                  <a:txBody>
-                    <a:bodyPr/>
-                    <a:lstStyle/>
-                    <a:p>
+                  <a:tcPr>
+                    <a:solidFill>
+                      <a:srgbClr val="F2F2F2"/>
+                    </a:solidFill>
+                  </a:tcPr>
+                </a:tc>
+                <a:tc>
+                  <a:txBody>
+                    <a:bodyPr tIns="18288" bIns="18288" lIns="45720" rIns="45720"/>
+                    <a:lstStyle/>
+                    <a:p>
+                      <a:pPr>
+                        <a:defRPr sz="700">
+                          <a:latin typeface="Arial Narrow"/>
+                        </a:defRPr>
+                      </a:pPr>
                       <a:r>
                         <a:t>27.13873631, -13.19135810</a:t>
                       </a:r>
                     </a:p>
                   </a:txBody>
-                  <a:tcPr/>
-                </a:tc>
-                <a:tc>
-                  <a:txBody>
-                    <a:bodyPr/>
-                    <a:lstStyle/>
-                    <a:p/>
-                  </a:txBody>
-                  <a:tcPr/>
-                </a:tc>
-                <a:tc>
-                  <a:txBody>
-                    <a:bodyPr/>
-                    <a:lstStyle/>
-                    <a:p/>
-                  </a:txBody>
-                  <a:tcPr/>
+                  <a:tcPr>
+                    <a:solidFill>
+                      <a:srgbClr val="F2F2F2"/>
+                    </a:solidFill>
+                  </a:tcPr>
                 </a:tc>
               </a:tr>
-              <a:tr h="127000">
-                <a:tc>
-                  <a:txBody>
-                    <a:bodyPr/>
-                    <a:lstStyle/>
-                    <a:p>
+              <a:tr h="93600">
+                <a:tc>
+                  <a:txBody>
+                    <a:bodyPr tIns="18288" bIns="18288" lIns="45720" rIns="45720"/>
+                    <a:lstStyle/>
+                    <a:p>
+                      <a:pPr>
+                        <a:defRPr sz="700">
+                          <a:latin typeface="Arial Narrow"/>
+                        </a:defRPr>
+                      </a:pPr>
                       <a:r>
                         <a:t>LAA917</a:t>
                       </a:r>
@@ -4638,9 +4499,14 @@
                 </a:tc>
                 <a:tc>
                   <a:txBody>
-                    <a:bodyPr/>
-                    <a:lstStyle/>
-                    <a:p>
+                    <a:bodyPr tIns="18288" bIns="18288" lIns="45720" rIns="45720"/>
+                    <a:lstStyle/>
+                    <a:p>
+                      <a:pPr>
+                        <a:defRPr sz="700">
+                          <a:latin typeface="Arial Narrow"/>
+                        </a:defRPr>
+                      </a:pPr>
                       <a:r>
                         <a:t>VERNE</a:t>
                       </a:r>
@@ -4650,53 +4516,14 @@
                 </a:tc>
                 <a:tc>
                   <a:txBody>
-                    <a:bodyPr/>
-                    <a:lstStyle/>
-                    <a:p>
-                      <a:r>
-                        <a:t>JUIN</a:t>
-                      </a:r>
-                    </a:p>
-                  </a:txBody>
-                  <a:tcPr/>
-                </a:tc>
-                <a:tc>
-                  <a:txBody>
-                    <a:bodyPr/>
-                    <a:lstStyle/>
-                    <a:p>
-                      <a:r>
-                        <a:t>Du 01/06/2024 Au 30/06/2024</a:t>
-                      </a:r>
-                    </a:p>
-                  </a:txBody>
-                  <a:tcPr/>
-                </a:tc>
-                <a:tc>
-                  <a:txBody>
-                    <a:bodyPr/>
-                    <a:lstStyle/>
-                    <a:p>
-                      <a:r>
-                        <a:t>Du 01/06/2024 Au 30/06/2024</a:t>
-                      </a:r>
-                    </a:p>
-                  </a:txBody>
-                  <a:tcPr/>
-                </a:tc>
-                <a:tc>
-                  <a:txBody>
-                    <a:bodyPr/>
-                    <a:lstStyle/>
-                    <a:p/>
-                  </a:txBody>
-                  <a:tcPr/>
-                </a:tc>
-                <a:tc>
-                  <a:txBody>
-                    <a:bodyPr/>
-                    <a:lstStyle/>
-                    <a:p>
+                    <a:bodyPr tIns="18288" bIns="18288" lIns="45720" rIns="45720"/>
+                    <a:lstStyle/>
+                    <a:p>
+                      <a:pPr>
+                        <a:defRPr sz="700">
+                          <a:latin typeface="Arial Narrow"/>
+                        </a:defRPr>
+                      </a:pPr>
                       <a:r>
                         <a:t>0660127763 AZEDDINE</a:t>
                       </a:r>
@@ -4706,17 +4533,14 @@
                 </a:tc>
                 <a:tc>
                   <a:txBody>
-                    <a:bodyPr/>
-                    <a:lstStyle/>
-                    <a:p/>
-                  </a:txBody>
-                  <a:tcPr/>
-                </a:tc>
-                <a:tc>
-                  <a:txBody>
-                    <a:bodyPr/>
-                    <a:lstStyle/>
-                    <a:p>
+                    <a:bodyPr tIns="18288" bIns="18288" lIns="45720" rIns="45720"/>
+                    <a:lstStyle/>
+                    <a:p>
+                      <a:pPr>
+                        <a:defRPr sz="700">
+                          <a:latin typeface="Arial Narrow"/>
+                        </a:defRPr>
+                      </a:pPr>
                       <a:r>
                         <a:t>Agadir</a:t>
                       </a:r>
@@ -4726,9 +4550,14 @@
                 </a:tc>
                 <a:tc>
                   <a:txBody>
-                    <a:bodyPr/>
-                    <a:lstStyle/>
-                    <a:p>
+                    <a:bodyPr tIns="18288" bIns="18288" lIns="45720" rIns="45720"/>
+                    <a:lstStyle/>
+                    <a:p>
+                      <a:pPr>
+                        <a:defRPr sz="700">
+                          <a:latin typeface="Arial Narrow"/>
+                        </a:defRPr>
+                      </a:pPr>
                       <a:r>
                         <a:t>Laâyoune</a:t>
                       </a:r>
@@ -4738,9 +4567,14 @@
                 </a:tc>
                 <a:tc>
                   <a:txBody>
-                    <a:bodyPr/>
-                    <a:lstStyle/>
-                    <a:p>
+                    <a:bodyPr tIns="18288" bIns="18288" lIns="45720" rIns="45720"/>
+                    <a:lstStyle/>
+                    <a:p>
+                      <a:pPr>
+                        <a:defRPr sz="700">
+                          <a:latin typeface="Arial Narrow"/>
+                        </a:defRPr>
+                      </a:pPr>
                       <a:r>
                         <a:t>-13.16869439999999969, 27.10963890000000021</a:t>
                       </a:r>
@@ -4750,9 +4584,14 @@
                 </a:tc>
                 <a:tc>
                   <a:txBody>
-                    <a:bodyPr/>
-                    <a:lstStyle/>
-                    <a:p>
+                    <a:bodyPr tIns="18288" bIns="18288" lIns="45720" rIns="45720"/>
+                    <a:lstStyle/>
+                    <a:p>
+                      <a:pPr>
+                        <a:defRPr sz="700">
+                          <a:latin typeface="Arial Narrow"/>
+                        </a:defRPr>
+                      </a:pPr>
                       <a:r>
                         <a:t>27.13873631, -13.19135810</a:t>
                       </a:r>
@@ -4760,183 +4599,167 @@
                   </a:txBody>
                   <a:tcPr/>
                 </a:tc>
-                <a:tc>
-                  <a:txBody>
-                    <a:bodyPr/>
-                    <a:lstStyle/>
-                    <a:p/>
-                  </a:txBody>
-                  <a:tcPr/>
-                </a:tc>
-                <a:tc>
-                  <a:txBody>
-                    <a:bodyPr/>
-                    <a:lstStyle/>
-                    <a:p/>
-                  </a:txBody>
-                  <a:tcPr/>
-                </a:tc>
               </a:tr>
-              <a:tr h="127000">
-                <a:tc>
-                  <a:txBody>
-                    <a:bodyPr/>
-                    <a:lstStyle/>
-                    <a:p>
+              <a:tr h="93600">
+                <a:tc>
+                  <a:txBody>
+                    <a:bodyPr tIns="18288" bIns="18288" lIns="45720" rIns="45720"/>
+                    <a:lstStyle/>
+                    <a:p>
+                      <a:pPr>
+                        <a:defRPr sz="700">
+                          <a:latin typeface="Arial Narrow"/>
+                        </a:defRPr>
+                      </a:pPr>
                       <a:r>
                         <a:t>LAA945</a:t>
                       </a:r>
                     </a:p>
                   </a:txBody>
-                  <a:tcPr/>
-                </a:tc>
-                <a:tc>
-                  <a:txBody>
-                    <a:bodyPr/>
-                    <a:lstStyle/>
-                    <a:p>
+                  <a:tcPr>
+                    <a:solidFill>
+                      <a:srgbClr val="F2F2F2"/>
+                    </a:solidFill>
+                  </a:tcPr>
+                </a:tc>
+                <a:tc>
+                  <a:txBody>
+                    <a:bodyPr tIns="18288" bIns="18288" lIns="45720" rIns="45720"/>
+                    <a:lstStyle/>
+                    <a:p>
+                      <a:pPr>
+                        <a:defRPr sz="700">
+                          <a:latin typeface="Arial Narrow"/>
+                        </a:defRPr>
+                      </a:pPr>
                       <a:r>
                         <a:t>NOMATIS</a:t>
                       </a:r>
                     </a:p>
                   </a:txBody>
-                  <a:tcPr/>
-                </a:tc>
-                <a:tc>
-                  <a:txBody>
-                    <a:bodyPr/>
-                    <a:lstStyle/>
-                    <a:p>
-                      <a:r>
-                        <a:t>JUIN</a:t>
-                      </a:r>
-                    </a:p>
-                  </a:txBody>
-                  <a:tcPr/>
-                </a:tc>
-                <a:tc>
-                  <a:txBody>
-                    <a:bodyPr/>
-                    <a:lstStyle/>
-                    <a:p>
-                      <a:r>
-                        <a:t>Du 01/06/2024 Au 31/09/2024</a:t>
-                      </a:r>
-                    </a:p>
-                  </a:txBody>
-                  <a:tcPr/>
-                </a:tc>
-                <a:tc>
-                  <a:txBody>
-                    <a:bodyPr/>
-                    <a:lstStyle/>
-                    <a:p>
-                      <a:r>
-                        <a:t>Du 01/06/2024 Au 31/09/2024</a:t>
-                      </a:r>
-                    </a:p>
-                  </a:txBody>
-                  <a:tcPr/>
-                </a:tc>
-                <a:tc>
-                  <a:txBody>
-                    <a:bodyPr/>
-                    <a:lstStyle/>
-                    <a:p/>
-                  </a:txBody>
-                  <a:tcPr/>
-                </a:tc>
-                <a:tc>
-                  <a:txBody>
-                    <a:bodyPr/>
-                    <a:lstStyle/>
-                    <a:p>
+                  <a:tcPr>
+                    <a:solidFill>
+                      <a:srgbClr val="F2F2F2"/>
+                    </a:solidFill>
+                  </a:tcPr>
+                </a:tc>
+                <a:tc>
+                  <a:txBody>
+                    <a:bodyPr tIns="18288" bIns="18288" lIns="45720" rIns="45720"/>
+                    <a:lstStyle/>
+                    <a:p>
+                      <a:pPr>
+                        <a:defRPr sz="700">
+                          <a:latin typeface="Arial Narrow"/>
+                        </a:defRPr>
+                      </a:pPr>
                       <a:r>
                         <a:t>0660127763 AZEDDINE</a:t>
                       </a:r>
                     </a:p>
                   </a:txBody>
-                  <a:tcPr/>
-                </a:tc>
-                <a:tc>
-                  <a:txBody>
-                    <a:bodyPr/>
-                    <a:lstStyle/>
-                    <a:p/>
-                  </a:txBody>
-                  <a:tcPr/>
-                </a:tc>
-                <a:tc>
-                  <a:txBody>
-                    <a:bodyPr/>
-                    <a:lstStyle/>
-                    <a:p>
+                  <a:tcPr>
+                    <a:solidFill>
+                      <a:srgbClr val="F2F2F2"/>
+                    </a:solidFill>
+                  </a:tcPr>
+                </a:tc>
+                <a:tc>
+                  <a:txBody>
+                    <a:bodyPr tIns="18288" bIns="18288" lIns="45720" rIns="45720"/>
+                    <a:lstStyle/>
+                    <a:p>
+                      <a:pPr>
+                        <a:defRPr sz="700">
+                          <a:latin typeface="Arial Narrow"/>
+                        </a:defRPr>
+                      </a:pPr>
                       <a:r>
                         <a:t>Agadir</a:t>
                       </a:r>
                     </a:p>
                   </a:txBody>
-                  <a:tcPr/>
-                </a:tc>
-                <a:tc>
-                  <a:txBody>
-                    <a:bodyPr/>
-                    <a:lstStyle/>
-                    <a:p>
+                  <a:tcPr>
+                    <a:solidFill>
+                      <a:srgbClr val="F2F2F2"/>
+                    </a:solidFill>
+                  </a:tcPr>
+                </a:tc>
+                <a:tc>
+                  <a:txBody>
+                    <a:bodyPr tIns="18288" bIns="18288" lIns="45720" rIns="45720"/>
+                    <a:lstStyle/>
+                    <a:p>
+                      <a:pPr>
+                        <a:defRPr sz="700">
+                          <a:latin typeface="Arial Narrow"/>
+                        </a:defRPr>
+                      </a:pPr>
                       <a:r>
                         <a:t>Laâyoune</a:t>
                       </a:r>
                     </a:p>
                   </a:txBody>
-                  <a:tcPr/>
-                </a:tc>
-                <a:tc>
-                  <a:txBody>
-                    <a:bodyPr/>
-                    <a:lstStyle/>
-                    <a:p>
+                  <a:tcPr>
+                    <a:solidFill>
+                      <a:srgbClr val="F2F2F2"/>
+                    </a:solidFill>
+                  </a:tcPr>
+                </a:tc>
+                <a:tc>
+                  <a:txBody>
+                    <a:bodyPr tIns="18288" bIns="18288" lIns="45720" rIns="45720"/>
+                    <a:lstStyle/>
+                    <a:p>
+                      <a:pPr>
+                        <a:defRPr sz="700">
+                          <a:latin typeface="Arial Narrow"/>
+                        </a:defRPr>
+                      </a:pPr>
                       <a:r>
                         <a:t>-13.1750279999999993, 27.13258300000000034</a:t>
                       </a:r>
                     </a:p>
                   </a:txBody>
-                  <a:tcPr/>
-                </a:tc>
-                <a:tc>
-                  <a:txBody>
-                    <a:bodyPr/>
-                    <a:lstStyle/>
-                    <a:p>
+                  <a:tcPr>
+                    <a:solidFill>
+                      <a:srgbClr val="F2F2F2"/>
+                    </a:solidFill>
+                  </a:tcPr>
+                </a:tc>
+                <a:tc>
+                  <a:txBody>
+                    <a:bodyPr tIns="18288" bIns="18288" lIns="45720" rIns="45720"/>
+                    <a:lstStyle/>
+                    <a:p>
+                      <a:pPr>
+                        <a:defRPr sz="700">
+                          <a:latin typeface="Arial Narrow"/>
+                        </a:defRPr>
+                      </a:pPr>
                       <a:r>
                         <a:t>27.13610000, -13.17920000</a:t>
                       </a:r>
                     </a:p>
                   </a:txBody>
-                  <a:tcPr/>
-                </a:tc>
-                <a:tc>
-                  <a:txBody>
-                    <a:bodyPr/>
-                    <a:lstStyle/>
-                    <a:p/>
-                  </a:txBody>
-                  <a:tcPr/>
-                </a:tc>
-                <a:tc>
-                  <a:txBody>
-                    <a:bodyPr/>
-                    <a:lstStyle/>
-                    <a:p/>
-                  </a:txBody>
-                  <a:tcPr/>
+                  <a:tcPr>
+                    <a:solidFill>
+                      <a:srgbClr val="F2F2F2"/>
+                    </a:solidFill>
+                  </a:tcPr>
                 </a:tc>
               </a:tr>
-              <a:tr h="127000">
-                <a:tc>
-                  <a:txBody>
-                    <a:bodyPr/>
-                    <a:lstStyle/>
-                    <a:p>
+              <a:tr h="93600">
+                <a:tc>
+                  <a:txBody>
+                    <a:bodyPr tIns="18288" bIns="18288" lIns="45720" rIns="45720"/>
+                    <a:lstStyle/>
+                    <a:p>
+                      <a:pPr>
+                        <a:defRPr sz="700">
+                          <a:latin typeface="Arial Narrow"/>
+                        </a:defRPr>
+                      </a:pPr>
                       <a:r>
                         <a:t>LAA937</a:t>
                       </a:r>
@@ -4946,9 +4769,14 @@
                 </a:tc>
                 <a:tc>
                   <a:txBody>
-                    <a:bodyPr/>
-                    <a:lstStyle/>
-                    <a:p>
+                    <a:bodyPr tIns="18288" bIns="18288" lIns="45720" rIns="45720"/>
+                    <a:lstStyle/>
+                    <a:p>
+                      <a:pPr>
+                        <a:defRPr sz="700">
+                          <a:latin typeface="Arial Narrow"/>
+                        </a:defRPr>
+                      </a:pPr>
                       <a:r>
                         <a:t>NOMATIS</a:t>
                       </a:r>
@@ -4958,53 +4786,14 @@
                 </a:tc>
                 <a:tc>
                   <a:txBody>
-                    <a:bodyPr/>
-                    <a:lstStyle/>
-                    <a:p>
-                      <a:r>
-                        <a:t>JUIN</a:t>
-                      </a:r>
-                    </a:p>
-                  </a:txBody>
-                  <a:tcPr/>
-                </a:tc>
-                <a:tc>
-                  <a:txBody>
-                    <a:bodyPr/>
-                    <a:lstStyle/>
-                    <a:p>
-                      <a:r>
-                        <a:t>Du 01/06/2024 Au 31/09/2024</a:t>
-                      </a:r>
-                    </a:p>
-                  </a:txBody>
-                  <a:tcPr/>
-                </a:tc>
-                <a:tc>
-                  <a:txBody>
-                    <a:bodyPr/>
-                    <a:lstStyle/>
-                    <a:p>
-                      <a:r>
-                        <a:t>Du 01/06/2024 Au 31/09/2024</a:t>
-                      </a:r>
-                    </a:p>
-                  </a:txBody>
-                  <a:tcPr/>
-                </a:tc>
-                <a:tc>
-                  <a:txBody>
-                    <a:bodyPr/>
-                    <a:lstStyle/>
-                    <a:p/>
-                  </a:txBody>
-                  <a:tcPr/>
-                </a:tc>
-                <a:tc>
-                  <a:txBody>
-                    <a:bodyPr/>
-                    <a:lstStyle/>
-                    <a:p>
+                    <a:bodyPr tIns="18288" bIns="18288" lIns="45720" rIns="45720"/>
+                    <a:lstStyle/>
+                    <a:p>
+                      <a:pPr>
+                        <a:defRPr sz="700">
+                          <a:latin typeface="Arial Narrow"/>
+                        </a:defRPr>
+                      </a:pPr>
                       <a:r>
                         <a:t>0660127763 AZEDDINE</a:t>
                       </a:r>
@@ -5014,17 +4803,14 @@
                 </a:tc>
                 <a:tc>
                   <a:txBody>
-                    <a:bodyPr/>
-                    <a:lstStyle/>
-                    <a:p/>
-                  </a:txBody>
-                  <a:tcPr/>
-                </a:tc>
-                <a:tc>
-                  <a:txBody>
-                    <a:bodyPr/>
-                    <a:lstStyle/>
-                    <a:p>
+                    <a:bodyPr tIns="18288" bIns="18288" lIns="45720" rIns="45720"/>
+                    <a:lstStyle/>
+                    <a:p>
+                      <a:pPr>
+                        <a:defRPr sz="700">
+                          <a:latin typeface="Arial Narrow"/>
+                        </a:defRPr>
+                      </a:pPr>
                       <a:r>
                         <a:t>Agadir</a:t>
                       </a:r>
@@ -5034,9 +4820,14 @@
                 </a:tc>
                 <a:tc>
                   <a:txBody>
-                    <a:bodyPr/>
-                    <a:lstStyle/>
-                    <a:p>
+                    <a:bodyPr tIns="18288" bIns="18288" lIns="45720" rIns="45720"/>
+                    <a:lstStyle/>
+                    <a:p>
+                      <a:pPr>
+                        <a:defRPr sz="700">
+                          <a:latin typeface="Arial Narrow"/>
+                        </a:defRPr>
+                      </a:pPr>
                       <a:r>
                         <a:t>Laâyoune</a:t>
                       </a:r>
@@ -5046,9 +4837,14 @@
                 </a:tc>
                 <a:tc>
                   <a:txBody>
-                    <a:bodyPr/>
-                    <a:lstStyle/>
-                    <a:p>
+                    <a:bodyPr tIns="18288" bIns="18288" lIns="45720" rIns="45720"/>
+                    <a:lstStyle/>
+                    <a:p>
+                      <a:pPr>
+                        <a:defRPr sz="700">
+                          <a:latin typeface="Arial Narrow"/>
+                        </a:defRPr>
+                      </a:pPr>
                       <a:r>
                         <a:t>-13.17022219999999955, 27.13263889999999989</a:t>
                       </a:r>
@@ -5058,9 +4854,14 @@
                 </a:tc>
                 <a:tc>
                   <a:txBody>
-                    <a:bodyPr/>
-                    <a:lstStyle/>
-                    <a:p>
+                    <a:bodyPr tIns="18288" bIns="18288" lIns="45720" rIns="45720"/>
+                    <a:lstStyle/>
+                    <a:p>
+                      <a:pPr>
+                        <a:defRPr sz="700">
+                          <a:latin typeface="Arial Narrow"/>
+                        </a:defRPr>
+                      </a:pPr>
                       <a:r>
                         <a:t>27.13610000, -13.17920000</a:t>
                       </a:r>
@@ -5068,183 +4869,167 @@
                   </a:txBody>
                   <a:tcPr/>
                 </a:tc>
-                <a:tc>
-                  <a:txBody>
-                    <a:bodyPr/>
-                    <a:lstStyle/>
-                    <a:p/>
-                  </a:txBody>
-                  <a:tcPr/>
-                </a:tc>
-                <a:tc>
-                  <a:txBody>
-                    <a:bodyPr/>
-                    <a:lstStyle/>
-                    <a:p/>
-                  </a:txBody>
-                  <a:tcPr/>
-                </a:tc>
               </a:tr>
-              <a:tr h="127000">
-                <a:tc>
-                  <a:txBody>
-                    <a:bodyPr/>
-                    <a:lstStyle/>
-                    <a:p>
+              <a:tr h="93600">
+                <a:tc>
+                  <a:txBody>
+                    <a:bodyPr tIns="18288" bIns="18288" lIns="45720" rIns="45720"/>
+                    <a:lstStyle/>
+                    <a:p>
+                      <a:pPr>
+                        <a:defRPr sz="700">
+                          <a:latin typeface="Arial Narrow"/>
+                        </a:defRPr>
+                      </a:pPr>
                       <a:r>
                         <a:t>LAA007</a:t>
                       </a:r>
                     </a:p>
                   </a:txBody>
-                  <a:tcPr/>
-                </a:tc>
-                <a:tc>
-                  <a:txBody>
-                    <a:bodyPr/>
-                    <a:lstStyle/>
-                    <a:p>
+                  <a:tcPr>
+                    <a:solidFill>
+                      <a:srgbClr val="F2F2F2"/>
+                    </a:solidFill>
+                  </a:tcPr>
+                </a:tc>
+                <a:tc>
+                  <a:txBody>
+                    <a:bodyPr tIns="18288" bIns="18288" lIns="45720" rIns="45720"/>
+                    <a:lstStyle/>
+                    <a:p>
+                      <a:pPr>
+                        <a:defRPr sz="700">
+                          <a:latin typeface="Arial Narrow"/>
+                        </a:defRPr>
+                      </a:pPr>
                       <a:r>
                         <a:t>VERNE</a:t>
                       </a:r>
                     </a:p>
                   </a:txBody>
-                  <a:tcPr/>
-                </a:tc>
-                <a:tc>
-                  <a:txBody>
-                    <a:bodyPr/>
-                    <a:lstStyle/>
-                    <a:p>
-                      <a:r>
-                        <a:t>JUIN</a:t>
-                      </a:r>
-                    </a:p>
-                  </a:txBody>
-                  <a:tcPr/>
-                </a:tc>
-                <a:tc>
-                  <a:txBody>
-                    <a:bodyPr/>
-                    <a:lstStyle/>
-                    <a:p>
-                      <a:r>
-                        <a:t>Du 01/06/2024 Au 30/06/2024</a:t>
-                      </a:r>
-                    </a:p>
-                  </a:txBody>
-                  <a:tcPr/>
-                </a:tc>
-                <a:tc>
-                  <a:txBody>
-                    <a:bodyPr/>
-                    <a:lstStyle/>
-                    <a:p>
-                      <a:r>
-                        <a:t>Du 01/06/2024 Au 30/06/2024</a:t>
-                      </a:r>
-                    </a:p>
-                  </a:txBody>
-                  <a:tcPr/>
-                </a:tc>
-                <a:tc>
-                  <a:txBody>
-                    <a:bodyPr/>
-                    <a:lstStyle/>
-                    <a:p/>
-                  </a:txBody>
-                  <a:tcPr/>
-                </a:tc>
-                <a:tc>
-                  <a:txBody>
-                    <a:bodyPr/>
-                    <a:lstStyle/>
-                    <a:p>
+                  <a:tcPr>
+                    <a:solidFill>
+                      <a:srgbClr val="F2F2F2"/>
+                    </a:solidFill>
+                  </a:tcPr>
+                </a:tc>
+                <a:tc>
+                  <a:txBody>
+                    <a:bodyPr tIns="18288" bIns="18288" lIns="45720" rIns="45720"/>
+                    <a:lstStyle/>
+                    <a:p>
+                      <a:pPr>
+                        <a:defRPr sz="700">
+                          <a:latin typeface="Arial Narrow"/>
+                        </a:defRPr>
+                      </a:pPr>
                       <a:r>
                         <a:t>0660127763 AZEDDINE</a:t>
                       </a:r>
                     </a:p>
                   </a:txBody>
-                  <a:tcPr/>
-                </a:tc>
-                <a:tc>
-                  <a:txBody>
-                    <a:bodyPr/>
-                    <a:lstStyle/>
-                    <a:p/>
-                  </a:txBody>
-                  <a:tcPr/>
-                </a:tc>
-                <a:tc>
-                  <a:txBody>
-                    <a:bodyPr/>
-                    <a:lstStyle/>
-                    <a:p>
+                  <a:tcPr>
+                    <a:solidFill>
+                      <a:srgbClr val="F2F2F2"/>
+                    </a:solidFill>
+                  </a:tcPr>
+                </a:tc>
+                <a:tc>
+                  <a:txBody>
+                    <a:bodyPr tIns="18288" bIns="18288" lIns="45720" rIns="45720"/>
+                    <a:lstStyle/>
+                    <a:p>
+                      <a:pPr>
+                        <a:defRPr sz="700">
+                          <a:latin typeface="Arial Narrow"/>
+                        </a:defRPr>
+                      </a:pPr>
                       <a:r>
                         <a:t>Agadir</a:t>
                       </a:r>
                     </a:p>
                   </a:txBody>
-                  <a:tcPr/>
-                </a:tc>
-                <a:tc>
-                  <a:txBody>
-                    <a:bodyPr/>
-                    <a:lstStyle/>
-                    <a:p>
+                  <a:tcPr>
+                    <a:solidFill>
+                      <a:srgbClr val="F2F2F2"/>
+                    </a:solidFill>
+                  </a:tcPr>
+                </a:tc>
+                <a:tc>
+                  <a:txBody>
+                    <a:bodyPr tIns="18288" bIns="18288" lIns="45720" rIns="45720"/>
+                    <a:lstStyle/>
+                    <a:p>
+                      <a:pPr>
+                        <a:defRPr sz="700">
+                          <a:latin typeface="Arial Narrow"/>
+                        </a:defRPr>
+                      </a:pPr>
                       <a:r>
                         <a:t>Laâyoune</a:t>
                       </a:r>
                     </a:p>
                   </a:txBody>
-                  <a:tcPr/>
-                </a:tc>
-                <a:tc>
-                  <a:txBody>
-                    <a:bodyPr/>
-                    <a:lstStyle/>
-                    <a:p>
+                  <a:tcPr>
+                    <a:solidFill>
+                      <a:srgbClr val="F2F2F2"/>
+                    </a:solidFill>
+                  </a:tcPr>
+                </a:tc>
+                <a:tc>
+                  <a:txBody>
+                    <a:bodyPr tIns="18288" bIns="18288" lIns="45720" rIns="45720"/>
+                    <a:lstStyle/>
+                    <a:p>
+                      <a:pPr>
+                        <a:defRPr sz="700">
+                          <a:latin typeface="Arial Narrow"/>
+                        </a:defRPr>
+                      </a:pPr>
                       <a:r>
                         <a:t>-13.16569999999999929, 27.12959999999999994</a:t>
                       </a:r>
                     </a:p>
                   </a:txBody>
-                  <a:tcPr/>
-                </a:tc>
-                <a:tc>
-                  <a:txBody>
-                    <a:bodyPr/>
-                    <a:lstStyle/>
-                    <a:p>
+                  <a:tcPr>
+                    <a:solidFill>
+                      <a:srgbClr val="F2F2F2"/>
+                    </a:solidFill>
+                  </a:tcPr>
+                </a:tc>
+                <a:tc>
+                  <a:txBody>
+                    <a:bodyPr tIns="18288" bIns="18288" lIns="45720" rIns="45720"/>
+                    <a:lstStyle/>
+                    <a:p>
+                      <a:pPr>
+                        <a:defRPr sz="700">
+                          <a:latin typeface="Arial Narrow"/>
+                        </a:defRPr>
+                      </a:pPr>
                       <a:r>
                         <a:t>27.13610000, -13.17920000</a:t>
                       </a:r>
                     </a:p>
                   </a:txBody>
-                  <a:tcPr/>
-                </a:tc>
-                <a:tc>
-                  <a:txBody>
-                    <a:bodyPr/>
-                    <a:lstStyle/>
-                    <a:p/>
-                  </a:txBody>
-                  <a:tcPr/>
-                </a:tc>
-                <a:tc>
-                  <a:txBody>
-                    <a:bodyPr/>
-                    <a:lstStyle/>
-                    <a:p/>
-                  </a:txBody>
-                  <a:tcPr/>
+                  <a:tcPr>
+                    <a:solidFill>
+                      <a:srgbClr val="F2F2F2"/>
+                    </a:solidFill>
+                  </a:tcPr>
                 </a:tc>
               </a:tr>
-              <a:tr h="127000">
-                <a:tc>
-                  <a:txBody>
-                    <a:bodyPr/>
-                    <a:lstStyle/>
-                    <a:p>
+              <a:tr h="93600">
+                <a:tc>
+                  <a:txBody>
+                    <a:bodyPr tIns="18288" bIns="18288" lIns="45720" rIns="45720"/>
+                    <a:lstStyle/>
+                    <a:p>
+                      <a:pPr>
+                        <a:defRPr sz="700">
+                          <a:latin typeface="Arial Narrow"/>
+                        </a:defRPr>
+                      </a:pPr>
                       <a:r>
                         <a:t>LAA941</a:t>
                       </a:r>
@@ -5254,9 +5039,14 @@
                 </a:tc>
                 <a:tc>
                   <a:txBody>
-                    <a:bodyPr/>
-                    <a:lstStyle/>
-                    <a:p>
+                    <a:bodyPr tIns="18288" bIns="18288" lIns="45720" rIns="45720"/>
+                    <a:lstStyle/>
+                    <a:p>
+                      <a:pPr>
+                        <a:defRPr sz="700">
+                          <a:latin typeface="Arial Narrow"/>
+                        </a:defRPr>
+                      </a:pPr>
                       <a:r>
                         <a:t>NOMATIS</a:t>
                       </a:r>
@@ -5266,53 +5056,14 @@
                 </a:tc>
                 <a:tc>
                   <a:txBody>
-                    <a:bodyPr/>
-                    <a:lstStyle/>
-                    <a:p>
-                      <a:r>
-                        <a:t>JUIN</a:t>
-                      </a:r>
-                    </a:p>
-                  </a:txBody>
-                  <a:tcPr/>
-                </a:tc>
-                <a:tc>
-                  <a:txBody>
-                    <a:bodyPr/>
-                    <a:lstStyle/>
-                    <a:p>
-                      <a:r>
-                        <a:t>Du 01/06/2024 Au 31/09/2024</a:t>
-                      </a:r>
-                    </a:p>
-                  </a:txBody>
-                  <a:tcPr/>
-                </a:tc>
-                <a:tc>
-                  <a:txBody>
-                    <a:bodyPr/>
-                    <a:lstStyle/>
-                    <a:p>
-                      <a:r>
-                        <a:t>Du 01/06/2024 Au 31/09/2024</a:t>
-                      </a:r>
-                    </a:p>
-                  </a:txBody>
-                  <a:tcPr/>
-                </a:tc>
-                <a:tc>
-                  <a:txBody>
-                    <a:bodyPr/>
-                    <a:lstStyle/>
-                    <a:p/>
-                  </a:txBody>
-                  <a:tcPr/>
-                </a:tc>
-                <a:tc>
-                  <a:txBody>
-                    <a:bodyPr/>
-                    <a:lstStyle/>
-                    <a:p>
+                    <a:bodyPr tIns="18288" bIns="18288" lIns="45720" rIns="45720"/>
+                    <a:lstStyle/>
+                    <a:p>
+                      <a:pPr>
+                        <a:defRPr sz="700">
+                          <a:latin typeface="Arial Narrow"/>
+                        </a:defRPr>
+                      </a:pPr>
                       <a:r>
                         <a:t>0660127763 AZEDDINE</a:t>
                       </a:r>
@@ -5322,17 +5073,14 @@
                 </a:tc>
                 <a:tc>
                   <a:txBody>
-                    <a:bodyPr/>
-                    <a:lstStyle/>
-                    <a:p/>
-                  </a:txBody>
-                  <a:tcPr/>
-                </a:tc>
-                <a:tc>
-                  <a:txBody>
-                    <a:bodyPr/>
-                    <a:lstStyle/>
-                    <a:p>
+                    <a:bodyPr tIns="18288" bIns="18288" lIns="45720" rIns="45720"/>
+                    <a:lstStyle/>
+                    <a:p>
+                      <a:pPr>
+                        <a:defRPr sz="700">
+                          <a:latin typeface="Arial Narrow"/>
+                        </a:defRPr>
+                      </a:pPr>
                       <a:r>
                         <a:t>Agadir</a:t>
                       </a:r>
@@ -5342,9 +5090,14 @@
                 </a:tc>
                 <a:tc>
                   <a:txBody>
-                    <a:bodyPr/>
-                    <a:lstStyle/>
-                    <a:p>
+                    <a:bodyPr tIns="18288" bIns="18288" lIns="45720" rIns="45720"/>
+                    <a:lstStyle/>
+                    <a:p>
+                      <a:pPr>
+                        <a:defRPr sz="700">
+                          <a:latin typeface="Arial Narrow"/>
+                        </a:defRPr>
+                      </a:pPr>
                       <a:r>
                         <a:t>Laâyoune</a:t>
                       </a:r>
@@ -5354,9 +5107,14 @@
                 </a:tc>
                 <a:tc>
                   <a:txBody>
-                    <a:bodyPr/>
-                    <a:lstStyle/>
-                    <a:p>
+                    <a:bodyPr tIns="18288" bIns="18288" lIns="45720" rIns="45720"/>
+                    <a:lstStyle/>
+                    <a:p>
+                      <a:pPr>
+                        <a:defRPr sz="700">
+                          <a:latin typeface="Arial Narrow"/>
+                        </a:defRPr>
+                      </a:pPr>
                       <a:r>
                         <a:t>-13.15327779999999969, 27.13163889999999867</a:t>
                       </a:r>
@@ -5366,9 +5124,14 @@
                 </a:tc>
                 <a:tc>
                   <a:txBody>
-                    <a:bodyPr/>
-                    <a:lstStyle/>
-                    <a:p>
+                    <a:bodyPr tIns="18288" bIns="18288" lIns="45720" rIns="45720"/>
+                    <a:lstStyle/>
+                    <a:p>
+                      <a:pPr>
+                        <a:defRPr sz="700">
+                          <a:latin typeface="Arial Narrow"/>
+                        </a:defRPr>
+                      </a:pPr>
                       <a:r>
                         <a:t>27.13610000, -13.17920000</a:t>
                       </a:r>
@@ -5376,183 +5139,167 @@
                   </a:txBody>
                   <a:tcPr/>
                 </a:tc>
-                <a:tc>
-                  <a:txBody>
-                    <a:bodyPr/>
-                    <a:lstStyle/>
-                    <a:p/>
-                  </a:txBody>
-                  <a:tcPr/>
-                </a:tc>
-                <a:tc>
-                  <a:txBody>
-                    <a:bodyPr/>
-                    <a:lstStyle/>
-                    <a:p/>
-                  </a:txBody>
-                  <a:tcPr/>
-                </a:tc>
               </a:tr>
-              <a:tr h="127000">
-                <a:tc>
-                  <a:txBody>
-                    <a:bodyPr/>
-                    <a:lstStyle/>
-                    <a:p>
+              <a:tr h="93600">
+                <a:tc>
+                  <a:txBody>
+                    <a:bodyPr tIns="18288" bIns="18288" lIns="45720" rIns="45720"/>
+                    <a:lstStyle/>
+                    <a:p>
+                      <a:pPr>
+                        <a:defRPr sz="700">
+                          <a:latin typeface="Arial Narrow"/>
+                        </a:defRPr>
+                      </a:pPr>
                       <a:r>
                         <a:t>LAA940</a:t>
                       </a:r>
                     </a:p>
                   </a:txBody>
-                  <a:tcPr/>
-                </a:tc>
-                <a:tc>
-                  <a:txBody>
-                    <a:bodyPr/>
-                    <a:lstStyle/>
-                    <a:p>
+                  <a:tcPr>
+                    <a:solidFill>
+                      <a:srgbClr val="F2F2F2"/>
+                    </a:solidFill>
+                  </a:tcPr>
+                </a:tc>
+                <a:tc>
+                  <a:txBody>
+                    <a:bodyPr tIns="18288" bIns="18288" lIns="45720" rIns="45720"/>
+                    <a:lstStyle/>
+                    <a:p>
+                      <a:pPr>
+                        <a:defRPr sz="700">
+                          <a:latin typeface="Arial Narrow"/>
+                        </a:defRPr>
+                      </a:pPr>
                       <a:r>
                         <a:t>NOMATIS</a:t>
                       </a:r>
                     </a:p>
                   </a:txBody>
-                  <a:tcPr/>
-                </a:tc>
-                <a:tc>
-                  <a:txBody>
-                    <a:bodyPr/>
-                    <a:lstStyle/>
-                    <a:p>
-                      <a:r>
-                        <a:t>JUIN</a:t>
-                      </a:r>
-                    </a:p>
-                  </a:txBody>
-                  <a:tcPr/>
-                </a:tc>
-                <a:tc>
-                  <a:txBody>
-                    <a:bodyPr/>
-                    <a:lstStyle/>
-                    <a:p>
-                      <a:r>
-                        <a:t>Du 01/06/2024 Au 31/09/2024</a:t>
-                      </a:r>
-                    </a:p>
-                  </a:txBody>
-                  <a:tcPr/>
-                </a:tc>
-                <a:tc>
-                  <a:txBody>
-                    <a:bodyPr/>
-                    <a:lstStyle/>
-                    <a:p>
-                      <a:r>
-                        <a:t>Du 01/06/2024 Au 31/09/2024</a:t>
-                      </a:r>
-                    </a:p>
-                  </a:txBody>
-                  <a:tcPr/>
-                </a:tc>
-                <a:tc>
-                  <a:txBody>
-                    <a:bodyPr/>
-                    <a:lstStyle/>
-                    <a:p/>
-                  </a:txBody>
-                  <a:tcPr/>
-                </a:tc>
-                <a:tc>
-                  <a:txBody>
-                    <a:bodyPr/>
-                    <a:lstStyle/>
-                    <a:p>
+                  <a:tcPr>
+                    <a:solidFill>
+                      <a:srgbClr val="F2F2F2"/>
+                    </a:solidFill>
+                  </a:tcPr>
+                </a:tc>
+                <a:tc>
+                  <a:txBody>
+                    <a:bodyPr tIns="18288" bIns="18288" lIns="45720" rIns="45720"/>
+                    <a:lstStyle/>
+                    <a:p>
+                      <a:pPr>
+                        <a:defRPr sz="700">
+                          <a:latin typeface="Arial Narrow"/>
+                        </a:defRPr>
+                      </a:pPr>
                       <a:r>
                         <a:t>0660127763 AZEDDINE</a:t>
                       </a:r>
                     </a:p>
                   </a:txBody>
-                  <a:tcPr/>
-                </a:tc>
-                <a:tc>
-                  <a:txBody>
-                    <a:bodyPr/>
-                    <a:lstStyle/>
-                    <a:p/>
-                  </a:txBody>
-                  <a:tcPr/>
-                </a:tc>
-                <a:tc>
-                  <a:txBody>
-                    <a:bodyPr/>
-                    <a:lstStyle/>
-                    <a:p>
+                  <a:tcPr>
+                    <a:solidFill>
+                      <a:srgbClr val="F2F2F2"/>
+                    </a:solidFill>
+                  </a:tcPr>
+                </a:tc>
+                <a:tc>
+                  <a:txBody>
+                    <a:bodyPr tIns="18288" bIns="18288" lIns="45720" rIns="45720"/>
+                    <a:lstStyle/>
+                    <a:p>
+                      <a:pPr>
+                        <a:defRPr sz="700">
+                          <a:latin typeface="Arial Narrow"/>
+                        </a:defRPr>
+                      </a:pPr>
                       <a:r>
                         <a:t>Agadir</a:t>
                       </a:r>
                     </a:p>
                   </a:txBody>
-                  <a:tcPr/>
-                </a:tc>
-                <a:tc>
-                  <a:txBody>
-                    <a:bodyPr/>
-                    <a:lstStyle/>
-                    <a:p>
+                  <a:tcPr>
+                    <a:solidFill>
+                      <a:srgbClr val="F2F2F2"/>
+                    </a:solidFill>
+                  </a:tcPr>
+                </a:tc>
+                <a:tc>
+                  <a:txBody>
+                    <a:bodyPr tIns="18288" bIns="18288" lIns="45720" rIns="45720"/>
+                    <a:lstStyle/>
+                    <a:p>
+                      <a:pPr>
+                        <a:defRPr sz="700">
+                          <a:latin typeface="Arial Narrow"/>
+                        </a:defRPr>
+                      </a:pPr>
                       <a:r>
                         <a:t>Laâyoune</a:t>
                       </a:r>
                     </a:p>
                   </a:txBody>
-                  <a:tcPr/>
-                </a:tc>
-                <a:tc>
-                  <a:txBody>
-                    <a:bodyPr/>
-                    <a:lstStyle/>
-                    <a:p>
+                  <a:tcPr>
+                    <a:solidFill>
+                      <a:srgbClr val="F2F2F2"/>
+                    </a:solidFill>
+                  </a:tcPr>
+                </a:tc>
+                <a:tc>
+                  <a:txBody>
+                    <a:bodyPr tIns="18288" bIns="18288" lIns="45720" rIns="45720"/>
+                    <a:lstStyle/>
+                    <a:p>
+                      <a:pPr>
+                        <a:defRPr sz="700">
+                          <a:latin typeface="Arial Narrow"/>
+                        </a:defRPr>
+                      </a:pPr>
                       <a:r>
                         <a:t>-13.1589539999999996, 27.1364882999999999</a:t>
                       </a:r>
                     </a:p>
                   </a:txBody>
-                  <a:tcPr/>
-                </a:tc>
-                <a:tc>
-                  <a:txBody>
-                    <a:bodyPr/>
-                    <a:lstStyle/>
-                    <a:p>
+                  <a:tcPr>
+                    <a:solidFill>
+                      <a:srgbClr val="F2F2F2"/>
+                    </a:solidFill>
+                  </a:tcPr>
+                </a:tc>
+                <a:tc>
+                  <a:txBody>
+                    <a:bodyPr tIns="18288" bIns="18288" lIns="45720" rIns="45720"/>
+                    <a:lstStyle/>
+                    <a:p>
+                      <a:pPr>
+                        <a:defRPr sz="700">
+                          <a:latin typeface="Arial Narrow"/>
+                        </a:defRPr>
+                      </a:pPr>
                       <a:r>
                         <a:t>27.13610000, -13.17920000</a:t>
                       </a:r>
                     </a:p>
                   </a:txBody>
-                  <a:tcPr/>
-                </a:tc>
-                <a:tc>
-                  <a:txBody>
-                    <a:bodyPr/>
-                    <a:lstStyle/>
-                    <a:p/>
-                  </a:txBody>
-                  <a:tcPr/>
-                </a:tc>
-                <a:tc>
-                  <a:txBody>
-                    <a:bodyPr/>
-                    <a:lstStyle/>
-                    <a:p/>
-                  </a:txBody>
-                  <a:tcPr/>
+                  <a:tcPr>
+                    <a:solidFill>
+                      <a:srgbClr val="F2F2F2"/>
+                    </a:solidFill>
+                  </a:tcPr>
                 </a:tc>
               </a:tr>
-              <a:tr h="127000">
-                <a:tc>
-                  <a:txBody>
-                    <a:bodyPr/>
-                    <a:lstStyle/>
-                    <a:p>
+              <a:tr h="93600">
+                <a:tc>
+                  <a:txBody>
+                    <a:bodyPr tIns="18288" bIns="18288" lIns="45720" rIns="45720"/>
+                    <a:lstStyle/>
+                    <a:p>
+                      <a:pPr>
+                        <a:defRPr sz="700">
+                          <a:latin typeface="Arial Narrow"/>
+                        </a:defRPr>
+                      </a:pPr>
                       <a:r>
                         <a:t>LAA944</a:t>
                       </a:r>
@@ -5562,9 +5309,14 @@
                 </a:tc>
                 <a:tc>
                   <a:txBody>
-                    <a:bodyPr/>
-                    <a:lstStyle/>
-                    <a:p>
+                    <a:bodyPr tIns="18288" bIns="18288" lIns="45720" rIns="45720"/>
+                    <a:lstStyle/>
+                    <a:p>
+                      <a:pPr>
+                        <a:defRPr sz="700">
+                          <a:latin typeface="Arial Narrow"/>
+                        </a:defRPr>
+                      </a:pPr>
                       <a:r>
                         <a:t>NOMATIS</a:t>
                       </a:r>
@@ -5574,53 +5326,14 @@
                 </a:tc>
                 <a:tc>
                   <a:txBody>
-                    <a:bodyPr/>
-                    <a:lstStyle/>
-                    <a:p>
-                      <a:r>
-                        <a:t>JUIN</a:t>
-                      </a:r>
-                    </a:p>
-                  </a:txBody>
-                  <a:tcPr/>
-                </a:tc>
-                <a:tc>
-                  <a:txBody>
-                    <a:bodyPr/>
-                    <a:lstStyle/>
-                    <a:p>
-                      <a:r>
-                        <a:t>Du 01/06/2024 Au 31/09/2024</a:t>
-                      </a:r>
-                    </a:p>
-                  </a:txBody>
-                  <a:tcPr/>
-                </a:tc>
-                <a:tc>
-                  <a:txBody>
-                    <a:bodyPr/>
-                    <a:lstStyle/>
-                    <a:p>
-                      <a:r>
-                        <a:t>Du 01/06/2024 Au 31/09/2024</a:t>
-                      </a:r>
-                    </a:p>
-                  </a:txBody>
-                  <a:tcPr/>
-                </a:tc>
-                <a:tc>
-                  <a:txBody>
-                    <a:bodyPr/>
-                    <a:lstStyle/>
-                    <a:p/>
-                  </a:txBody>
-                  <a:tcPr/>
-                </a:tc>
-                <a:tc>
-                  <a:txBody>
-                    <a:bodyPr/>
-                    <a:lstStyle/>
-                    <a:p>
+                    <a:bodyPr tIns="18288" bIns="18288" lIns="45720" rIns="45720"/>
+                    <a:lstStyle/>
+                    <a:p>
+                      <a:pPr>
+                        <a:defRPr sz="700">
+                          <a:latin typeface="Arial Narrow"/>
+                        </a:defRPr>
+                      </a:pPr>
                       <a:r>
                         <a:t>0660127763 AZEDDINE</a:t>
                       </a:r>
@@ -5630,17 +5343,14 @@
                 </a:tc>
                 <a:tc>
                   <a:txBody>
-                    <a:bodyPr/>
-                    <a:lstStyle/>
-                    <a:p/>
-                  </a:txBody>
-                  <a:tcPr/>
-                </a:tc>
-                <a:tc>
-                  <a:txBody>
-                    <a:bodyPr/>
-                    <a:lstStyle/>
-                    <a:p>
+                    <a:bodyPr tIns="18288" bIns="18288" lIns="45720" rIns="45720"/>
+                    <a:lstStyle/>
+                    <a:p>
+                      <a:pPr>
+                        <a:defRPr sz="700">
+                          <a:latin typeface="Arial Narrow"/>
+                        </a:defRPr>
+                      </a:pPr>
                       <a:r>
                         <a:t>Agadir</a:t>
                       </a:r>
@@ -5650,9 +5360,14 @@
                 </a:tc>
                 <a:tc>
                   <a:txBody>
-                    <a:bodyPr/>
-                    <a:lstStyle/>
-                    <a:p>
+                    <a:bodyPr tIns="18288" bIns="18288" lIns="45720" rIns="45720"/>
+                    <a:lstStyle/>
+                    <a:p>
+                      <a:pPr>
+                        <a:defRPr sz="700">
+                          <a:latin typeface="Arial Narrow"/>
+                        </a:defRPr>
+                      </a:pPr>
                       <a:r>
                         <a:t>Laâyoune</a:t>
                       </a:r>
@@ -5662,9 +5377,14 @@
                 </a:tc>
                 <a:tc>
                   <a:txBody>
-                    <a:bodyPr/>
-                    <a:lstStyle/>
-                    <a:p>
+                    <a:bodyPr tIns="18288" bIns="18288" lIns="45720" rIns="45720"/>
+                    <a:lstStyle/>
+                    <a:p>
+                      <a:pPr>
+                        <a:defRPr sz="700">
+                          <a:latin typeface="Arial Narrow"/>
+                        </a:defRPr>
+                      </a:pPr>
                       <a:r>
                         <a:t>-13.15449549999999945, 27.12651879999999949</a:t>
                       </a:r>
@@ -5674,9 +5394,14 @@
                 </a:tc>
                 <a:tc>
                   <a:txBody>
-                    <a:bodyPr/>
-                    <a:lstStyle/>
-                    <a:p>
+                    <a:bodyPr tIns="18288" bIns="18288" lIns="45720" rIns="45720"/>
+                    <a:lstStyle/>
+                    <a:p>
+                      <a:pPr>
+                        <a:defRPr sz="700">
+                          <a:latin typeface="Arial Narrow"/>
+                        </a:defRPr>
+                      </a:pPr>
                       <a:r>
                         <a:t>27.13610000, -13.17920000</a:t>
                       </a:r>
@@ -5684,183 +5409,167 @@
                   </a:txBody>
                   <a:tcPr/>
                 </a:tc>
-                <a:tc>
-                  <a:txBody>
-                    <a:bodyPr/>
-                    <a:lstStyle/>
-                    <a:p/>
-                  </a:txBody>
-                  <a:tcPr/>
-                </a:tc>
-                <a:tc>
-                  <a:txBody>
-                    <a:bodyPr/>
-                    <a:lstStyle/>
-                    <a:p/>
-                  </a:txBody>
-                  <a:tcPr/>
-                </a:tc>
               </a:tr>
-              <a:tr h="127000">
-                <a:tc>
-                  <a:txBody>
-                    <a:bodyPr/>
-                    <a:lstStyle/>
-                    <a:p>
+              <a:tr h="93600">
+                <a:tc>
+                  <a:txBody>
+                    <a:bodyPr tIns="18288" bIns="18288" lIns="45720" rIns="45720"/>
+                    <a:lstStyle/>
+                    <a:p>
+                      <a:pPr>
+                        <a:defRPr sz="700">
+                          <a:latin typeface="Arial Narrow"/>
+                        </a:defRPr>
+                      </a:pPr>
                       <a:r>
                         <a:t>LAA049</a:t>
                       </a:r>
                     </a:p>
                   </a:txBody>
-                  <a:tcPr/>
-                </a:tc>
-                <a:tc>
-                  <a:txBody>
-                    <a:bodyPr/>
-                    <a:lstStyle/>
-                    <a:p>
+                  <a:tcPr>
+                    <a:solidFill>
+                      <a:srgbClr val="F2F2F2"/>
+                    </a:solidFill>
+                  </a:tcPr>
+                </a:tc>
+                <a:tc>
+                  <a:txBody>
+                    <a:bodyPr tIns="18288" bIns="18288" lIns="45720" rIns="45720"/>
+                    <a:lstStyle/>
+                    <a:p>
+                      <a:pPr>
+                        <a:defRPr sz="700">
+                          <a:latin typeface="Arial Narrow"/>
+                        </a:defRPr>
+                      </a:pPr>
                       <a:r>
                         <a:t>NOMATIS</a:t>
                       </a:r>
                     </a:p>
                   </a:txBody>
-                  <a:tcPr/>
-                </a:tc>
-                <a:tc>
-                  <a:txBody>
-                    <a:bodyPr/>
-                    <a:lstStyle/>
-                    <a:p>
-                      <a:r>
-                        <a:t>JUIN</a:t>
-                      </a:r>
-                    </a:p>
-                  </a:txBody>
-                  <a:tcPr/>
-                </a:tc>
-                <a:tc>
-                  <a:txBody>
-                    <a:bodyPr/>
-                    <a:lstStyle/>
-                    <a:p>
-                      <a:r>
-                        <a:t>Du 01/06/2024 Au 31/09/2024</a:t>
-                      </a:r>
-                    </a:p>
-                  </a:txBody>
-                  <a:tcPr/>
-                </a:tc>
-                <a:tc>
-                  <a:txBody>
-                    <a:bodyPr/>
-                    <a:lstStyle/>
-                    <a:p>
-                      <a:r>
-                        <a:t>Du 01/06/2024 Au 31/09/2024</a:t>
-                      </a:r>
-                    </a:p>
-                  </a:txBody>
-                  <a:tcPr/>
-                </a:tc>
-                <a:tc>
-                  <a:txBody>
-                    <a:bodyPr/>
-                    <a:lstStyle/>
-                    <a:p/>
-                  </a:txBody>
-                  <a:tcPr/>
-                </a:tc>
-                <a:tc>
-                  <a:txBody>
-                    <a:bodyPr/>
-                    <a:lstStyle/>
-                    <a:p>
+                  <a:tcPr>
+                    <a:solidFill>
+                      <a:srgbClr val="F2F2F2"/>
+                    </a:solidFill>
+                  </a:tcPr>
+                </a:tc>
+                <a:tc>
+                  <a:txBody>
+                    <a:bodyPr tIns="18288" bIns="18288" lIns="45720" rIns="45720"/>
+                    <a:lstStyle/>
+                    <a:p>
+                      <a:pPr>
+                        <a:defRPr sz="700">
+                          <a:latin typeface="Arial Narrow"/>
+                        </a:defRPr>
+                      </a:pPr>
                       <a:r>
                         <a:t>0660127763 AZEDDINE</a:t>
                       </a:r>
                     </a:p>
                   </a:txBody>
-                  <a:tcPr/>
-                </a:tc>
-                <a:tc>
-                  <a:txBody>
-                    <a:bodyPr/>
-                    <a:lstStyle/>
-                    <a:p/>
-                  </a:txBody>
-                  <a:tcPr/>
-                </a:tc>
-                <a:tc>
-                  <a:txBody>
-                    <a:bodyPr/>
-                    <a:lstStyle/>
-                    <a:p>
+                  <a:tcPr>
+                    <a:solidFill>
+                      <a:srgbClr val="F2F2F2"/>
+                    </a:solidFill>
+                  </a:tcPr>
+                </a:tc>
+                <a:tc>
+                  <a:txBody>
+                    <a:bodyPr tIns="18288" bIns="18288" lIns="45720" rIns="45720"/>
+                    <a:lstStyle/>
+                    <a:p>
+                      <a:pPr>
+                        <a:defRPr sz="700">
+                          <a:latin typeface="Arial Narrow"/>
+                        </a:defRPr>
+                      </a:pPr>
                       <a:r>
                         <a:t>Agadir</a:t>
                       </a:r>
                     </a:p>
                   </a:txBody>
-                  <a:tcPr/>
-                </a:tc>
-                <a:tc>
-                  <a:txBody>
-                    <a:bodyPr/>
-                    <a:lstStyle/>
-                    <a:p>
+                  <a:tcPr>
+                    <a:solidFill>
+                      <a:srgbClr val="F2F2F2"/>
+                    </a:solidFill>
+                  </a:tcPr>
+                </a:tc>
+                <a:tc>
+                  <a:txBody>
+                    <a:bodyPr tIns="18288" bIns="18288" lIns="45720" rIns="45720"/>
+                    <a:lstStyle/>
+                    <a:p>
+                      <a:pPr>
+                        <a:defRPr sz="700">
+                          <a:latin typeface="Arial Narrow"/>
+                        </a:defRPr>
+                      </a:pPr>
                       <a:r>
                         <a:t>Laâyoune</a:t>
                       </a:r>
                     </a:p>
                   </a:txBody>
-                  <a:tcPr/>
-                </a:tc>
-                <a:tc>
-                  <a:txBody>
-                    <a:bodyPr/>
-                    <a:lstStyle/>
-                    <a:p>
+                  <a:tcPr>
+                    <a:solidFill>
+                      <a:srgbClr val="F2F2F2"/>
+                    </a:solidFill>
+                  </a:tcPr>
+                </a:tc>
+                <a:tc>
+                  <a:txBody>
+                    <a:bodyPr tIns="18288" bIns="18288" lIns="45720" rIns="45720"/>
+                    <a:lstStyle/>
+                    <a:p>
+                      <a:pPr>
+                        <a:defRPr sz="700">
+                          <a:latin typeface="Arial Narrow"/>
+                        </a:defRPr>
+                      </a:pPr>
                       <a:r>
                         <a:t>-13.154833, 27.12202800000000025</a:t>
                       </a:r>
                     </a:p>
                   </a:txBody>
-                  <a:tcPr/>
-                </a:tc>
-                <a:tc>
-                  <a:txBody>
-                    <a:bodyPr/>
-                    <a:lstStyle/>
-                    <a:p>
+                  <a:tcPr>
+                    <a:solidFill>
+                      <a:srgbClr val="F2F2F2"/>
+                    </a:solidFill>
+                  </a:tcPr>
+                </a:tc>
+                <a:tc>
+                  <a:txBody>
+                    <a:bodyPr tIns="18288" bIns="18288" lIns="45720" rIns="45720"/>
+                    <a:lstStyle/>
+                    <a:p>
+                      <a:pPr>
+                        <a:defRPr sz="700">
+                          <a:latin typeface="Arial Narrow"/>
+                        </a:defRPr>
+                      </a:pPr>
                       <a:r>
                         <a:t>27.13610000, -13.17920000</a:t>
                       </a:r>
                     </a:p>
                   </a:txBody>
-                  <a:tcPr/>
-                </a:tc>
-                <a:tc>
-                  <a:txBody>
-                    <a:bodyPr/>
-                    <a:lstStyle/>
-                    <a:p/>
-                  </a:txBody>
-                  <a:tcPr/>
-                </a:tc>
-                <a:tc>
-                  <a:txBody>
-                    <a:bodyPr/>
-                    <a:lstStyle/>
-                    <a:p/>
-                  </a:txBody>
-                  <a:tcPr/>
+                  <a:tcPr>
+                    <a:solidFill>
+                      <a:srgbClr val="F2F2F2"/>
+                    </a:solidFill>
+                  </a:tcPr>
                 </a:tc>
               </a:tr>
-              <a:tr h="127000">
-                <a:tc>
-                  <a:txBody>
-                    <a:bodyPr/>
-                    <a:lstStyle/>
-                    <a:p>
+              <a:tr h="93600">
+                <a:tc>
+                  <a:txBody>
+                    <a:bodyPr tIns="18288" bIns="18288" lIns="45720" rIns="45720"/>
+                    <a:lstStyle/>
+                    <a:p>
+                      <a:pPr>
+                        <a:defRPr sz="700">
+                          <a:latin typeface="Arial Narrow"/>
+                        </a:defRPr>
+                      </a:pPr>
                       <a:r>
                         <a:t>LAA050</a:t>
                       </a:r>
@@ -5870,9 +5579,14 @@
                 </a:tc>
                 <a:tc>
                   <a:txBody>
-                    <a:bodyPr/>
-                    <a:lstStyle/>
-                    <a:p>
+                    <a:bodyPr tIns="18288" bIns="18288" lIns="45720" rIns="45720"/>
+                    <a:lstStyle/>
+                    <a:p>
+                      <a:pPr>
+                        <a:defRPr sz="700">
+                          <a:latin typeface="Arial Narrow"/>
+                        </a:defRPr>
+                      </a:pPr>
                       <a:r>
                         <a:t>VERNE</a:t>
                       </a:r>
@@ -5882,53 +5596,14 @@
                 </a:tc>
                 <a:tc>
                   <a:txBody>
-                    <a:bodyPr/>
-                    <a:lstStyle/>
-                    <a:p>
-                      <a:r>
-                        <a:t>JUIN</a:t>
-                      </a:r>
-                    </a:p>
-                  </a:txBody>
-                  <a:tcPr/>
-                </a:tc>
-                <a:tc>
-                  <a:txBody>
-                    <a:bodyPr/>
-                    <a:lstStyle/>
-                    <a:p>
-                      <a:r>
-                        <a:t>Du 01/06/2024 Au 30/06/2024</a:t>
-                      </a:r>
-                    </a:p>
-                  </a:txBody>
-                  <a:tcPr/>
-                </a:tc>
-                <a:tc>
-                  <a:txBody>
-                    <a:bodyPr/>
-                    <a:lstStyle/>
-                    <a:p>
-                      <a:r>
-                        <a:t>Du 01/06/2024 Au 30/06/2024</a:t>
-                      </a:r>
-                    </a:p>
-                  </a:txBody>
-                  <a:tcPr/>
-                </a:tc>
-                <a:tc>
-                  <a:txBody>
-                    <a:bodyPr/>
-                    <a:lstStyle/>
-                    <a:p/>
-                  </a:txBody>
-                  <a:tcPr/>
-                </a:tc>
-                <a:tc>
-                  <a:txBody>
-                    <a:bodyPr/>
-                    <a:lstStyle/>
-                    <a:p>
+                    <a:bodyPr tIns="18288" bIns="18288" lIns="45720" rIns="45720"/>
+                    <a:lstStyle/>
+                    <a:p>
+                      <a:pPr>
+                        <a:defRPr sz="700">
+                          <a:latin typeface="Arial Narrow"/>
+                        </a:defRPr>
+                      </a:pPr>
                       <a:r>
                         <a:t>0660127763 AZEDDINE</a:t>
                       </a:r>
@@ -5938,17 +5613,14 @@
                 </a:tc>
                 <a:tc>
                   <a:txBody>
-                    <a:bodyPr/>
-                    <a:lstStyle/>
-                    <a:p/>
-                  </a:txBody>
-                  <a:tcPr/>
-                </a:tc>
-                <a:tc>
-                  <a:txBody>
-                    <a:bodyPr/>
-                    <a:lstStyle/>
-                    <a:p>
+                    <a:bodyPr tIns="18288" bIns="18288" lIns="45720" rIns="45720"/>
+                    <a:lstStyle/>
+                    <a:p>
+                      <a:pPr>
+                        <a:defRPr sz="700">
+                          <a:latin typeface="Arial Narrow"/>
+                        </a:defRPr>
+                      </a:pPr>
                       <a:r>
                         <a:t>Agadir</a:t>
                       </a:r>
@@ -5958,9 +5630,14 @@
                 </a:tc>
                 <a:tc>
                   <a:txBody>
-                    <a:bodyPr/>
-                    <a:lstStyle/>
-                    <a:p>
+                    <a:bodyPr tIns="18288" bIns="18288" lIns="45720" rIns="45720"/>
+                    <a:lstStyle/>
+                    <a:p>
+                      <a:pPr>
+                        <a:defRPr sz="700">
+                          <a:latin typeface="Arial Narrow"/>
+                        </a:defRPr>
+                      </a:pPr>
                       <a:r>
                         <a:t>Laâyoune</a:t>
                       </a:r>
@@ -5970,9 +5647,14 @@
                 </a:tc>
                 <a:tc>
                   <a:txBody>
-                    <a:bodyPr/>
-                    <a:lstStyle/>
-                    <a:p>
+                    <a:bodyPr tIns="18288" bIns="18288" lIns="45720" rIns="45720"/>
+                    <a:lstStyle/>
+                    <a:p>
+                      <a:pPr>
+                        <a:defRPr sz="700">
+                          <a:latin typeface="Arial Narrow"/>
+                        </a:defRPr>
+                      </a:pPr>
                       <a:r>
                         <a:t>-13.1571599999999993, 27.1434899999999999</a:t>
                       </a:r>
@@ -5982,9 +5664,14 @@
                 </a:tc>
                 <a:tc>
                   <a:txBody>
-                    <a:bodyPr/>
-                    <a:lstStyle/>
-                    <a:p>
+                    <a:bodyPr tIns="18288" bIns="18288" lIns="45720" rIns="45720"/>
+                    <a:lstStyle/>
+                    <a:p>
+                      <a:pPr>
+                        <a:defRPr sz="700">
+                          <a:latin typeface="Arial Narrow"/>
+                        </a:defRPr>
+                      </a:pPr>
                       <a:r>
                         <a:t>27.13610000, -13.17920000</a:t>
                       </a:r>
@@ -5992,183 +5679,167 @@
                   </a:txBody>
                   <a:tcPr/>
                 </a:tc>
-                <a:tc>
-                  <a:txBody>
-                    <a:bodyPr/>
-                    <a:lstStyle/>
-                    <a:p/>
-                  </a:txBody>
-                  <a:tcPr/>
-                </a:tc>
-                <a:tc>
-                  <a:txBody>
-                    <a:bodyPr/>
-                    <a:lstStyle/>
-                    <a:p/>
-                  </a:txBody>
-                  <a:tcPr/>
-                </a:tc>
               </a:tr>
-              <a:tr h="127000">
-                <a:tc>
-                  <a:txBody>
-                    <a:bodyPr/>
-                    <a:lstStyle/>
-                    <a:p>
+              <a:tr h="93600">
+                <a:tc>
+                  <a:txBody>
+                    <a:bodyPr tIns="18288" bIns="18288" lIns="45720" rIns="45720"/>
+                    <a:lstStyle/>
+                    <a:p>
+                      <a:pPr>
+                        <a:defRPr sz="700">
+                          <a:latin typeface="Arial Narrow"/>
+                        </a:defRPr>
+                      </a:pPr>
                       <a:r>
                         <a:t>LAA947</a:t>
                       </a:r>
                     </a:p>
                   </a:txBody>
-                  <a:tcPr/>
-                </a:tc>
-                <a:tc>
-                  <a:txBody>
-                    <a:bodyPr/>
-                    <a:lstStyle/>
-                    <a:p>
+                  <a:tcPr>
+                    <a:solidFill>
+                      <a:srgbClr val="F2F2F2"/>
+                    </a:solidFill>
+                  </a:tcPr>
+                </a:tc>
+                <a:tc>
+                  <a:txBody>
+                    <a:bodyPr tIns="18288" bIns="18288" lIns="45720" rIns="45720"/>
+                    <a:lstStyle/>
+                    <a:p>
+                      <a:pPr>
+                        <a:defRPr sz="700">
+                          <a:latin typeface="Arial Narrow"/>
+                        </a:defRPr>
+                      </a:pPr>
                       <a:r>
                         <a:t>NOMATIS</a:t>
                       </a:r>
                     </a:p>
                   </a:txBody>
-                  <a:tcPr/>
-                </a:tc>
-                <a:tc>
-                  <a:txBody>
-                    <a:bodyPr/>
-                    <a:lstStyle/>
-                    <a:p>
-                      <a:r>
-                        <a:t>JUIN</a:t>
-                      </a:r>
-                    </a:p>
-                  </a:txBody>
-                  <a:tcPr/>
-                </a:tc>
-                <a:tc>
-                  <a:txBody>
-                    <a:bodyPr/>
-                    <a:lstStyle/>
-                    <a:p>
-                      <a:r>
-                        <a:t>Du 01/06/2024 Au 31/09/2024</a:t>
-                      </a:r>
-                    </a:p>
-                  </a:txBody>
-                  <a:tcPr/>
-                </a:tc>
-                <a:tc>
-                  <a:txBody>
-                    <a:bodyPr/>
-                    <a:lstStyle/>
-                    <a:p>
-                      <a:r>
-                        <a:t>Du 01/06/2024 Au 31/09/2024</a:t>
-                      </a:r>
-                    </a:p>
-                  </a:txBody>
-                  <a:tcPr/>
-                </a:tc>
-                <a:tc>
-                  <a:txBody>
-                    <a:bodyPr/>
-                    <a:lstStyle/>
-                    <a:p/>
-                  </a:txBody>
-                  <a:tcPr/>
-                </a:tc>
-                <a:tc>
-                  <a:txBody>
-                    <a:bodyPr/>
-                    <a:lstStyle/>
-                    <a:p>
+                  <a:tcPr>
+                    <a:solidFill>
+                      <a:srgbClr val="F2F2F2"/>
+                    </a:solidFill>
+                  </a:tcPr>
+                </a:tc>
+                <a:tc>
+                  <a:txBody>
+                    <a:bodyPr tIns="18288" bIns="18288" lIns="45720" rIns="45720"/>
+                    <a:lstStyle/>
+                    <a:p>
+                      <a:pPr>
+                        <a:defRPr sz="700">
+                          <a:latin typeface="Arial Narrow"/>
+                        </a:defRPr>
+                      </a:pPr>
                       <a:r>
                         <a:t>0660127763 AZEDDINE</a:t>
                       </a:r>
                     </a:p>
                   </a:txBody>
-                  <a:tcPr/>
-                </a:tc>
-                <a:tc>
-                  <a:txBody>
-                    <a:bodyPr/>
-                    <a:lstStyle/>
-                    <a:p/>
-                  </a:txBody>
-                  <a:tcPr/>
-                </a:tc>
-                <a:tc>
-                  <a:txBody>
-                    <a:bodyPr/>
-                    <a:lstStyle/>
-                    <a:p>
+                  <a:tcPr>
+                    <a:solidFill>
+                      <a:srgbClr val="F2F2F2"/>
+                    </a:solidFill>
+                  </a:tcPr>
+                </a:tc>
+                <a:tc>
+                  <a:txBody>
+                    <a:bodyPr tIns="18288" bIns="18288" lIns="45720" rIns="45720"/>
+                    <a:lstStyle/>
+                    <a:p>
+                      <a:pPr>
+                        <a:defRPr sz="700">
+                          <a:latin typeface="Arial Narrow"/>
+                        </a:defRPr>
+                      </a:pPr>
                       <a:r>
                         <a:t>Agadir</a:t>
                       </a:r>
                     </a:p>
                   </a:txBody>
-                  <a:tcPr/>
-                </a:tc>
-                <a:tc>
-                  <a:txBody>
-                    <a:bodyPr/>
-                    <a:lstStyle/>
-                    <a:p>
+                  <a:tcPr>
+                    <a:solidFill>
+                      <a:srgbClr val="F2F2F2"/>
+                    </a:solidFill>
+                  </a:tcPr>
+                </a:tc>
+                <a:tc>
+                  <a:txBody>
+                    <a:bodyPr tIns="18288" bIns="18288" lIns="45720" rIns="45720"/>
+                    <a:lstStyle/>
+                    <a:p>
+                      <a:pPr>
+                        <a:defRPr sz="700">
+                          <a:latin typeface="Arial Narrow"/>
+                        </a:defRPr>
+                      </a:pPr>
                       <a:r>
                         <a:t>Laâyoune</a:t>
                       </a:r>
                     </a:p>
                   </a:txBody>
-                  <a:tcPr/>
-                </a:tc>
-                <a:tc>
-                  <a:txBody>
-                    <a:bodyPr/>
-                    <a:lstStyle/>
-                    <a:p>
+                  <a:tcPr>
+                    <a:solidFill>
+                      <a:srgbClr val="F2F2F2"/>
+                    </a:solidFill>
+                  </a:tcPr>
+                </a:tc>
+                <a:tc>
+                  <a:txBody>
+                    <a:bodyPr tIns="18288" bIns="18288" lIns="45720" rIns="45720"/>
+                    <a:lstStyle/>
+                    <a:p>
+                      <a:pPr>
+                        <a:defRPr sz="700">
+                          <a:latin typeface="Arial Narrow"/>
+                        </a:defRPr>
+                      </a:pPr>
                       <a:r>
                         <a:t>-13.16999999999999993, 27.14508299999999963</a:t>
                       </a:r>
                     </a:p>
                   </a:txBody>
-                  <a:tcPr/>
-                </a:tc>
-                <a:tc>
-                  <a:txBody>
-                    <a:bodyPr/>
-                    <a:lstStyle/>
-                    <a:p>
+                  <a:tcPr>
+                    <a:solidFill>
+                      <a:srgbClr val="F2F2F2"/>
+                    </a:solidFill>
+                  </a:tcPr>
+                </a:tc>
+                <a:tc>
+                  <a:txBody>
+                    <a:bodyPr tIns="18288" bIns="18288" lIns="45720" rIns="45720"/>
+                    <a:lstStyle/>
+                    <a:p>
+                      <a:pPr>
+                        <a:defRPr sz="700">
+                          <a:latin typeface="Arial Narrow"/>
+                        </a:defRPr>
+                      </a:pPr>
                       <a:r>
                         <a:t>27.13610000, -13.17920000</a:t>
                       </a:r>
                     </a:p>
                   </a:txBody>
-                  <a:tcPr/>
-                </a:tc>
-                <a:tc>
-                  <a:txBody>
-                    <a:bodyPr/>
-                    <a:lstStyle/>
-                    <a:p/>
-                  </a:txBody>
-                  <a:tcPr/>
-                </a:tc>
-                <a:tc>
-                  <a:txBody>
-                    <a:bodyPr/>
-                    <a:lstStyle/>
-                    <a:p/>
-                  </a:txBody>
-                  <a:tcPr/>
+                  <a:tcPr>
+                    <a:solidFill>
+                      <a:srgbClr val="F2F2F2"/>
+                    </a:solidFill>
+                  </a:tcPr>
                 </a:tc>
               </a:tr>
-              <a:tr h="127000">
-                <a:tc>
-                  <a:txBody>
-                    <a:bodyPr/>
-                    <a:lstStyle/>
-                    <a:p>
+              <a:tr h="93600">
+                <a:tc>
+                  <a:txBody>
+                    <a:bodyPr tIns="18288" bIns="18288" lIns="45720" rIns="45720"/>
+                    <a:lstStyle/>
+                    <a:p>
+                      <a:pPr>
+                        <a:defRPr sz="700">
+                          <a:latin typeface="Arial Narrow"/>
+                        </a:defRPr>
+                      </a:pPr>
                       <a:r>
                         <a:t>LAA946</a:t>
                       </a:r>
@@ -6178,9 +5849,14 @@
                 </a:tc>
                 <a:tc>
                   <a:txBody>
-                    <a:bodyPr/>
-                    <a:lstStyle/>
-                    <a:p>
+                    <a:bodyPr tIns="18288" bIns="18288" lIns="45720" rIns="45720"/>
+                    <a:lstStyle/>
+                    <a:p>
+                      <a:pPr>
+                        <a:defRPr sz="700">
+                          <a:latin typeface="Arial Narrow"/>
+                        </a:defRPr>
+                      </a:pPr>
                       <a:r>
                         <a:t>NOMATIS</a:t>
                       </a:r>
@@ -6190,53 +5866,14 @@
                 </a:tc>
                 <a:tc>
                   <a:txBody>
-                    <a:bodyPr/>
-                    <a:lstStyle/>
-                    <a:p>
-                      <a:r>
-                        <a:t>JUIN</a:t>
-                      </a:r>
-                    </a:p>
-                  </a:txBody>
-                  <a:tcPr/>
-                </a:tc>
-                <a:tc>
-                  <a:txBody>
-                    <a:bodyPr/>
-                    <a:lstStyle/>
-                    <a:p>
-                      <a:r>
-                        <a:t>Du 01/06/2024 Au 31/09/2024</a:t>
-                      </a:r>
-                    </a:p>
-                  </a:txBody>
-                  <a:tcPr/>
-                </a:tc>
-                <a:tc>
-                  <a:txBody>
-                    <a:bodyPr/>
-                    <a:lstStyle/>
-                    <a:p>
-                      <a:r>
-                        <a:t>Du 01/06/2024 Au 31/09/2024</a:t>
-                      </a:r>
-                    </a:p>
-                  </a:txBody>
-                  <a:tcPr/>
-                </a:tc>
-                <a:tc>
-                  <a:txBody>
-                    <a:bodyPr/>
-                    <a:lstStyle/>
-                    <a:p/>
-                  </a:txBody>
-                  <a:tcPr/>
-                </a:tc>
-                <a:tc>
-                  <a:txBody>
-                    <a:bodyPr/>
-                    <a:lstStyle/>
-                    <a:p>
+                    <a:bodyPr tIns="18288" bIns="18288" lIns="45720" rIns="45720"/>
+                    <a:lstStyle/>
+                    <a:p>
+                      <a:pPr>
+                        <a:defRPr sz="700">
+                          <a:latin typeface="Arial Narrow"/>
+                        </a:defRPr>
+                      </a:pPr>
                       <a:r>
                         <a:t>0660127763 AZEDDINE</a:t>
                       </a:r>
@@ -6246,17 +5883,14 @@
                 </a:tc>
                 <a:tc>
                   <a:txBody>
-                    <a:bodyPr/>
-                    <a:lstStyle/>
-                    <a:p/>
-                  </a:txBody>
-                  <a:tcPr/>
-                </a:tc>
-                <a:tc>
-                  <a:txBody>
-                    <a:bodyPr/>
-                    <a:lstStyle/>
-                    <a:p>
+                    <a:bodyPr tIns="18288" bIns="18288" lIns="45720" rIns="45720"/>
+                    <a:lstStyle/>
+                    <a:p>
+                      <a:pPr>
+                        <a:defRPr sz="700">
+                          <a:latin typeface="Arial Narrow"/>
+                        </a:defRPr>
+                      </a:pPr>
                       <a:r>
                         <a:t>Agadir</a:t>
                       </a:r>
@@ -6266,9 +5900,14 @@
                 </a:tc>
                 <a:tc>
                   <a:txBody>
-                    <a:bodyPr/>
-                    <a:lstStyle/>
-                    <a:p>
+                    <a:bodyPr tIns="18288" bIns="18288" lIns="45720" rIns="45720"/>
+                    <a:lstStyle/>
+                    <a:p>
+                      <a:pPr>
+                        <a:defRPr sz="700">
+                          <a:latin typeface="Arial Narrow"/>
+                        </a:defRPr>
+                      </a:pPr>
                       <a:r>
                         <a:t>Laâyoune</a:t>
                       </a:r>
@@ -6278,9 +5917,14 @@
                 </a:tc>
                 <a:tc>
                   <a:txBody>
-                    <a:bodyPr/>
-                    <a:lstStyle/>
-                    <a:p>
+                    <a:bodyPr tIns="18288" bIns="18288" lIns="45720" rIns="45720"/>
+                    <a:lstStyle/>
+                    <a:p>
+                      <a:pPr>
+                        <a:defRPr sz="700">
+                          <a:latin typeface="Arial Narrow"/>
+                        </a:defRPr>
+                      </a:pPr>
                       <a:r>
                         <a:t>-13.17344399999999993, 27.13883300000000176</a:t>
                       </a:r>
@@ -6290,9 +5934,14 @@
                 </a:tc>
                 <a:tc>
                   <a:txBody>
-                    <a:bodyPr/>
-                    <a:lstStyle/>
-                    <a:p>
+                    <a:bodyPr tIns="18288" bIns="18288" lIns="45720" rIns="45720"/>
+                    <a:lstStyle/>
+                    <a:p>
+                      <a:pPr>
+                        <a:defRPr sz="700">
+                          <a:latin typeface="Arial Narrow"/>
+                        </a:defRPr>
+                      </a:pPr>
                       <a:r>
                         <a:t>27.13610000, -13.17920000</a:t>
                       </a:r>
@@ -6300,183 +5949,167 @@
                   </a:txBody>
                   <a:tcPr/>
                 </a:tc>
-                <a:tc>
-                  <a:txBody>
-                    <a:bodyPr/>
-                    <a:lstStyle/>
-                    <a:p/>
-                  </a:txBody>
-                  <a:tcPr/>
-                </a:tc>
-                <a:tc>
-                  <a:txBody>
-                    <a:bodyPr/>
-                    <a:lstStyle/>
-                    <a:p/>
-                  </a:txBody>
-                  <a:tcPr/>
-                </a:tc>
               </a:tr>
-              <a:tr h="127000">
-                <a:tc>
-                  <a:txBody>
-                    <a:bodyPr/>
-                    <a:lstStyle/>
-                    <a:p>
+              <a:tr h="93600">
+                <a:tc>
+                  <a:txBody>
+                    <a:bodyPr tIns="18288" bIns="18288" lIns="45720" rIns="45720"/>
+                    <a:lstStyle/>
+                    <a:p>
+                      <a:pPr>
+                        <a:defRPr sz="700">
+                          <a:latin typeface="Arial Narrow"/>
+                        </a:defRPr>
+                      </a:pPr>
                       <a:r>
                         <a:t>LAA916</a:t>
                       </a:r>
                     </a:p>
                   </a:txBody>
-                  <a:tcPr/>
-                </a:tc>
-                <a:tc>
-                  <a:txBody>
-                    <a:bodyPr/>
-                    <a:lstStyle/>
-                    <a:p>
+                  <a:tcPr>
+                    <a:solidFill>
+                      <a:srgbClr val="F2F2F2"/>
+                    </a:solidFill>
+                  </a:tcPr>
+                </a:tc>
+                <a:tc>
+                  <a:txBody>
+                    <a:bodyPr tIns="18288" bIns="18288" lIns="45720" rIns="45720"/>
+                    <a:lstStyle/>
+                    <a:p>
+                      <a:pPr>
+                        <a:defRPr sz="700">
+                          <a:latin typeface="Arial Narrow"/>
+                        </a:defRPr>
+                      </a:pPr>
                       <a:r>
                         <a:t>VERNE</a:t>
                       </a:r>
                     </a:p>
                   </a:txBody>
-                  <a:tcPr/>
-                </a:tc>
-                <a:tc>
-                  <a:txBody>
-                    <a:bodyPr/>
-                    <a:lstStyle/>
-                    <a:p>
-                      <a:r>
-                        <a:t>JUIN</a:t>
-                      </a:r>
-                    </a:p>
-                  </a:txBody>
-                  <a:tcPr/>
-                </a:tc>
-                <a:tc>
-                  <a:txBody>
-                    <a:bodyPr/>
-                    <a:lstStyle/>
-                    <a:p>
-                      <a:r>
-                        <a:t>Du 01/06/2024 Au 30/06/2024</a:t>
-                      </a:r>
-                    </a:p>
-                  </a:txBody>
-                  <a:tcPr/>
-                </a:tc>
-                <a:tc>
-                  <a:txBody>
-                    <a:bodyPr/>
-                    <a:lstStyle/>
-                    <a:p>
-                      <a:r>
-                        <a:t>Du 01/06/2024 Au 30/06/2024</a:t>
-                      </a:r>
-                    </a:p>
-                  </a:txBody>
-                  <a:tcPr/>
-                </a:tc>
-                <a:tc>
-                  <a:txBody>
-                    <a:bodyPr/>
-                    <a:lstStyle/>
-                    <a:p/>
-                  </a:txBody>
-                  <a:tcPr/>
-                </a:tc>
-                <a:tc>
-                  <a:txBody>
-                    <a:bodyPr/>
-                    <a:lstStyle/>
-                    <a:p>
+                  <a:tcPr>
+                    <a:solidFill>
+                      <a:srgbClr val="F2F2F2"/>
+                    </a:solidFill>
+                  </a:tcPr>
+                </a:tc>
+                <a:tc>
+                  <a:txBody>
+                    <a:bodyPr tIns="18288" bIns="18288" lIns="45720" rIns="45720"/>
+                    <a:lstStyle/>
+                    <a:p>
+                      <a:pPr>
+                        <a:defRPr sz="700">
+                          <a:latin typeface="Arial Narrow"/>
+                        </a:defRPr>
+                      </a:pPr>
                       <a:r>
                         <a:t>0660127763 AZEDDINE</a:t>
                       </a:r>
                     </a:p>
                   </a:txBody>
-                  <a:tcPr/>
-                </a:tc>
-                <a:tc>
-                  <a:txBody>
-                    <a:bodyPr/>
-                    <a:lstStyle/>
-                    <a:p/>
-                  </a:txBody>
-                  <a:tcPr/>
-                </a:tc>
-                <a:tc>
-                  <a:txBody>
-                    <a:bodyPr/>
-                    <a:lstStyle/>
-                    <a:p>
+                  <a:tcPr>
+                    <a:solidFill>
+                      <a:srgbClr val="F2F2F2"/>
+                    </a:solidFill>
+                  </a:tcPr>
+                </a:tc>
+                <a:tc>
+                  <a:txBody>
+                    <a:bodyPr tIns="18288" bIns="18288" lIns="45720" rIns="45720"/>
+                    <a:lstStyle/>
+                    <a:p>
+                      <a:pPr>
+                        <a:defRPr sz="700">
+                          <a:latin typeface="Arial Narrow"/>
+                        </a:defRPr>
+                      </a:pPr>
                       <a:r>
                         <a:t>Agadir</a:t>
                       </a:r>
                     </a:p>
                   </a:txBody>
-                  <a:tcPr/>
-                </a:tc>
-                <a:tc>
-                  <a:txBody>
-                    <a:bodyPr/>
-                    <a:lstStyle/>
-                    <a:p>
+                  <a:tcPr>
+                    <a:solidFill>
+                      <a:srgbClr val="F2F2F2"/>
+                    </a:solidFill>
+                  </a:tcPr>
+                </a:tc>
+                <a:tc>
+                  <a:txBody>
+                    <a:bodyPr tIns="18288" bIns="18288" lIns="45720" rIns="45720"/>
+                    <a:lstStyle/>
+                    <a:p>
+                      <a:pPr>
+                        <a:defRPr sz="700">
+                          <a:latin typeface="Arial Narrow"/>
+                        </a:defRPr>
+                      </a:pPr>
                       <a:r>
                         <a:t>Laâyoune</a:t>
                       </a:r>
                     </a:p>
                   </a:txBody>
-                  <a:tcPr/>
-                </a:tc>
-                <a:tc>
-                  <a:txBody>
-                    <a:bodyPr/>
-                    <a:lstStyle/>
-                    <a:p>
+                  <a:tcPr>
+                    <a:solidFill>
+                      <a:srgbClr val="F2F2F2"/>
+                    </a:solidFill>
+                  </a:tcPr>
+                </a:tc>
+                <a:tc>
+                  <a:txBody>
+                    <a:bodyPr tIns="18288" bIns="18288" lIns="45720" rIns="45720"/>
+                    <a:lstStyle/>
+                    <a:p>
+                      <a:pPr>
+                        <a:defRPr sz="700">
+                          <a:latin typeface="Arial Narrow"/>
+                        </a:defRPr>
+                      </a:pPr>
                       <a:r>
                         <a:t>-13.16544440000000016, 27.13966669999999937</a:t>
                       </a:r>
                     </a:p>
                   </a:txBody>
-                  <a:tcPr/>
-                </a:tc>
-                <a:tc>
-                  <a:txBody>
-                    <a:bodyPr/>
-                    <a:lstStyle/>
-                    <a:p>
+                  <a:tcPr>
+                    <a:solidFill>
+                      <a:srgbClr val="F2F2F2"/>
+                    </a:solidFill>
+                  </a:tcPr>
+                </a:tc>
+                <a:tc>
+                  <a:txBody>
+                    <a:bodyPr tIns="18288" bIns="18288" lIns="45720" rIns="45720"/>
+                    <a:lstStyle/>
+                    <a:p>
+                      <a:pPr>
+                        <a:defRPr sz="700">
+                          <a:latin typeface="Arial Narrow"/>
+                        </a:defRPr>
+                      </a:pPr>
                       <a:r>
                         <a:t>27.13610000, -13.17920000</a:t>
                       </a:r>
                     </a:p>
                   </a:txBody>
-                  <a:tcPr/>
-                </a:tc>
-                <a:tc>
-                  <a:txBody>
-                    <a:bodyPr/>
-                    <a:lstStyle/>
-                    <a:p/>
-                  </a:txBody>
-                  <a:tcPr/>
-                </a:tc>
-                <a:tc>
-                  <a:txBody>
-                    <a:bodyPr/>
-                    <a:lstStyle/>
-                    <a:p/>
-                  </a:txBody>
-                  <a:tcPr/>
+                  <a:tcPr>
+                    <a:solidFill>
+                      <a:srgbClr val="F2F2F2"/>
+                    </a:solidFill>
+                  </a:tcPr>
                 </a:tc>
               </a:tr>
-              <a:tr h="127000">
-                <a:tc>
-                  <a:txBody>
-                    <a:bodyPr/>
-                    <a:lstStyle/>
-                    <a:p>
+              <a:tr h="93600">
+                <a:tc>
+                  <a:txBody>
+                    <a:bodyPr tIns="18288" bIns="18288" lIns="45720" rIns="45720"/>
+                    <a:lstStyle/>
+                    <a:p>
+                      <a:pPr>
+                        <a:defRPr sz="700">
+                          <a:latin typeface="Arial Narrow"/>
+                        </a:defRPr>
+                      </a:pPr>
                       <a:r>
                         <a:t>LAA930</a:t>
                       </a:r>
@@ -6486,9 +6119,14 @@
                 </a:tc>
                 <a:tc>
                   <a:txBody>
-                    <a:bodyPr/>
-                    <a:lstStyle/>
-                    <a:p>
+                    <a:bodyPr tIns="18288" bIns="18288" lIns="45720" rIns="45720"/>
+                    <a:lstStyle/>
+                    <a:p>
+                      <a:pPr>
+                        <a:defRPr sz="700">
+                          <a:latin typeface="Arial Narrow"/>
+                        </a:defRPr>
+                      </a:pPr>
                       <a:r>
                         <a:t>NOMATIS</a:t>
                       </a:r>
@@ -6498,53 +6136,14 @@
                 </a:tc>
                 <a:tc>
                   <a:txBody>
-                    <a:bodyPr/>
-                    <a:lstStyle/>
-                    <a:p>
-                      <a:r>
-                        <a:t>JUIN</a:t>
-                      </a:r>
-                    </a:p>
-                  </a:txBody>
-                  <a:tcPr/>
-                </a:tc>
-                <a:tc>
-                  <a:txBody>
-                    <a:bodyPr/>
-                    <a:lstStyle/>
-                    <a:p>
-                      <a:r>
-                        <a:t>Du 01/06/2024 Au 31/09/2024</a:t>
-                      </a:r>
-                    </a:p>
-                  </a:txBody>
-                  <a:tcPr/>
-                </a:tc>
-                <a:tc>
-                  <a:txBody>
-                    <a:bodyPr/>
-                    <a:lstStyle/>
-                    <a:p>
-                      <a:r>
-                        <a:t>Du 01/06/2024 Au 31/09/2024</a:t>
-                      </a:r>
-                    </a:p>
-                  </a:txBody>
-                  <a:tcPr/>
-                </a:tc>
-                <a:tc>
-                  <a:txBody>
-                    <a:bodyPr/>
-                    <a:lstStyle/>
-                    <a:p/>
-                  </a:txBody>
-                  <a:tcPr/>
-                </a:tc>
-                <a:tc>
-                  <a:txBody>
-                    <a:bodyPr/>
-                    <a:lstStyle/>
-                    <a:p>
+                    <a:bodyPr tIns="18288" bIns="18288" lIns="45720" rIns="45720"/>
+                    <a:lstStyle/>
+                    <a:p>
+                      <a:pPr>
+                        <a:defRPr sz="700">
+                          <a:latin typeface="Arial Narrow"/>
+                        </a:defRPr>
+                      </a:pPr>
                       <a:r>
                         <a:t>0660127763 AZEDDINE</a:t>
                       </a:r>
@@ -6554,17 +6153,14 @@
                 </a:tc>
                 <a:tc>
                   <a:txBody>
-                    <a:bodyPr/>
-                    <a:lstStyle/>
-                    <a:p/>
-                  </a:txBody>
-                  <a:tcPr/>
-                </a:tc>
-                <a:tc>
-                  <a:txBody>
-                    <a:bodyPr/>
-                    <a:lstStyle/>
-                    <a:p>
+                    <a:bodyPr tIns="18288" bIns="18288" lIns="45720" rIns="45720"/>
+                    <a:lstStyle/>
+                    <a:p>
+                      <a:pPr>
+                        <a:defRPr sz="700">
+                          <a:latin typeface="Arial Narrow"/>
+                        </a:defRPr>
+                      </a:pPr>
                       <a:r>
                         <a:t>Agadir</a:t>
                       </a:r>
@@ -6574,9 +6170,14 @@
                 </a:tc>
                 <a:tc>
                   <a:txBody>
-                    <a:bodyPr/>
-                    <a:lstStyle/>
-                    <a:p>
+                    <a:bodyPr tIns="18288" bIns="18288" lIns="45720" rIns="45720"/>
+                    <a:lstStyle/>
+                    <a:p>
+                      <a:pPr>
+                        <a:defRPr sz="700">
+                          <a:latin typeface="Arial Narrow"/>
+                        </a:defRPr>
+                      </a:pPr>
                       <a:r>
                         <a:t>Laâyoune</a:t>
                       </a:r>
@@ -6586,9 +6187,14 @@
                 </a:tc>
                 <a:tc>
                   <a:txBody>
-                    <a:bodyPr/>
-                    <a:lstStyle/>
-                    <a:p>
+                    <a:bodyPr tIns="18288" bIns="18288" lIns="45720" rIns="45720"/>
+                    <a:lstStyle/>
+                    <a:p>
+                      <a:pPr>
+                        <a:defRPr sz="700">
+                          <a:latin typeface="Arial Narrow"/>
+                        </a:defRPr>
+                      </a:pPr>
                       <a:r>
                         <a:t>-13.1874400000000005, 27.15278969999999958</a:t>
                       </a:r>
@@ -6598,9 +6204,14 @@
                 </a:tc>
                 <a:tc>
                   <a:txBody>
-                    <a:bodyPr/>
-                    <a:lstStyle/>
-                    <a:p>
+                    <a:bodyPr tIns="18288" bIns="18288" lIns="45720" rIns="45720"/>
+                    <a:lstStyle/>
+                    <a:p>
+                      <a:pPr>
+                        <a:defRPr sz="700">
+                          <a:latin typeface="Arial Narrow"/>
+                        </a:defRPr>
+                      </a:pPr>
                       <a:r>
                         <a:t>27.15264578, -13.19149323</a:t>
                       </a:r>
@@ -6608,183 +6219,167 @@
                   </a:txBody>
                   <a:tcPr/>
                 </a:tc>
-                <a:tc>
-                  <a:txBody>
-                    <a:bodyPr/>
-                    <a:lstStyle/>
-                    <a:p/>
-                  </a:txBody>
-                  <a:tcPr/>
-                </a:tc>
-                <a:tc>
-                  <a:txBody>
-                    <a:bodyPr/>
-                    <a:lstStyle/>
-                    <a:p/>
-                  </a:txBody>
-                  <a:tcPr/>
-                </a:tc>
               </a:tr>
-              <a:tr h="127000">
-                <a:tc>
-                  <a:txBody>
-                    <a:bodyPr/>
-                    <a:lstStyle/>
-                    <a:p>
+              <a:tr h="93600">
+                <a:tc>
+                  <a:txBody>
+                    <a:bodyPr tIns="18288" bIns="18288" lIns="45720" rIns="45720"/>
+                    <a:lstStyle/>
+                    <a:p>
+                      <a:pPr>
+                        <a:defRPr sz="700">
+                          <a:latin typeface="Arial Narrow"/>
+                        </a:defRPr>
+                      </a:pPr>
                       <a:r>
                         <a:t>LAA010</a:t>
                       </a:r>
                     </a:p>
                   </a:txBody>
-                  <a:tcPr/>
-                </a:tc>
-                <a:tc>
-                  <a:txBody>
-                    <a:bodyPr/>
-                    <a:lstStyle/>
-                    <a:p>
+                  <a:tcPr>
+                    <a:solidFill>
+                      <a:srgbClr val="F2F2F2"/>
+                    </a:solidFill>
+                  </a:tcPr>
+                </a:tc>
+                <a:tc>
+                  <a:txBody>
+                    <a:bodyPr tIns="18288" bIns="18288" lIns="45720" rIns="45720"/>
+                    <a:lstStyle/>
+                    <a:p>
+                      <a:pPr>
+                        <a:defRPr sz="700">
+                          <a:latin typeface="Arial Narrow"/>
+                        </a:defRPr>
+                      </a:pPr>
                       <a:r>
                         <a:t>VERNE</a:t>
                       </a:r>
                     </a:p>
                   </a:txBody>
-                  <a:tcPr/>
-                </a:tc>
-                <a:tc>
-                  <a:txBody>
-                    <a:bodyPr/>
-                    <a:lstStyle/>
-                    <a:p>
-                      <a:r>
-                        <a:t>JUIN</a:t>
-                      </a:r>
-                    </a:p>
-                  </a:txBody>
-                  <a:tcPr/>
-                </a:tc>
-                <a:tc>
-                  <a:txBody>
-                    <a:bodyPr/>
-                    <a:lstStyle/>
-                    <a:p>
-                      <a:r>
-                        <a:t>Du 01/06/2024 Au 30/06/2024</a:t>
-                      </a:r>
-                    </a:p>
-                  </a:txBody>
-                  <a:tcPr/>
-                </a:tc>
-                <a:tc>
-                  <a:txBody>
-                    <a:bodyPr/>
-                    <a:lstStyle/>
-                    <a:p>
-                      <a:r>
-                        <a:t>Du 01/06/2024 Au 30/06/2024</a:t>
-                      </a:r>
-                    </a:p>
-                  </a:txBody>
-                  <a:tcPr/>
-                </a:tc>
-                <a:tc>
-                  <a:txBody>
-                    <a:bodyPr/>
-                    <a:lstStyle/>
-                    <a:p/>
-                  </a:txBody>
-                  <a:tcPr/>
-                </a:tc>
-                <a:tc>
-                  <a:txBody>
-                    <a:bodyPr/>
-                    <a:lstStyle/>
-                    <a:p>
+                  <a:tcPr>
+                    <a:solidFill>
+                      <a:srgbClr val="F2F2F2"/>
+                    </a:solidFill>
+                  </a:tcPr>
+                </a:tc>
+                <a:tc>
+                  <a:txBody>
+                    <a:bodyPr tIns="18288" bIns="18288" lIns="45720" rIns="45720"/>
+                    <a:lstStyle/>
+                    <a:p>
+                      <a:pPr>
+                        <a:defRPr sz="700">
+                          <a:latin typeface="Arial Narrow"/>
+                        </a:defRPr>
+                      </a:pPr>
                       <a:r>
                         <a:t>0660127763 AZEDDINE</a:t>
                       </a:r>
                     </a:p>
                   </a:txBody>
-                  <a:tcPr/>
-                </a:tc>
-                <a:tc>
-                  <a:txBody>
-                    <a:bodyPr/>
-                    <a:lstStyle/>
-                    <a:p/>
-                  </a:txBody>
-                  <a:tcPr/>
-                </a:tc>
-                <a:tc>
-                  <a:txBody>
-                    <a:bodyPr/>
-                    <a:lstStyle/>
-                    <a:p>
+                  <a:tcPr>
+                    <a:solidFill>
+                      <a:srgbClr val="F2F2F2"/>
+                    </a:solidFill>
+                  </a:tcPr>
+                </a:tc>
+                <a:tc>
+                  <a:txBody>
+                    <a:bodyPr tIns="18288" bIns="18288" lIns="45720" rIns="45720"/>
+                    <a:lstStyle/>
+                    <a:p>
+                      <a:pPr>
+                        <a:defRPr sz="700">
+                          <a:latin typeface="Arial Narrow"/>
+                        </a:defRPr>
+                      </a:pPr>
                       <a:r>
                         <a:t>Agadir</a:t>
                       </a:r>
                     </a:p>
                   </a:txBody>
-                  <a:tcPr/>
-                </a:tc>
-                <a:tc>
-                  <a:txBody>
-                    <a:bodyPr/>
-                    <a:lstStyle/>
-                    <a:p>
+                  <a:tcPr>
+                    <a:solidFill>
+                      <a:srgbClr val="F2F2F2"/>
+                    </a:solidFill>
+                  </a:tcPr>
+                </a:tc>
+                <a:tc>
+                  <a:txBody>
+                    <a:bodyPr tIns="18288" bIns="18288" lIns="45720" rIns="45720"/>
+                    <a:lstStyle/>
+                    <a:p>
+                      <a:pPr>
+                        <a:defRPr sz="700">
+                          <a:latin typeface="Arial Narrow"/>
+                        </a:defRPr>
+                      </a:pPr>
                       <a:r>
                         <a:t>Laâyoune</a:t>
                       </a:r>
                     </a:p>
                   </a:txBody>
-                  <a:tcPr/>
-                </a:tc>
-                <a:tc>
-                  <a:txBody>
-                    <a:bodyPr/>
-                    <a:lstStyle/>
-                    <a:p>
+                  <a:tcPr>
+                    <a:solidFill>
+                      <a:srgbClr val="F2F2F2"/>
+                    </a:solidFill>
+                  </a:tcPr>
+                </a:tc>
+                <a:tc>
+                  <a:txBody>
+                    <a:bodyPr tIns="18288" bIns="18288" lIns="45720" rIns="45720"/>
+                    <a:lstStyle/>
+                    <a:p>
+                      <a:pPr>
+                        <a:defRPr sz="700">
+                          <a:latin typeface="Arial Narrow"/>
+                        </a:defRPr>
+                      </a:pPr>
                       <a:r>
                         <a:t>-13.18730000000000047, 27.14870000000000161</a:t>
                       </a:r>
                     </a:p>
                   </a:txBody>
-                  <a:tcPr/>
-                </a:tc>
-                <a:tc>
-                  <a:txBody>
-                    <a:bodyPr/>
-                    <a:lstStyle/>
-                    <a:p>
+                  <a:tcPr>
+                    <a:solidFill>
+                      <a:srgbClr val="F2F2F2"/>
+                    </a:solidFill>
+                  </a:tcPr>
+                </a:tc>
+                <a:tc>
+                  <a:txBody>
+                    <a:bodyPr tIns="18288" bIns="18288" lIns="45720" rIns="45720"/>
+                    <a:lstStyle/>
+                    <a:p>
+                      <a:pPr>
+                        <a:defRPr sz="700">
+                          <a:latin typeface="Arial Narrow"/>
+                        </a:defRPr>
+                      </a:pPr>
                       <a:r>
                         <a:t>27.15264578, -13.19149323</a:t>
                       </a:r>
                     </a:p>
                   </a:txBody>
-                  <a:tcPr/>
-                </a:tc>
-                <a:tc>
-                  <a:txBody>
-                    <a:bodyPr/>
-                    <a:lstStyle/>
-                    <a:p/>
-                  </a:txBody>
-                  <a:tcPr/>
-                </a:tc>
-                <a:tc>
-                  <a:txBody>
-                    <a:bodyPr/>
-                    <a:lstStyle/>
-                    <a:p/>
-                  </a:txBody>
-                  <a:tcPr/>
+                  <a:tcPr>
+                    <a:solidFill>
+                      <a:srgbClr val="F2F2F2"/>
+                    </a:solidFill>
+                  </a:tcPr>
                 </a:tc>
               </a:tr>
-              <a:tr h="127000">
-                <a:tc>
-                  <a:txBody>
-                    <a:bodyPr/>
-                    <a:lstStyle/>
-                    <a:p>
+              <a:tr h="93600">
+                <a:tc>
+                  <a:txBody>
+                    <a:bodyPr tIns="18288" bIns="18288" lIns="45720" rIns="45720"/>
+                    <a:lstStyle/>
+                    <a:p>
+                      <a:pPr>
+                        <a:defRPr sz="700">
+                          <a:latin typeface="Arial Narrow"/>
+                        </a:defRPr>
+                      </a:pPr>
                       <a:r>
                         <a:t>LAA934</a:t>
                       </a:r>
@@ -6794,9 +6389,14 @@
                 </a:tc>
                 <a:tc>
                   <a:txBody>
-                    <a:bodyPr/>
-                    <a:lstStyle/>
-                    <a:p>
+                    <a:bodyPr tIns="18288" bIns="18288" lIns="45720" rIns="45720"/>
+                    <a:lstStyle/>
+                    <a:p>
+                      <a:pPr>
+                        <a:defRPr sz="700">
+                          <a:latin typeface="Arial Narrow"/>
+                        </a:defRPr>
+                      </a:pPr>
                       <a:r>
                         <a:t>NOMATIS</a:t>
                       </a:r>
@@ -6806,53 +6406,14 @@
                 </a:tc>
                 <a:tc>
                   <a:txBody>
-                    <a:bodyPr/>
-                    <a:lstStyle/>
-                    <a:p>
-                      <a:r>
-                        <a:t>JUIN</a:t>
-                      </a:r>
-                    </a:p>
-                  </a:txBody>
-                  <a:tcPr/>
-                </a:tc>
-                <a:tc>
-                  <a:txBody>
-                    <a:bodyPr/>
-                    <a:lstStyle/>
-                    <a:p>
-                      <a:r>
-                        <a:t>Du 01/06/2024 Au 31/09/2024</a:t>
-                      </a:r>
-                    </a:p>
-                  </a:txBody>
-                  <a:tcPr/>
-                </a:tc>
-                <a:tc>
-                  <a:txBody>
-                    <a:bodyPr/>
-                    <a:lstStyle/>
-                    <a:p>
-                      <a:r>
-                        <a:t>Du 01/06/2024 Au 31/09/2024</a:t>
-                      </a:r>
-                    </a:p>
-                  </a:txBody>
-                  <a:tcPr/>
-                </a:tc>
-                <a:tc>
-                  <a:txBody>
-                    <a:bodyPr/>
-                    <a:lstStyle/>
-                    <a:p/>
-                  </a:txBody>
-                  <a:tcPr/>
-                </a:tc>
-                <a:tc>
-                  <a:txBody>
-                    <a:bodyPr/>
-                    <a:lstStyle/>
-                    <a:p>
+                    <a:bodyPr tIns="18288" bIns="18288" lIns="45720" rIns="45720"/>
+                    <a:lstStyle/>
+                    <a:p>
+                      <a:pPr>
+                        <a:defRPr sz="700">
+                          <a:latin typeface="Arial Narrow"/>
+                        </a:defRPr>
+                      </a:pPr>
                       <a:r>
                         <a:t>0660127763 AZEDDINE</a:t>
                       </a:r>
@@ -6862,17 +6423,14 @@
                 </a:tc>
                 <a:tc>
                   <a:txBody>
-                    <a:bodyPr/>
-                    <a:lstStyle/>
-                    <a:p/>
-                  </a:txBody>
-                  <a:tcPr/>
-                </a:tc>
-                <a:tc>
-                  <a:txBody>
-                    <a:bodyPr/>
-                    <a:lstStyle/>
-                    <a:p>
+                    <a:bodyPr tIns="18288" bIns="18288" lIns="45720" rIns="45720"/>
+                    <a:lstStyle/>
+                    <a:p>
+                      <a:pPr>
+                        <a:defRPr sz="700">
+                          <a:latin typeface="Arial Narrow"/>
+                        </a:defRPr>
+                      </a:pPr>
                       <a:r>
                         <a:t>Agadir</a:t>
                       </a:r>
@@ -6882,9 +6440,14 @@
                 </a:tc>
                 <a:tc>
                   <a:txBody>
-                    <a:bodyPr/>
-                    <a:lstStyle/>
-                    <a:p>
+                    <a:bodyPr tIns="18288" bIns="18288" lIns="45720" rIns="45720"/>
+                    <a:lstStyle/>
+                    <a:p>
+                      <a:pPr>
+                        <a:defRPr sz="700">
+                          <a:latin typeface="Arial Narrow"/>
+                        </a:defRPr>
+                      </a:pPr>
                       <a:r>
                         <a:t>Laâyoune</a:t>
                       </a:r>
@@ -6894,9 +6457,14 @@
                 </a:tc>
                 <a:tc>
                   <a:txBody>
-                    <a:bodyPr/>
-                    <a:lstStyle/>
-                    <a:p>
+                    <a:bodyPr tIns="18288" bIns="18288" lIns="45720" rIns="45720"/>
+                    <a:lstStyle/>
+                    <a:p>
+                      <a:pPr>
+                        <a:defRPr sz="700">
+                          <a:latin typeface="Arial Narrow"/>
+                        </a:defRPr>
+                      </a:pPr>
                       <a:r>
                         <a:t>-13.18493899999999996, 27.14612909999999957</a:t>
                       </a:r>
@@ -6906,9 +6474,14 @@
                 </a:tc>
                 <a:tc>
                   <a:txBody>
-                    <a:bodyPr/>
-                    <a:lstStyle/>
-                    <a:p>
+                    <a:bodyPr tIns="18288" bIns="18288" lIns="45720" rIns="45720"/>
+                    <a:lstStyle/>
+                    <a:p>
+                      <a:pPr>
+                        <a:defRPr sz="700">
+                          <a:latin typeface="Arial Narrow"/>
+                        </a:defRPr>
+                      </a:pPr>
                       <a:r>
                         <a:t>27.15264578, -13.19149323</a:t>
                       </a:r>
@@ -6916,183 +6489,167 @@
                   </a:txBody>
                   <a:tcPr/>
                 </a:tc>
-                <a:tc>
-                  <a:txBody>
-                    <a:bodyPr/>
-                    <a:lstStyle/>
-                    <a:p/>
-                  </a:txBody>
-                  <a:tcPr/>
-                </a:tc>
-                <a:tc>
-                  <a:txBody>
-                    <a:bodyPr/>
-                    <a:lstStyle/>
-                    <a:p/>
-                  </a:txBody>
-                  <a:tcPr/>
-                </a:tc>
               </a:tr>
-              <a:tr h="127000">
-                <a:tc>
-                  <a:txBody>
-                    <a:bodyPr/>
-                    <a:lstStyle/>
-                    <a:p>
+              <a:tr h="93600">
+                <a:tc>
+                  <a:txBody>
+                    <a:bodyPr tIns="18288" bIns="18288" lIns="45720" rIns="45720"/>
+                    <a:lstStyle/>
+                    <a:p>
+                      <a:pPr>
+                        <a:defRPr sz="700">
+                          <a:latin typeface="Arial Narrow"/>
+                        </a:defRPr>
+                      </a:pPr>
                       <a:r>
                         <a:t>LAA925</a:t>
                       </a:r>
                     </a:p>
                   </a:txBody>
-                  <a:tcPr/>
-                </a:tc>
-                <a:tc>
-                  <a:txBody>
-                    <a:bodyPr/>
-                    <a:lstStyle/>
-                    <a:p>
+                  <a:tcPr>
+                    <a:solidFill>
+                      <a:srgbClr val="F2F2F2"/>
+                    </a:solidFill>
+                  </a:tcPr>
+                </a:tc>
+                <a:tc>
+                  <a:txBody>
+                    <a:bodyPr tIns="18288" bIns="18288" lIns="45720" rIns="45720"/>
+                    <a:lstStyle/>
+                    <a:p>
+                      <a:pPr>
+                        <a:defRPr sz="700">
+                          <a:latin typeface="Arial Narrow"/>
+                        </a:defRPr>
+                      </a:pPr>
                       <a:r>
                         <a:t>VERNE</a:t>
                       </a:r>
                     </a:p>
                   </a:txBody>
-                  <a:tcPr/>
-                </a:tc>
-                <a:tc>
-                  <a:txBody>
-                    <a:bodyPr/>
-                    <a:lstStyle/>
-                    <a:p>
-                      <a:r>
-                        <a:t>JUIN</a:t>
-                      </a:r>
-                    </a:p>
-                  </a:txBody>
-                  <a:tcPr/>
-                </a:tc>
-                <a:tc>
-                  <a:txBody>
-                    <a:bodyPr/>
-                    <a:lstStyle/>
-                    <a:p>
-                      <a:r>
-                        <a:t>Du 01/06/2024 Au 30/06/2024</a:t>
-                      </a:r>
-                    </a:p>
-                  </a:txBody>
-                  <a:tcPr/>
-                </a:tc>
-                <a:tc>
-                  <a:txBody>
-                    <a:bodyPr/>
-                    <a:lstStyle/>
-                    <a:p>
-                      <a:r>
-                        <a:t>Du 01/06/2024 Au 30/06/2024</a:t>
-                      </a:r>
-                    </a:p>
-                  </a:txBody>
-                  <a:tcPr/>
-                </a:tc>
-                <a:tc>
-                  <a:txBody>
-                    <a:bodyPr/>
-                    <a:lstStyle/>
-                    <a:p/>
-                  </a:txBody>
-                  <a:tcPr/>
-                </a:tc>
-                <a:tc>
-                  <a:txBody>
-                    <a:bodyPr/>
-                    <a:lstStyle/>
-                    <a:p>
+                  <a:tcPr>
+                    <a:solidFill>
+                      <a:srgbClr val="F2F2F2"/>
+                    </a:solidFill>
+                  </a:tcPr>
+                </a:tc>
+                <a:tc>
+                  <a:txBody>
+                    <a:bodyPr tIns="18288" bIns="18288" lIns="45720" rIns="45720"/>
+                    <a:lstStyle/>
+                    <a:p>
+                      <a:pPr>
+                        <a:defRPr sz="700">
+                          <a:latin typeface="Arial Narrow"/>
+                        </a:defRPr>
+                      </a:pPr>
                       <a:r>
                         <a:t>0660127763 AZEDDINE</a:t>
                       </a:r>
                     </a:p>
                   </a:txBody>
-                  <a:tcPr/>
-                </a:tc>
-                <a:tc>
-                  <a:txBody>
-                    <a:bodyPr/>
-                    <a:lstStyle/>
-                    <a:p/>
-                  </a:txBody>
-                  <a:tcPr/>
-                </a:tc>
-                <a:tc>
-                  <a:txBody>
-                    <a:bodyPr/>
-                    <a:lstStyle/>
-                    <a:p>
+                  <a:tcPr>
+                    <a:solidFill>
+                      <a:srgbClr val="F2F2F2"/>
+                    </a:solidFill>
+                  </a:tcPr>
+                </a:tc>
+                <a:tc>
+                  <a:txBody>
+                    <a:bodyPr tIns="18288" bIns="18288" lIns="45720" rIns="45720"/>
+                    <a:lstStyle/>
+                    <a:p>
+                      <a:pPr>
+                        <a:defRPr sz="700">
+                          <a:latin typeface="Arial Narrow"/>
+                        </a:defRPr>
+                      </a:pPr>
                       <a:r>
                         <a:t>Agadir</a:t>
                       </a:r>
                     </a:p>
                   </a:txBody>
-                  <a:tcPr/>
-                </a:tc>
-                <a:tc>
-                  <a:txBody>
-                    <a:bodyPr/>
-                    <a:lstStyle/>
-                    <a:p>
+                  <a:tcPr>
+                    <a:solidFill>
+                      <a:srgbClr val="F2F2F2"/>
+                    </a:solidFill>
+                  </a:tcPr>
+                </a:tc>
+                <a:tc>
+                  <a:txBody>
+                    <a:bodyPr tIns="18288" bIns="18288" lIns="45720" rIns="45720"/>
+                    <a:lstStyle/>
+                    <a:p>
+                      <a:pPr>
+                        <a:defRPr sz="700">
+                          <a:latin typeface="Arial Narrow"/>
+                        </a:defRPr>
+                      </a:pPr>
                       <a:r>
                         <a:t>Laâyoune</a:t>
                       </a:r>
                     </a:p>
                   </a:txBody>
-                  <a:tcPr/>
-                </a:tc>
-                <a:tc>
-                  <a:txBody>
-                    <a:bodyPr/>
-                    <a:lstStyle/>
-                    <a:p>
+                  <a:tcPr>
+                    <a:solidFill>
+                      <a:srgbClr val="F2F2F2"/>
+                    </a:solidFill>
+                  </a:tcPr>
+                </a:tc>
+                <a:tc>
+                  <a:txBody>
+                    <a:bodyPr tIns="18288" bIns="18288" lIns="45720" rIns="45720"/>
+                    <a:lstStyle/>
+                    <a:p>
+                      <a:pPr>
+                        <a:defRPr sz="700">
+                          <a:latin typeface="Arial Narrow"/>
+                        </a:defRPr>
+                      </a:pPr>
                       <a:r>
                         <a:t>-13.20293670000000041, 27.15869269999999958</a:t>
                       </a:r>
                     </a:p>
                   </a:txBody>
-                  <a:tcPr/>
-                </a:tc>
-                <a:tc>
-                  <a:txBody>
-                    <a:bodyPr/>
-                    <a:lstStyle/>
-                    <a:p>
+                  <a:tcPr>
+                    <a:solidFill>
+                      <a:srgbClr val="F2F2F2"/>
+                    </a:solidFill>
+                  </a:tcPr>
+                </a:tc>
+                <a:tc>
+                  <a:txBody>
+                    <a:bodyPr tIns="18288" bIns="18288" lIns="45720" rIns="45720"/>
+                    <a:lstStyle/>
+                    <a:p>
+                      <a:pPr>
+                        <a:defRPr sz="700">
+                          <a:latin typeface="Arial Narrow"/>
+                        </a:defRPr>
+                      </a:pPr>
                       <a:r>
                         <a:t>27.15796708, -13.20530034</a:t>
                       </a:r>
                     </a:p>
                   </a:txBody>
-                  <a:tcPr/>
-                </a:tc>
-                <a:tc>
-                  <a:txBody>
-                    <a:bodyPr/>
-                    <a:lstStyle/>
-                    <a:p/>
-                  </a:txBody>
-                  <a:tcPr/>
-                </a:tc>
-                <a:tc>
-                  <a:txBody>
-                    <a:bodyPr/>
-                    <a:lstStyle/>
-                    <a:p/>
-                  </a:txBody>
-                  <a:tcPr/>
+                  <a:tcPr>
+                    <a:solidFill>
+                      <a:srgbClr val="F2F2F2"/>
+                    </a:solidFill>
+                  </a:tcPr>
                 </a:tc>
               </a:tr>
-              <a:tr h="127000">
-                <a:tc>
-                  <a:txBody>
-                    <a:bodyPr/>
-                    <a:lstStyle/>
-                    <a:p>
+              <a:tr h="93600">
+                <a:tc>
+                  <a:txBody>
+                    <a:bodyPr tIns="18288" bIns="18288" lIns="45720" rIns="45720"/>
+                    <a:lstStyle/>
+                    <a:p>
+                      <a:pPr>
+                        <a:defRPr sz="700">
+                          <a:latin typeface="Arial Narrow"/>
+                        </a:defRPr>
+                      </a:pPr>
                       <a:r>
                         <a:t>LAA002</a:t>
                       </a:r>
@@ -7102,9 +6659,14 @@
                 </a:tc>
                 <a:tc>
                   <a:txBody>
-                    <a:bodyPr/>
-                    <a:lstStyle/>
-                    <a:p>
+                    <a:bodyPr tIns="18288" bIns="18288" lIns="45720" rIns="45720"/>
+                    <a:lstStyle/>
+                    <a:p>
+                      <a:pPr>
+                        <a:defRPr sz="700">
+                          <a:latin typeface="Arial Narrow"/>
+                        </a:defRPr>
+                      </a:pPr>
                       <a:r>
                         <a:t>VERNE</a:t>
                       </a:r>
@@ -7114,53 +6676,14 @@
                 </a:tc>
                 <a:tc>
                   <a:txBody>
-                    <a:bodyPr/>
-                    <a:lstStyle/>
-                    <a:p>
-                      <a:r>
-                        <a:t>JUIN</a:t>
-                      </a:r>
-                    </a:p>
-                  </a:txBody>
-                  <a:tcPr/>
-                </a:tc>
-                <a:tc>
-                  <a:txBody>
-                    <a:bodyPr/>
-                    <a:lstStyle/>
-                    <a:p>
-                      <a:r>
-                        <a:t>Du 01/06/2024 Au 30/06/2024</a:t>
-                      </a:r>
-                    </a:p>
-                  </a:txBody>
-                  <a:tcPr/>
-                </a:tc>
-                <a:tc>
-                  <a:txBody>
-                    <a:bodyPr/>
-                    <a:lstStyle/>
-                    <a:p>
-                      <a:r>
-                        <a:t>Du 01/06/2024 Au 30/06/2024</a:t>
-                      </a:r>
-                    </a:p>
-                  </a:txBody>
-                  <a:tcPr/>
-                </a:tc>
-                <a:tc>
-                  <a:txBody>
-                    <a:bodyPr/>
-                    <a:lstStyle/>
-                    <a:p/>
-                  </a:txBody>
-                  <a:tcPr/>
-                </a:tc>
-                <a:tc>
-                  <a:txBody>
-                    <a:bodyPr/>
-                    <a:lstStyle/>
-                    <a:p>
+                    <a:bodyPr tIns="18288" bIns="18288" lIns="45720" rIns="45720"/>
+                    <a:lstStyle/>
+                    <a:p>
+                      <a:pPr>
+                        <a:defRPr sz="700">
+                          <a:latin typeface="Arial Narrow"/>
+                        </a:defRPr>
+                      </a:pPr>
                       <a:r>
                         <a:t>0660127763 AZEDDINE</a:t>
                       </a:r>
@@ -7170,17 +6693,14 @@
                 </a:tc>
                 <a:tc>
                   <a:txBody>
-                    <a:bodyPr/>
-                    <a:lstStyle/>
-                    <a:p/>
-                  </a:txBody>
-                  <a:tcPr/>
-                </a:tc>
-                <a:tc>
-                  <a:txBody>
-                    <a:bodyPr/>
-                    <a:lstStyle/>
-                    <a:p>
+                    <a:bodyPr tIns="18288" bIns="18288" lIns="45720" rIns="45720"/>
+                    <a:lstStyle/>
+                    <a:p>
+                      <a:pPr>
+                        <a:defRPr sz="700">
+                          <a:latin typeface="Arial Narrow"/>
+                        </a:defRPr>
+                      </a:pPr>
                       <a:r>
                         <a:t>Agadir</a:t>
                       </a:r>
@@ -7190,9 +6710,14 @@
                 </a:tc>
                 <a:tc>
                   <a:txBody>
-                    <a:bodyPr/>
-                    <a:lstStyle/>
-                    <a:p>
+                    <a:bodyPr tIns="18288" bIns="18288" lIns="45720" rIns="45720"/>
+                    <a:lstStyle/>
+                    <a:p>
+                      <a:pPr>
+                        <a:defRPr sz="700">
+                          <a:latin typeface="Arial Narrow"/>
+                        </a:defRPr>
+                      </a:pPr>
                       <a:r>
                         <a:t>Laâyoune</a:t>
                       </a:r>
@@ -7202,9 +6727,14 @@
                 </a:tc>
                 <a:tc>
                   <a:txBody>
-                    <a:bodyPr/>
-                    <a:lstStyle/>
-                    <a:p>
+                    <a:bodyPr tIns="18288" bIns="18288" lIns="45720" rIns="45720"/>
+                    <a:lstStyle/>
+                    <a:p>
+                      <a:pPr>
+                        <a:defRPr sz="700">
+                          <a:latin typeface="Arial Narrow"/>
+                        </a:defRPr>
+                      </a:pPr>
                       <a:r>
                         <a:t>-13.20539989999999975, 27.16229999999999833</a:t>
                       </a:r>
@@ -7214,9 +6744,14 @@
                 </a:tc>
                 <a:tc>
                   <a:txBody>
-                    <a:bodyPr/>
-                    <a:lstStyle/>
-                    <a:p>
+                    <a:bodyPr tIns="18288" bIns="18288" lIns="45720" rIns="45720"/>
+                    <a:lstStyle/>
+                    <a:p>
+                      <a:pPr>
+                        <a:defRPr sz="700">
+                          <a:latin typeface="Arial Narrow"/>
+                        </a:defRPr>
+                      </a:pPr>
                       <a:r>
                         <a:t>27.15796708, -13.20530034</a:t>
                       </a:r>
@@ -7224,183 +6759,167 @@
                   </a:txBody>
                   <a:tcPr/>
                 </a:tc>
-                <a:tc>
-                  <a:txBody>
-                    <a:bodyPr/>
-                    <a:lstStyle/>
-                    <a:p/>
-                  </a:txBody>
-                  <a:tcPr/>
-                </a:tc>
-                <a:tc>
-                  <a:txBody>
-                    <a:bodyPr/>
-                    <a:lstStyle/>
-                    <a:p/>
-                  </a:txBody>
-                  <a:tcPr/>
-                </a:tc>
               </a:tr>
-              <a:tr h="127000">
-                <a:tc>
-                  <a:txBody>
-                    <a:bodyPr/>
-                    <a:lstStyle/>
-                    <a:p>
+              <a:tr h="93600">
+                <a:tc>
+                  <a:txBody>
+                    <a:bodyPr tIns="18288" bIns="18288" lIns="45720" rIns="45720"/>
+                    <a:lstStyle/>
+                    <a:p>
+                      <a:pPr>
+                        <a:defRPr sz="700">
+                          <a:latin typeface="Arial Narrow"/>
+                        </a:defRPr>
+                      </a:pPr>
                       <a:r>
                         <a:t>LAA924</a:t>
                       </a:r>
                     </a:p>
                   </a:txBody>
-                  <a:tcPr/>
-                </a:tc>
-                <a:tc>
-                  <a:txBody>
-                    <a:bodyPr/>
-                    <a:lstStyle/>
-                    <a:p>
+                  <a:tcPr>
+                    <a:solidFill>
+                      <a:srgbClr val="F2F2F2"/>
+                    </a:solidFill>
+                  </a:tcPr>
+                </a:tc>
+                <a:tc>
+                  <a:txBody>
+                    <a:bodyPr tIns="18288" bIns="18288" lIns="45720" rIns="45720"/>
+                    <a:lstStyle/>
+                    <a:p>
+                      <a:pPr>
+                        <a:defRPr sz="700">
+                          <a:latin typeface="Arial Narrow"/>
+                        </a:defRPr>
+                      </a:pPr>
                       <a:r>
                         <a:t>VERNE</a:t>
                       </a:r>
                     </a:p>
                   </a:txBody>
-                  <a:tcPr/>
-                </a:tc>
-                <a:tc>
-                  <a:txBody>
-                    <a:bodyPr/>
-                    <a:lstStyle/>
-                    <a:p>
-                      <a:r>
-                        <a:t>JUIN</a:t>
-                      </a:r>
-                    </a:p>
-                  </a:txBody>
-                  <a:tcPr/>
-                </a:tc>
-                <a:tc>
-                  <a:txBody>
-                    <a:bodyPr/>
-                    <a:lstStyle/>
-                    <a:p>
-                      <a:r>
-                        <a:t>Du 01/06/2024 Au 30/06/2024</a:t>
-                      </a:r>
-                    </a:p>
-                  </a:txBody>
-                  <a:tcPr/>
-                </a:tc>
-                <a:tc>
-                  <a:txBody>
-                    <a:bodyPr/>
-                    <a:lstStyle/>
-                    <a:p>
-                      <a:r>
-                        <a:t>Du 01/06/2024 Au 30/06/2024</a:t>
-                      </a:r>
-                    </a:p>
-                  </a:txBody>
-                  <a:tcPr/>
-                </a:tc>
-                <a:tc>
-                  <a:txBody>
-                    <a:bodyPr/>
-                    <a:lstStyle/>
-                    <a:p/>
-                  </a:txBody>
-                  <a:tcPr/>
-                </a:tc>
-                <a:tc>
-                  <a:txBody>
-                    <a:bodyPr/>
-                    <a:lstStyle/>
-                    <a:p>
+                  <a:tcPr>
+                    <a:solidFill>
+                      <a:srgbClr val="F2F2F2"/>
+                    </a:solidFill>
+                  </a:tcPr>
+                </a:tc>
+                <a:tc>
+                  <a:txBody>
+                    <a:bodyPr tIns="18288" bIns="18288" lIns="45720" rIns="45720"/>
+                    <a:lstStyle/>
+                    <a:p>
+                      <a:pPr>
+                        <a:defRPr sz="700">
+                          <a:latin typeface="Arial Narrow"/>
+                        </a:defRPr>
+                      </a:pPr>
                       <a:r>
                         <a:t>0660127763 AZEDDINE</a:t>
                       </a:r>
                     </a:p>
                   </a:txBody>
-                  <a:tcPr/>
-                </a:tc>
-                <a:tc>
-                  <a:txBody>
-                    <a:bodyPr/>
-                    <a:lstStyle/>
-                    <a:p/>
-                  </a:txBody>
-                  <a:tcPr/>
-                </a:tc>
-                <a:tc>
-                  <a:txBody>
-                    <a:bodyPr/>
-                    <a:lstStyle/>
-                    <a:p>
+                  <a:tcPr>
+                    <a:solidFill>
+                      <a:srgbClr val="F2F2F2"/>
+                    </a:solidFill>
+                  </a:tcPr>
+                </a:tc>
+                <a:tc>
+                  <a:txBody>
+                    <a:bodyPr tIns="18288" bIns="18288" lIns="45720" rIns="45720"/>
+                    <a:lstStyle/>
+                    <a:p>
+                      <a:pPr>
+                        <a:defRPr sz="700">
+                          <a:latin typeface="Arial Narrow"/>
+                        </a:defRPr>
+                      </a:pPr>
                       <a:r>
                         <a:t>Agadir</a:t>
                       </a:r>
                     </a:p>
                   </a:txBody>
-                  <a:tcPr/>
-                </a:tc>
-                <a:tc>
-                  <a:txBody>
-                    <a:bodyPr/>
-                    <a:lstStyle/>
-                    <a:p>
+                  <a:tcPr>
+                    <a:solidFill>
+                      <a:srgbClr val="F2F2F2"/>
+                    </a:solidFill>
+                  </a:tcPr>
+                </a:tc>
+                <a:tc>
+                  <a:txBody>
+                    <a:bodyPr tIns="18288" bIns="18288" lIns="45720" rIns="45720"/>
+                    <a:lstStyle/>
+                    <a:p>
+                      <a:pPr>
+                        <a:defRPr sz="700">
+                          <a:latin typeface="Arial Narrow"/>
+                        </a:defRPr>
+                      </a:pPr>
                       <a:r>
                         <a:t>Laâyoune</a:t>
                       </a:r>
                     </a:p>
                   </a:txBody>
-                  <a:tcPr/>
-                </a:tc>
-                <a:tc>
-                  <a:txBody>
-                    <a:bodyPr/>
-                    <a:lstStyle/>
-                    <a:p>
+                  <a:tcPr>
+                    <a:solidFill>
+                      <a:srgbClr val="F2F2F2"/>
+                    </a:solidFill>
+                  </a:tcPr>
+                </a:tc>
+                <a:tc>
+                  <a:txBody>
+                    <a:bodyPr tIns="18288" bIns="18288" lIns="45720" rIns="45720"/>
+                    <a:lstStyle/>
+                    <a:p>
+                      <a:pPr>
+                        <a:defRPr sz="700">
+                          <a:latin typeface="Arial Narrow"/>
+                        </a:defRPr>
+                      </a:pPr>
                       <a:r>
                         <a:t>-13.20010779999999961, 27.16143449999999859</a:t>
                       </a:r>
                     </a:p>
                   </a:txBody>
-                  <a:tcPr/>
-                </a:tc>
-                <a:tc>
-                  <a:txBody>
-                    <a:bodyPr/>
-                    <a:lstStyle/>
-                    <a:p>
+                  <a:tcPr>
+                    <a:solidFill>
+                      <a:srgbClr val="F2F2F2"/>
+                    </a:solidFill>
+                  </a:tcPr>
+                </a:tc>
+                <a:tc>
+                  <a:txBody>
+                    <a:bodyPr tIns="18288" bIns="18288" lIns="45720" rIns="45720"/>
+                    <a:lstStyle/>
+                    <a:p>
+                      <a:pPr>
+                        <a:defRPr sz="700">
+                          <a:latin typeface="Arial Narrow"/>
+                        </a:defRPr>
+                      </a:pPr>
                       <a:r>
                         <a:t>27.15796708, -13.20530034</a:t>
                       </a:r>
                     </a:p>
                   </a:txBody>
-                  <a:tcPr/>
-                </a:tc>
-                <a:tc>
-                  <a:txBody>
-                    <a:bodyPr/>
-                    <a:lstStyle/>
-                    <a:p/>
-                  </a:txBody>
-                  <a:tcPr/>
-                </a:tc>
-                <a:tc>
-                  <a:txBody>
-                    <a:bodyPr/>
-                    <a:lstStyle/>
-                    <a:p/>
-                  </a:txBody>
-                  <a:tcPr/>
+                  <a:tcPr>
+                    <a:solidFill>
+                      <a:srgbClr val="F2F2F2"/>
+                    </a:solidFill>
+                  </a:tcPr>
                 </a:tc>
               </a:tr>
-              <a:tr h="127000">
-                <a:tc>
-                  <a:txBody>
-                    <a:bodyPr/>
-                    <a:lstStyle/>
-                    <a:p>
+              <a:tr h="93600">
+                <a:tc>
+                  <a:txBody>
+                    <a:bodyPr tIns="18288" bIns="18288" lIns="45720" rIns="45720"/>
+                    <a:lstStyle/>
+                    <a:p>
+                      <a:pPr>
+                        <a:defRPr sz="700">
+                          <a:latin typeface="Arial Narrow"/>
+                        </a:defRPr>
+                      </a:pPr>
                       <a:r>
                         <a:t>LAA923</a:t>
                       </a:r>
@@ -7410,9 +6929,14 @@
                 </a:tc>
                 <a:tc>
                   <a:txBody>
-                    <a:bodyPr/>
-                    <a:lstStyle/>
-                    <a:p>
+                    <a:bodyPr tIns="18288" bIns="18288" lIns="45720" rIns="45720"/>
+                    <a:lstStyle/>
+                    <a:p>
+                      <a:pPr>
+                        <a:defRPr sz="700">
+                          <a:latin typeface="Arial Narrow"/>
+                        </a:defRPr>
+                      </a:pPr>
                       <a:r>
                         <a:t>VERNE</a:t>
                       </a:r>
@@ -7422,53 +6946,14 @@
                 </a:tc>
                 <a:tc>
                   <a:txBody>
-                    <a:bodyPr/>
-                    <a:lstStyle/>
-                    <a:p>
-                      <a:r>
-                        <a:t>JUIN</a:t>
-                      </a:r>
-                    </a:p>
-                  </a:txBody>
-                  <a:tcPr/>
-                </a:tc>
-                <a:tc>
-                  <a:txBody>
-                    <a:bodyPr/>
-                    <a:lstStyle/>
-                    <a:p>
-                      <a:r>
-                        <a:t>Du 01/06/2024 Au 30/06/2024</a:t>
-                      </a:r>
-                    </a:p>
-                  </a:txBody>
-                  <a:tcPr/>
-                </a:tc>
-                <a:tc>
-                  <a:txBody>
-                    <a:bodyPr/>
-                    <a:lstStyle/>
-                    <a:p>
-                      <a:r>
-                        <a:t>Du 01/06/2024 Au 30/06/2024</a:t>
-                      </a:r>
-                    </a:p>
-                  </a:txBody>
-                  <a:tcPr/>
-                </a:tc>
-                <a:tc>
-                  <a:txBody>
-                    <a:bodyPr/>
-                    <a:lstStyle/>
-                    <a:p/>
-                  </a:txBody>
-                  <a:tcPr/>
-                </a:tc>
-                <a:tc>
-                  <a:txBody>
-                    <a:bodyPr/>
-                    <a:lstStyle/>
-                    <a:p>
+                    <a:bodyPr tIns="18288" bIns="18288" lIns="45720" rIns="45720"/>
+                    <a:lstStyle/>
+                    <a:p>
+                      <a:pPr>
+                        <a:defRPr sz="700">
+                          <a:latin typeface="Arial Narrow"/>
+                        </a:defRPr>
+                      </a:pPr>
                       <a:r>
                         <a:t>0660127763 AZEDDINE</a:t>
                       </a:r>
@@ -7478,17 +6963,14 @@
                 </a:tc>
                 <a:tc>
                   <a:txBody>
-                    <a:bodyPr/>
-                    <a:lstStyle/>
-                    <a:p/>
-                  </a:txBody>
-                  <a:tcPr/>
-                </a:tc>
-                <a:tc>
-                  <a:txBody>
-                    <a:bodyPr/>
-                    <a:lstStyle/>
-                    <a:p>
+                    <a:bodyPr tIns="18288" bIns="18288" lIns="45720" rIns="45720"/>
+                    <a:lstStyle/>
+                    <a:p>
+                      <a:pPr>
+                        <a:defRPr sz="700">
+                          <a:latin typeface="Arial Narrow"/>
+                        </a:defRPr>
+                      </a:pPr>
                       <a:r>
                         <a:t>Agadir</a:t>
                       </a:r>
@@ -7498,9 +6980,14 @@
                 </a:tc>
                 <a:tc>
                   <a:txBody>
-                    <a:bodyPr/>
-                    <a:lstStyle/>
-                    <a:p>
+                    <a:bodyPr tIns="18288" bIns="18288" lIns="45720" rIns="45720"/>
+                    <a:lstStyle/>
+                    <a:p>
+                      <a:pPr>
+                        <a:defRPr sz="700">
+                          <a:latin typeface="Arial Narrow"/>
+                        </a:defRPr>
+                      </a:pPr>
                       <a:r>
                         <a:t>Laâyoune</a:t>
                       </a:r>
@@ -7510,9 +6997,14 @@
                 </a:tc>
                 <a:tc>
                   <a:txBody>
-                    <a:bodyPr/>
-                    <a:lstStyle/>
-                    <a:p>
+                    <a:bodyPr tIns="18288" bIns="18288" lIns="45720" rIns="45720"/>
+                    <a:lstStyle/>
+                    <a:p>
+                      <a:pPr>
+                        <a:defRPr sz="700">
+                          <a:latin typeface="Arial Narrow"/>
+                        </a:defRPr>
+                      </a:pPr>
                       <a:r>
                         <a:t>-13.20909499999999959, 27.16280529999999871</a:t>
                       </a:r>
@@ -7522,9 +7014,14 @@
                 </a:tc>
                 <a:tc>
                   <a:txBody>
-                    <a:bodyPr/>
-                    <a:lstStyle/>
-                    <a:p>
+                    <a:bodyPr tIns="18288" bIns="18288" lIns="45720" rIns="45720"/>
+                    <a:lstStyle/>
+                    <a:p>
+                      <a:pPr>
+                        <a:defRPr sz="700">
+                          <a:latin typeface="Arial Narrow"/>
+                        </a:defRPr>
+                      </a:pPr>
                       <a:r>
                         <a:t>27.15796708, -13.20530034</a:t>
                       </a:r>
@@ -7532,183 +7029,167 @@
                   </a:txBody>
                   <a:tcPr/>
                 </a:tc>
-                <a:tc>
-                  <a:txBody>
-                    <a:bodyPr/>
-                    <a:lstStyle/>
-                    <a:p/>
-                  </a:txBody>
-                  <a:tcPr/>
-                </a:tc>
-                <a:tc>
-                  <a:txBody>
-                    <a:bodyPr/>
-                    <a:lstStyle/>
-                    <a:p/>
-                  </a:txBody>
-                  <a:tcPr/>
-                </a:tc>
               </a:tr>
-              <a:tr h="127000">
-                <a:tc>
-                  <a:txBody>
-                    <a:bodyPr/>
-                    <a:lstStyle/>
-                    <a:p>
+              <a:tr h="93600">
+                <a:tc>
+                  <a:txBody>
+                    <a:bodyPr tIns="18288" bIns="18288" lIns="45720" rIns="45720"/>
+                    <a:lstStyle/>
+                    <a:p>
+                      <a:pPr>
+                        <a:defRPr sz="700">
+                          <a:latin typeface="Arial Narrow"/>
+                        </a:defRPr>
+                      </a:pPr>
                       <a:r>
                         <a:t>LAA929</a:t>
                       </a:r>
                     </a:p>
                   </a:txBody>
-                  <a:tcPr/>
-                </a:tc>
-                <a:tc>
-                  <a:txBody>
-                    <a:bodyPr/>
-                    <a:lstStyle/>
-                    <a:p>
+                  <a:tcPr>
+                    <a:solidFill>
+                      <a:srgbClr val="F2F2F2"/>
+                    </a:solidFill>
+                  </a:tcPr>
+                </a:tc>
+                <a:tc>
+                  <a:txBody>
+                    <a:bodyPr tIns="18288" bIns="18288" lIns="45720" rIns="45720"/>
+                    <a:lstStyle/>
+                    <a:p>
+                      <a:pPr>
+                        <a:defRPr sz="700">
+                          <a:latin typeface="Arial Narrow"/>
+                        </a:defRPr>
+                      </a:pPr>
                       <a:r>
                         <a:t>NOMATIS</a:t>
                       </a:r>
                     </a:p>
                   </a:txBody>
-                  <a:tcPr/>
-                </a:tc>
-                <a:tc>
-                  <a:txBody>
-                    <a:bodyPr/>
-                    <a:lstStyle/>
-                    <a:p>
-                      <a:r>
-                        <a:t>JUIN</a:t>
-                      </a:r>
-                    </a:p>
-                  </a:txBody>
-                  <a:tcPr/>
-                </a:tc>
-                <a:tc>
-                  <a:txBody>
-                    <a:bodyPr/>
-                    <a:lstStyle/>
-                    <a:p>
-                      <a:r>
-                        <a:t>Du 01/06/2024 Au 31/09/2024</a:t>
-                      </a:r>
-                    </a:p>
-                  </a:txBody>
-                  <a:tcPr/>
-                </a:tc>
-                <a:tc>
-                  <a:txBody>
-                    <a:bodyPr/>
-                    <a:lstStyle/>
-                    <a:p>
-                      <a:r>
-                        <a:t>Du 01/06/2024 Au 31/09/2024</a:t>
-                      </a:r>
-                    </a:p>
-                  </a:txBody>
-                  <a:tcPr/>
-                </a:tc>
-                <a:tc>
-                  <a:txBody>
-                    <a:bodyPr/>
-                    <a:lstStyle/>
-                    <a:p/>
-                  </a:txBody>
-                  <a:tcPr/>
-                </a:tc>
-                <a:tc>
-                  <a:txBody>
-                    <a:bodyPr/>
-                    <a:lstStyle/>
-                    <a:p>
+                  <a:tcPr>
+                    <a:solidFill>
+                      <a:srgbClr val="F2F2F2"/>
+                    </a:solidFill>
+                  </a:tcPr>
+                </a:tc>
+                <a:tc>
+                  <a:txBody>
+                    <a:bodyPr tIns="18288" bIns="18288" lIns="45720" rIns="45720"/>
+                    <a:lstStyle/>
+                    <a:p>
+                      <a:pPr>
+                        <a:defRPr sz="700">
+                          <a:latin typeface="Arial Narrow"/>
+                        </a:defRPr>
+                      </a:pPr>
                       <a:r>
                         <a:t>0660127763 AZEDDINE</a:t>
                       </a:r>
                     </a:p>
                   </a:txBody>
-                  <a:tcPr/>
-                </a:tc>
-                <a:tc>
-                  <a:txBody>
-                    <a:bodyPr/>
-                    <a:lstStyle/>
-                    <a:p/>
-                  </a:txBody>
-                  <a:tcPr/>
-                </a:tc>
-                <a:tc>
-                  <a:txBody>
-                    <a:bodyPr/>
-                    <a:lstStyle/>
-                    <a:p>
+                  <a:tcPr>
+                    <a:solidFill>
+                      <a:srgbClr val="F2F2F2"/>
+                    </a:solidFill>
+                  </a:tcPr>
+                </a:tc>
+                <a:tc>
+                  <a:txBody>
+                    <a:bodyPr tIns="18288" bIns="18288" lIns="45720" rIns="45720"/>
+                    <a:lstStyle/>
+                    <a:p>
+                      <a:pPr>
+                        <a:defRPr sz="700">
+                          <a:latin typeface="Arial Narrow"/>
+                        </a:defRPr>
+                      </a:pPr>
                       <a:r>
                         <a:t>Agadir</a:t>
                       </a:r>
                     </a:p>
                   </a:txBody>
-                  <a:tcPr/>
-                </a:tc>
-                <a:tc>
-                  <a:txBody>
-                    <a:bodyPr/>
-                    <a:lstStyle/>
-                    <a:p>
+                  <a:tcPr>
+                    <a:solidFill>
+                      <a:srgbClr val="F2F2F2"/>
+                    </a:solidFill>
+                  </a:tcPr>
+                </a:tc>
+                <a:tc>
+                  <a:txBody>
+                    <a:bodyPr tIns="18288" bIns="18288" lIns="45720" rIns="45720"/>
+                    <a:lstStyle/>
+                    <a:p>
+                      <a:pPr>
+                        <a:defRPr sz="700">
+                          <a:latin typeface="Arial Narrow"/>
+                        </a:defRPr>
+                      </a:pPr>
                       <a:r>
                         <a:t>Laâyoune</a:t>
                       </a:r>
                     </a:p>
                   </a:txBody>
-                  <a:tcPr/>
-                </a:tc>
-                <a:tc>
-                  <a:txBody>
-                    <a:bodyPr/>
-                    <a:lstStyle/>
-                    <a:p>
+                  <a:tcPr>
+                    <a:solidFill>
+                      <a:srgbClr val="F2F2F2"/>
+                    </a:solidFill>
+                  </a:tcPr>
+                </a:tc>
+                <a:tc>
+                  <a:txBody>
+                    <a:bodyPr tIns="18288" bIns="18288" lIns="45720" rIns="45720"/>
+                    <a:lstStyle/>
+                    <a:p>
+                      <a:pPr>
+                        <a:defRPr sz="700">
+                          <a:latin typeface="Arial Narrow"/>
+                        </a:defRPr>
+                      </a:pPr>
                       <a:r>
                         <a:t>-13.18975589999999976, 27.15848490000000126</a:t>
                       </a:r>
                     </a:p>
                   </a:txBody>
-                  <a:tcPr/>
-                </a:tc>
-                <a:tc>
-                  <a:txBody>
-                    <a:bodyPr/>
-                    <a:lstStyle/>
-                    <a:p>
+                  <a:tcPr>
+                    <a:solidFill>
+                      <a:srgbClr val="F2F2F2"/>
+                    </a:solidFill>
+                  </a:tcPr>
+                </a:tc>
+                <a:tc>
+                  <a:txBody>
+                    <a:bodyPr tIns="18288" bIns="18288" lIns="45720" rIns="45720"/>
+                    <a:lstStyle/>
+                    <a:p>
+                      <a:pPr>
+                        <a:defRPr sz="700">
+                          <a:latin typeface="Arial Narrow"/>
+                        </a:defRPr>
+                      </a:pPr>
                       <a:r>
                         <a:t>27.15796708, -13.20530034</a:t>
                       </a:r>
                     </a:p>
                   </a:txBody>
-                  <a:tcPr/>
-                </a:tc>
-                <a:tc>
-                  <a:txBody>
-                    <a:bodyPr/>
-                    <a:lstStyle/>
-                    <a:p/>
-                  </a:txBody>
-                  <a:tcPr/>
-                </a:tc>
-                <a:tc>
-                  <a:txBody>
-                    <a:bodyPr/>
-                    <a:lstStyle/>
-                    <a:p/>
-                  </a:txBody>
-                  <a:tcPr/>
+                  <a:tcPr>
+                    <a:solidFill>
+                      <a:srgbClr val="F2F2F2"/>
+                    </a:solidFill>
+                  </a:tcPr>
                 </a:tc>
               </a:tr>
-              <a:tr h="127000">
-                <a:tc>
-                  <a:txBody>
-                    <a:bodyPr/>
-                    <a:lstStyle/>
-                    <a:p>
+              <a:tr h="93600">
+                <a:tc>
+                  <a:txBody>
+                    <a:bodyPr tIns="18288" bIns="18288" lIns="45720" rIns="45720"/>
+                    <a:lstStyle/>
+                    <a:p>
+                      <a:pPr>
+                        <a:defRPr sz="700">
+                          <a:latin typeface="Arial Narrow"/>
+                        </a:defRPr>
+                      </a:pPr>
                       <a:r>
                         <a:t>LAA054</a:t>
                       </a:r>
@@ -7718,9 +7199,14 @@
                 </a:tc>
                 <a:tc>
                   <a:txBody>
-                    <a:bodyPr/>
-                    <a:lstStyle/>
-                    <a:p>
+                    <a:bodyPr tIns="18288" bIns="18288" lIns="45720" rIns="45720"/>
+                    <a:lstStyle/>
+                    <a:p>
+                      <a:pPr>
+                        <a:defRPr sz="700">
+                          <a:latin typeface="Arial Narrow"/>
+                        </a:defRPr>
+                      </a:pPr>
                       <a:r>
                         <a:t>NOMATIS</a:t>
                       </a:r>
@@ -7730,53 +7216,14 @@
                 </a:tc>
                 <a:tc>
                   <a:txBody>
-                    <a:bodyPr/>
-                    <a:lstStyle/>
-                    <a:p>
-                      <a:r>
-                        <a:t>JUIN</a:t>
-                      </a:r>
-                    </a:p>
-                  </a:txBody>
-                  <a:tcPr/>
-                </a:tc>
-                <a:tc>
-                  <a:txBody>
-                    <a:bodyPr/>
-                    <a:lstStyle/>
-                    <a:p>
-                      <a:r>
-                        <a:t>Du 01/06/2024 Au 31/09/2024</a:t>
-                      </a:r>
-                    </a:p>
-                  </a:txBody>
-                  <a:tcPr/>
-                </a:tc>
-                <a:tc>
-                  <a:txBody>
-                    <a:bodyPr/>
-                    <a:lstStyle/>
-                    <a:p>
-                      <a:r>
-                        <a:t>Du 01/06/2024 Au 31/09/2024</a:t>
-                      </a:r>
-                    </a:p>
-                  </a:txBody>
-                  <a:tcPr/>
-                </a:tc>
-                <a:tc>
-                  <a:txBody>
-                    <a:bodyPr/>
-                    <a:lstStyle/>
-                    <a:p/>
-                  </a:txBody>
-                  <a:tcPr/>
-                </a:tc>
-                <a:tc>
-                  <a:txBody>
-                    <a:bodyPr/>
-                    <a:lstStyle/>
-                    <a:p>
+                    <a:bodyPr tIns="18288" bIns="18288" lIns="45720" rIns="45720"/>
+                    <a:lstStyle/>
+                    <a:p>
+                      <a:pPr>
+                        <a:defRPr sz="700">
+                          <a:latin typeface="Arial Narrow"/>
+                        </a:defRPr>
+                      </a:pPr>
                       <a:r>
                         <a:t>0660127763 AZEDDINE</a:t>
                       </a:r>
@@ -7786,17 +7233,14 @@
                 </a:tc>
                 <a:tc>
                   <a:txBody>
-                    <a:bodyPr/>
-                    <a:lstStyle/>
-                    <a:p/>
-                  </a:txBody>
-                  <a:tcPr/>
-                </a:tc>
-                <a:tc>
-                  <a:txBody>
-                    <a:bodyPr/>
-                    <a:lstStyle/>
-                    <a:p>
+                    <a:bodyPr tIns="18288" bIns="18288" lIns="45720" rIns="45720"/>
+                    <a:lstStyle/>
+                    <a:p>
+                      <a:pPr>
+                        <a:defRPr sz="700">
+                          <a:latin typeface="Arial Narrow"/>
+                        </a:defRPr>
+                      </a:pPr>
                       <a:r>
                         <a:t>Agadir</a:t>
                       </a:r>
@@ -7806,9 +7250,14 @@
                 </a:tc>
                 <a:tc>
                   <a:txBody>
-                    <a:bodyPr/>
-                    <a:lstStyle/>
-                    <a:p>
+                    <a:bodyPr tIns="18288" bIns="18288" lIns="45720" rIns="45720"/>
+                    <a:lstStyle/>
+                    <a:p>
+                      <a:pPr>
+                        <a:defRPr sz="700">
+                          <a:latin typeface="Arial Narrow"/>
+                        </a:defRPr>
+                      </a:pPr>
                       <a:r>
                         <a:t>Laâyoune</a:t>
                       </a:r>
@@ -7818,9 +7267,14 @@
                 </a:tc>
                 <a:tc>
                   <a:txBody>
-                    <a:bodyPr/>
-                    <a:lstStyle/>
-                    <a:p>
+                    <a:bodyPr tIns="18288" bIns="18288" lIns="45720" rIns="45720"/>
+                    <a:lstStyle/>
+                    <a:p>
+                      <a:pPr>
+                        <a:defRPr sz="700">
+                          <a:latin typeface="Arial Narrow"/>
+                        </a:defRPr>
+                      </a:pPr>
                       <a:r>
                         <a:t>-13.20307799999999965, 27.1434570000000015</a:t>
                       </a:r>
@@ -7830,9 +7284,14 @@
                 </a:tc>
                 <a:tc>
                   <a:txBody>
-                    <a:bodyPr/>
-                    <a:lstStyle/>
-                    <a:p>
+                    <a:bodyPr tIns="18288" bIns="18288" lIns="45720" rIns="45720"/>
+                    <a:lstStyle/>
+                    <a:p>
+                      <a:pPr>
+                        <a:defRPr sz="700">
+                          <a:latin typeface="Arial Narrow"/>
+                        </a:defRPr>
+                      </a:pPr>
                       <a:r>
                         <a:t>27.14227788, -13.20136240</a:t>
                       </a:r>
@@ -7840,183 +7299,167 @@
                   </a:txBody>
                   <a:tcPr/>
                 </a:tc>
-                <a:tc>
-                  <a:txBody>
-                    <a:bodyPr/>
-                    <a:lstStyle/>
-                    <a:p/>
-                  </a:txBody>
-                  <a:tcPr/>
-                </a:tc>
-                <a:tc>
-                  <a:txBody>
-                    <a:bodyPr/>
-                    <a:lstStyle/>
-                    <a:p/>
-                  </a:txBody>
-                  <a:tcPr/>
-                </a:tc>
               </a:tr>
-              <a:tr h="127000">
-                <a:tc>
-                  <a:txBody>
-                    <a:bodyPr/>
-                    <a:lstStyle/>
-                    <a:p>
+              <a:tr h="93600">
+                <a:tc>
+                  <a:txBody>
+                    <a:bodyPr tIns="18288" bIns="18288" lIns="45720" rIns="45720"/>
+                    <a:lstStyle/>
+                    <a:p>
+                      <a:pPr>
+                        <a:defRPr sz="700">
+                          <a:latin typeface="Arial Narrow"/>
+                        </a:defRPr>
+                      </a:pPr>
                       <a:r>
                         <a:t>LAA053</a:t>
                       </a:r>
                     </a:p>
                   </a:txBody>
-                  <a:tcPr/>
-                </a:tc>
-                <a:tc>
-                  <a:txBody>
-                    <a:bodyPr/>
-                    <a:lstStyle/>
-                    <a:p>
+                  <a:tcPr>
+                    <a:solidFill>
+                      <a:srgbClr val="F2F2F2"/>
+                    </a:solidFill>
+                  </a:tcPr>
+                </a:tc>
+                <a:tc>
+                  <a:txBody>
+                    <a:bodyPr tIns="18288" bIns="18288" lIns="45720" rIns="45720"/>
+                    <a:lstStyle/>
+                    <a:p>
+                      <a:pPr>
+                        <a:defRPr sz="700">
+                          <a:latin typeface="Arial Narrow"/>
+                        </a:defRPr>
+                      </a:pPr>
                       <a:r>
                         <a:t>VERNE</a:t>
                       </a:r>
                     </a:p>
                   </a:txBody>
-                  <a:tcPr/>
-                </a:tc>
-                <a:tc>
-                  <a:txBody>
-                    <a:bodyPr/>
-                    <a:lstStyle/>
-                    <a:p>
-                      <a:r>
-                        <a:t>JUIN</a:t>
-                      </a:r>
-                    </a:p>
-                  </a:txBody>
-                  <a:tcPr/>
-                </a:tc>
-                <a:tc>
-                  <a:txBody>
-                    <a:bodyPr/>
-                    <a:lstStyle/>
-                    <a:p>
-                      <a:r>
-                        <a:t>Du 01/06/2024 Au 30/06/2024</a:t>
-                      </a:r>
-                    </a:p>
-                  </a:txBody>
-                  <a:tcPr/>
-                </a:tc>
-                <a:tc>
-                  <a:txBody>
-                    <a:bodyPr/>
-                    <a:lstStyle/>
-                    <a:p>
-                      <a:r>
-                        <a:t>Du 01/06/2024 Au 30/06/2024</a:t>
-                      </a:r>
-                    </a:p>
-                  </a:txBody>
-                  <a:tcPr/>
-                </a:tc>
-                <a:tc>
-                  <a:txBody>
-                    <a:bodyPr/>
-                    <a:lstStyle/>
-                    <a:p/>
-                  </a:txBody>
-                  <a:tcPr/>
-                </a:tc>
-                <a:tc>
-                  <a:txBody>
-                    <a:bodyPr/>
-                    <a:lstStyle/>
-                    <a:p>
+                  <a:tcPr>
+                    <a:solidFill>
+                      <a:srgbClr val="F2F2F2"/>
+                    </a:solidFill>
+                  </a:tcPr>
+                </a:tc>
+                <a:tc>
+                  <a:txBody>
+                    <a:bodyPr tIns="18288" bIns="18288" lIns="45720" rIns="45720"/>
+                    <a:lstStyle/>
+                    <a:p>
+                      <a:pPr>
+                        <a:defRPr sz="700">
+                          <a:latin typeface="Arial Narrow"/>
+                        </a:defRPr>
+                      </a:pPr>
                       <a:r>
                         <a:t>0660127763 AZEDDINE</a:t>
                       </a:r>
                     </a:p>
                   </a:txBody>
-                  <a:tcPr/>
-                </a:tc>
-                <a:tc>
-                  <a:txBody>
-                    <a:bodyPr/>
-                    <a:lstStyle/>
-                    <a:p/>
-                  </a:txBody>
-                  <a:tcPr/>
-                </a:tc>
-                <a:tc>
-                  <a:txBody>
-                    <a:bodyPr/>
-                    <a:lstStyle/>
-                    <a:p>
+                  <a:tcPr>
+                    <a:solidFill>
+                      <a:srgbClr val="F2F2F2"/>
+                    </a:solidFill>
+                  </a:tcPr>
+                </a:tc>
+                <a:tc>
+                  <a:txBody>
+                    <a:bodyPr tIns="18288" bIns="18288" lIns="45720" rIns="45720"/>
+                    <a:lstStyle/>
+                    <a:p>
+                      <a:pPr>
+                        <a:defRPr sz="700">
+                          <a:latin typeface="Arial Narrow"/>
+                        </a:defRPr>
+                      </a:pPr>
                       <a:r>
                         <a:t>Agadir</a:t>
                       </a:r>
                     </a:p>
                   </a:txBody>
-                  <a:tcPr/>
-                </a:tc>
-                <a:tc>
-                  <a:txBody>
-                    <a:bodyPr/>
-                    <a:lstStyle/>
-                    <a:p>
+                  <a:tcPr>
+                    <a:solidFill>
+                      <a:srgbClr val="F2F2F2"/>
+                    </a:solidFill>
+                  </a:tcPr>
+                </a:tc>
+                <a:tc>
+                  <a:txBody>
+                    <a:bodyPr tIns="18288" bIns="18288" lIns="45720" rIns="45720"/>
+                    <a:lstStyle/>
+                    <a:p>
+                      <a:pPr>
+                        <a:defRPr sz="700">
+                          <a:latin typeface="Arial Narrow"/>
+                        </a:defRPr>
+                      </a:pPr>
                       <a:r>
                         <a:t>Laâyoune</a:t>
                       </a:r>
                     </a:p>
                   </a:txBody>
-                  <a:tcPr/>
-                </a:tc>
-                <a:tc>
-                  <a:txBody>
-                    <a:bodyPr/>
-                    <a:lstStyle/>
-                    <a:p>
+                  <a:tcPr>
+                    <a:solidFill>
+                      <a:srgbClr val="F2F2F2"/>
+                    </a:solidFill>
+                  </a:tcPr>
+                </a:tc>
+                <a:tc>
+                  <a:txBody>
+                    <a:bodyPr tIns="18288" bIns="18288" lIns="45720" rIns="45720"/>
+                    <a:lstStyle/>
+                    <a:p>
+                      <a:pPr>
+                        <a:defRPr sz="700">
+                          <a:latin typeface="Arial Narrow"/>
+                        </a:defRPr>
+                      </a:pPr>
                       <a:r>
                         <a:t>-13.20734200000000058, 27.1452750000000016</a:t>
                       </a:r>
                     </a:p>
                   </a:txBody>
-                  <a:tcPr/>
-                </a:tc>
-                <a:tc>
-                  <a:txBody>
-                    <a:bodyPr/>
-                    <a:lstStyle/>
-                    <a:p>
+                  <a:tcPr>
+                    <a:solidFill>
+                      <a:srgbClr val="F2F2F2"/>
+                    </a:solidFill>
+                  </a:tcPr>
+                </a:tc>
+                <a:tc>
+                  <a:txBody>
+                    <a:bodyPr tIns="18288" bIns="18288" lIns="45720" rIns="45720"/>
+                    <a:lstStyle/>
+                    <a:p>
+                      <a:pPr>
+                        <a:defRPr sz="700">
+                          <a:latin typeface="Arial Narrow"/>
+                        </a:defRPr>
+                      </a:pPr>
                       <a:r>
                         <a:t>27.14830560, -13.20555560</a:t>
                       </a:r>
                     </a:p>
                   </a:txBody>
-                  <a:tcPr/>
-                </a:tc>
-                <a:tc>
-                  <a:txBody>
-                    <a:bodyPr/>
-                    <a:lstStyle/>
-                    <a:p/>
-                  </a:txBody>
-                  <a:tcPr/>
-                </a:tc>
-                <a:tc>
-                  <a:txBody>
-                    <a:bodyPr/>
-                    <a:lstStyle/>
-                    <a:p/>
-                  </a:txBody>
-                  <a:tcPr/>
+                  <a:tcPr>
+                    <a:solidFill>
+                      <a:srgbClr val="F2F2F2"/>
+                    </a:solidFill>
+                  </a:tcPr>
                 </a:tc>
               </a:tr>
-              <a:tr h="127000">
-                <a:tc>
-                  <a:txBody>
-                    <a:bodyPr/>
-                    <a:lstStyle/>
-                    <a:p>
+              <a:tr h="93600">
+                <a:tc>
+                  <a:txBody>
+                    <a:bodyPr tIns="18288" bIns="18288" lIns="45720" rIns="45720"/>
+                    <a:lstStyle/>
+                    <a:p>
+                      <a:pPr>
+                        <a:defRPr sz="700">
+                          <a:latin typeface="Arial Narrow"/>
+                        </a:defRPr>
+                      </a:pPr>
                       <a:r>
                         <a:t>LAA926</a:t>
                       </a:r>
@@ -8026,9 +7469,14 @@
                 </a:tc>
                 <a:tc>
                   <a:txBody>
-                    <a:bodyPr/>
-                    <a:lstStyle/>
-                    <a:p>
+                    <a:bodyPr tIns="18288" bIns="18288" lIns="45720" rIns="45720"/>
+                    <a:lstStyle/>
+                    <a:p>
+                      <a:pPr>
+                        <a:defRPr sz="700">
+                          <a:latin typeface="Arial Narrow"/>
+                        </a:defRPr>
+                      </a:pPr>
                       <a:r>
                         <a:t>NOMATIS</a:t>
                       </a:r>
@@ -8038,53 +7486,14 @@
                 </a:tc>
                 <a:tc>
                   <a:txBody>
-                    <a:bodyPr/>
-                    <a:lstStyle/>
-                    <a:p>
-                      <a:r>
-                        <a:t>JUIN</a:t>
-                      </a:r>
-                    </a:p>
-                  </a:txBody>
-                  <a:tcPr/>
-                </a:tc>
-                <a:tc>
-                  <a:txBody>
-                    <a:bodyPr/>
-                    <a:lstStyle/>
-                    <a:p>
-                      <a:r>
-                        <a:t>Du 01/06/2024 Au 31/09/2024</a:t>
-                      </a:r>
-                    </a:p>
-                  </a:txBody>
-                  <a:tcPr/>
-                </a:tc>
-                <a:tc>
-                  <a:txBody>
-                    <a:bodyPr/>
-                    <a:lstStyle/>
-                    <a:p>
-                      <a:r>
-                        <a:t>Du 01/06/2024 Au 31/09/2024</a:t>
-                      </a:r>
-                    </a:p>
-                  </a:txBody>
-                  <a:tcPr/>
-                </a:tc>
-                <a:tc>
-                  <a:txBody>
-                    <a:bodyPr/>
-                    <a:lstStyle/>
-                    <a:p/>
-                  </a:txBody>
-                  <a:tcPr/>
-                </a:tc>
-                <a:tc>
-                  <a:txBody>
-                    <a:bodyPr/>
-                    <a:lstStyle/>
-                    <a:p>
+                    <a:bodyPr tIns="18288" bIns="18288" lIns="45720" rIns="45720"/>
+                    <a:lstStyle/>
+                    <a:p>
+                      <a:pPr>
+                        <a:defRPr sz="700">
+                          <a:latin typeface="Arial Narrow"/>
+                        </a:defRPr>
+                      </a:pPr>
                       <a:r>
                         <a:t>0660127763 AZEDDINE</a:t>
                       </a:r>
@@ -8094,17 +7503,14 @@
                 </a:tc>
                 <a:tc>
                   <a:txBody>
-                    <a:bodyPr/>
-                    <a:lstStyle/>
-                    <a:p/>
-                  </a:txBody>
-                  <a:tcPr/>
-                </a:tc>
-                <a:tc>
-                  <a:txBody>
-                    <a:bodyPr/>
-                    <a:lstStyle/>
-                    <a:p>
+                    <a:bodyPr tIns="18288" bIns="18288" lIns="45720" rIns="45720"/>
+                    <a:lstStyle/>
+                    <a:p>
+                      <a:pPr>
+                        <a:defRPr sz="700">
+                          <a:latin typeface="Arial Narrow"/>
+                        </a:defRPr>
+                      </a:pPr>
                       <a:r>
                         <a:t>Agadir</a:t>
                       </a:r>
@@ -8114,9 +7520,14 @@
                 </a:tc>
                 <a:tc>
                   <a:txBody>
-                    <a:bodyPr/>
-                    <a:lstStyle/>
-                    <a:p>
+                    <a:bodyPr tIns="18288" bIns="18288" lIns="45720" rIns="45720"/>
+                    <a:lstStyle/>
+                    <a:p>
+                      <a:pPr>
+                        <a:defRPr sz="700">
+                          <a:latin typeface="Arial Narrow"/>
+                        </a:defRPr>
+                      </a:pPr>
                       <a:r>
                         <a:t>Laâyoune</a:t>
                       </a:r>
@@ -8126,9 +7537,14 @@
                 </a:tc>
                 <a:tc>
                   <a:txBody>
-                    <a:bodyPr/>
-                    <a:lstStyle/>
-                    <a:p>
+                    <a:bodyPr tIns="18288" bIns="18288" lIns="45720" rIns="45720"/>
+                    <a:lstStyle/>
+                    <a:p>
+                      <a:pPr>
+                        <a:defRPr sz="700">
+                          <a:latin typeface="Arial Narrow"/>
+                        </a:defRPr>
+                      </a:pPr>
                       <a:r>
                         <a:t>-13.20315599999999989, 27.15188450000000131</a:t>
                       </a:r>
@@ -8138,9 +7554,14 @@
                 </a:tc>
                 <a:tc>
                   <a:txBody>
-                    <a:bodyPr/>
-                    <a:lstStyle/>
-                    <a:p>
+                    <a:bodyPr tIns="18288" bIns="18288" lIns="45720" rIns="45720"/>
+                    <a:lstStyle/>
+                    <a:p>
+                      <a:pPr>
+                        <a:defRPr sz="700">
+                          <a:latin typeface="Arial Narrow"/>
+                        </a:defRPr>
+                      </a:pPr>
                       <a:r>
                         <a:t>27.14815636, -13.19937032</a:t>
                       </a:r>
@@ -8148,183 +7569,167 @@
                   </a:txBody>
                   <a:tcPr/>
                 </a:tc>
-                <a:tc>
-                  <a:txBody>
-                    <a:bodyPr/>
-                    <a:lstStyle/>
-                    <a:p/>
-                  </a:txBody>
-                  <a:tcPr/>
-                </a:tc>
-                <a:tc>
-                  <a:txBody>
-                    <a:bodyPr/>
-                    <a:lstStyle/>
-                    <a:p/>
-                  </a:txBody>
-                  <a:tcPr/>
-                </a:tc>
               </a:tr>
-              <a:tr h="127000">
-                <a:tc>
-                  <a:txBody>
-                    <a:bodyPr/>
-                    <a:lstStyle/>
-                    <a:p>
+              <a:tr h="93600">
+                <a:tc>
+                  <a:txBody>
+                    <a:bodyPr tIns="18288" bIns="18288" lIns="45720" rIns="45720"/>
+                    <a:lstStyle/>
+                    <a:p>
+                      <a:pPr>
+                        <a:defRPr sz="700">
+                          <a:latin typeface="Arial Narrow"/>
+                        </a:defRPr>
+                      </a:pPr>
                       <a:r>
                         <a:t>LAA931</a:t>
                       </a:r>
                     </a:p>
                   </a:txBody>
-                  <a:tcPr/>
-                </a:tc>
-                <a:tc>
-                  <a:txBody>
-                    <a:bodyPr/>
-                    <a:lstStyle/>
-                    <a:p>
+                  <a:tcPr>
+                    <a:solidFill>
+                      <a:srgbClr val="F2F2F2"/>
+                    </a:solidFill>
+                  </a:tcPr>
+                </a:tc>
+                <a:tc>
+                  <a:txBody>
+                    <a:bodyPr tIns="18288" bIns="18288" lIns="45720" rIns="45720"/>
+                    <a:lstStyle/>
+                    <a:p>
+                      <a:pPr>
+                        <a:defRPr sz="700">
+                          <a:latin typeface="Arial Narrow"/>
+                        </a:defRPr>
+                      </a:pPr>
                       <a:r>
                         <a:t>NOMATIS</a:t>
                       </a:r>
                     </a:p>
                   </a:txBody>
-                  <a:tcPr/>
-                </a:tc>
-                <a:tc>
-                  <a:txBody>
-                    <a:bodyPr/>
-                    <a:lstStyle/>
-                    <a:p>
-                      <a:r>
-                        <a:t>JUIN</a:t>
-                      </a:r>
-                    </a:p>
-                  </a:txBody>
-                  <a:tcPr/>
-                </a:tc>
-                <a:tc>
-                  <a:txBody>
-                    <a:bodyPr/>
-                    <a:lstStyle/>
-                    <a:p>
-                      <a:r>
-                        <a:t>Du 01/06/2024 Au 31/09/2024</a:t>
-                      </a:r>
-                    </a:p>
-                  </a:txBody>
-                  <a:tcPr/>
-                </a:tc>
-                <a:tc>
-                  <a:txBody>
-                    <a:bodyPr/>
-                    <a:lstStyle/>
-                    <a:p>
-                      <a:r>
-                        <a:t>Du 01/06/2024 Au 31/09/2024</a:t>
-                      </a:r>
-                    </a:p>
-                  </a:txBody>
-                  <a:tcPr/>
-                </a:tc>
-                <a:tc>
-                  <a:txBody>
-                    <a:bodyPr/>
-                    <a:lstStyle/>
-                    <a:p/>
-                  </a:txBody>
-                  <a:tcPr/>
-                </a:tc>
-                <a:tc>
-                  <a:txBody>
-                    <a:bodyPr/>
-                    <a:lstStyle/>
-                    <a:p>
+                  <a:tcPr>
+                    <a:solidFill>
+                      <a:srgbClr val="F2F2F2"/>
+                    </a:solidFill>
+                  </a:tcPr>
+                </a:tc>
+                <a:tc>
+                  <a:txBody>
+                    <a:bodyPr tIns="18288" bIns="18288" lIns="45720" rIns="45720"/>
+                    <a:lstStyle/>
+                    <a:p>
+                      <a:pPr>
+                        <a:defRPr sz="700">
+                          <a:latin typeface="Arial Narrow"/>
+                        </a:defRPr>
+                      </a:pPr>
                       <a:r>
                         <a:t>0660127763 AZEDDINE</a:t>
                       </a:r>
                     </a:p>
                   </a:txBody>
-                  <a:tcPr/>
-                </a:tc>
-                <a:tc>
-                  <a:txBody>
-                    <a:bodyPr/>
-                    <a:lstStyle/>
-                    <a:p/>
-                  </a:txBody>
-                  <a:tcPr/>
-                </a:tc>
-                <a:tc>
-                  <a:txBody>
-                    <a:bodyPr/>
-                    <a:lstStyle/>
-                    <a:p>
+                  <a:tcPr>
+                    <a:solidFill>
+                      <a:srgbClr val="F2F2F2"/>
+                    </a:solidFill>
+                  </a:tcPr>
+                </a:tc>
+                <a:tc>
+                  <a:txBody>
+                    <a:bodyPr tIns="18288" bIns="18288" lIns="45720" rIns="45720"/>
+                    <a:lstStyle/>
+                    <a:p>
+                      <a:pPr>
+                        <a:defRPr sz="700">
+                          <a:latin typeface="Arial Narrow"/>
+                        </a:defRPr>
+                      </a:pPr>
                       <a:r>
                         <a:t>Agadir</a:t>
                       </a:r>
                     </a:p>
                   </a:txBody>
-                  <a:tcPr/>
-                </a:tc>
-                <a:tc>
-                  <a:txBody>
-                    <a:bodyPr/>
-                    <a:lstStyle/>
-                    <a:p>
+                  <a:tcPr>
+                    <a:solidFill>
+                      <a:srgbClr val="F2F2F2"/>
+                    </a:solidFill>
+                  </a:tcPr>
+                </a:tc>
+                <a:tc>
+                  <a:txBody>
+                    <a:bodyPr tIns="18288" bIns="18288" lIns="45720" rIns="45720"/>
+                    <a:lstStyle/>
+                    <a:p>
+                      <a:pPr>
+                        <a:defRPr sz="700">
+                          <a:latin typeface="Arial Narrow"/>
+                        </a:defRPr>
+                      </a:pPr>
                       <a:r>
                         <a:t>Laâyoune</a:t>
                       </a:r>
                     </a:p>
                   </a:txBody>
-                  <a:tcPr/>
-                </a:tc>
-                <a:tc>
-                  <a:txBody>
-                    <a:bodyPr/>
-                    <a:lstStyle/>
-                    <a:p>
+                  <a:tcPr>
+                    <a:solidFill>
+                      <a:srgbClr val="F2F2F2"/>
+                    </a:solidFill>
+                  </a:tcPr>
+                </a:tc>
+                <a:tc>
+                  <a:txBody>
+                    <a:bodyPr tIns="18288" bIns="18288" lIns="45720" rIns="45720"/>
+                    <a:lstStyle/>
+                    <a:p>
+                      <a:pPr>
+                        <a:defRPr sz="700">
+                          <a:latin typeface="Arial Narrow"/>
+                        </a:defRPr>
+                      </a:pPr>
                       <a:r>
                         <a:t>-13.1967333, 27.14158330000000063</a:t>
                       </a:r>
                     </a:p>
                   </a:txBody>
-                  <a:tcPr/>
-                </a:tc>
-                <a:tc>
-                  <a:txBody>
-                    <a:bodyPr/>
-                    <a:lstStyle/>
-                    <a:p>
+                  <a:tcPr>
+                    <a:solidFill>
+                      <a:srgbClr val="F2F2F2"/>
+                    </a:solidFill>
+                  </a:tcPr>
+                </a:tc>
+                <a:tc>
+                  <a:txBody>
+                    <a:bodyPr tIns="18288" bIns="18288" lIns="45720" rIns="45720"/>
+                    <a:lstStyle/>
+                    <a:p>
+                      <a:pPr>
+                        <a:defRPr sz="700">
+                          <a:latin typeface="Arial Narrow"/>
+                        </a:defRPr>
+                      </a:pPr>
                       <a:r>
                         <a:t>27.13920547, -13.19974476</a:t>
                       </a:r>
                     </a:p>
                   </a:txBody>
-                  <a:tcPr/>
-                </a:tc>
-                <a:tc>
-                  <a:txBody>
-                    <a:bodyPr/>
-                    <a:lstStyle/>
-                    <a:p/>
-                  </a:txBody>
-                  <a:tcPr/>
-                </a:tc>
-                <a:tc>
-                  <a:txBody>
-                    <a:bodyPr/>
-                    <a:lstStyle/>
-                    <a:p/>
-                  </a:txBody>
-                  <a:tcPr/>
+                  <a:tcPr>
+                    <a:solidFill>
+                      <a:srgbClr val="F2F2F2"/>
+                    </a:solidFill>
+                  </a:tcPr>
                 </a:tc>
               </a:tr>
-              <a:tr h="127000">
-                <a:tc>
-                  <a:txBody>
-                    <a:bodyPr/>
-                    <a:lstStyle/>
-                    <a:p>
+              <a:tr h="93600">
+                <a:tc>
+                  <a:txBody>
+                    <a:bodyPr tIns="18288" bIns="18288" lIns="45720" rIns="45720"/>
+                    <a:lstStyle/>
+                    <a:p>
+                      <a:pPr>
+                        <a:defRPr sz="700">
+                          <a:latin typeface="Arial Narrow"/>
+                        </a:defRPr>
+                      </a:pPr>
                       <a:r>
                         <a:t>LAA056</a:t>
                       </a:r>
@@ -8334,9 +7739,14 @@
                 </a:tc>
                 <a:tc>
                   <a:txBody>
-                    <a:bodyPr/>
-                    <a:lstStyle/>
-                    <a:p>
+                    <a:bodyPr tIns="18288" bIns="18288" lIns="45720" rIns="45720"/>
+                    <a:lstStyle/>
+                    <a:p>
+                      <a:pPr>
+                        <a:defRPr sz="700">
+                          <a:latin typeface="Arial Narrow"/>
+                        </a:defRPr>
+                      </a:pPr>
                       <a:r>
                         <a:t>VERNE</a:t>
                       </a:r>
@@ -8346,53 +7756,14 @@
                 </a:tc>
                 <a:tc>
                   <a:txBody>
-                    <a:bodyPr/>
-                    <a:lstStyle/>
-                    <a:p>
-                      <a:r>
-                        <a:t>JUIN</a:t>
-                      </a:r>
-                    </a:p>
-                  </a:txBody>
-                  <a:tcPr/>
-                </a:tc>
-                <a:tc>
-                  <a:txBody>
-                    <a:bodyPr/>
-                    <a:lstStyle/>
-                    <a:p>
-                      <a:r>
-                        <a:t>Du 01/06/2024 Au 30/06/2024</a:t>
-                      </a:r>
-                    </a:p>
-                  </a:txBody>
-                  <a:tcPr/>
-                </a:tc>
-                <a:tc>
-                  <a:txBody>
-                    <a:bodyPr/>
-                    <a:lstStyle/>
-                    <a:p>
-                      <a:r>
-                        <a:t>Du 01/06/2024 Au 30/06/2024</a:t>
-                      </a:r>
-                    </a:p>
-                  </a:txBody>
-                  <a:tcPr/>
-                </a:tc>
-                <a:tc>
-                  <a:txBody>
-                    <a:bodyPr/>
-                    <a:lstStyle/>
-                    <a:p/>
-                  </a:txBody>
-                  <a:tcPr/>
-                </a:tc>
-                <a:tc>
-                  <a:txBody>
-                    <a:bodyPr/>
-                    <a:lstStyle/>
-                    <a:p>
+                    <a:bodyPr tIns="18288" bIns="18288" lIns="45720" rIns="45720"/>
+                    <a:lstStyle/>
+                    <a:p>
+                      <a:pPr>
+                        <a:defRPr sz="700">
+                          <a:latin typeface="Arial Narrow"/>
+                        </a:defRPr>
+                      </a:pPr>
                       <a:r>
                         <a:t>0660127763 AZEDDINE</a:t>
                       </a:r>
@@ -8402,17 +7773,14 @@
                 </a:tc>
                 <a:tc>
                   <a:txBody>
-                    <a:bodyPr/>
-                    <a:lstStyle/>
-                    <a:p/>
-                  </a:txBody>
-                  <a:tcPr/>
-                </a:tc>
-                <a:tc>
-                  <a:txBody>
-                    <a:bodyPr/>
-                    <a:lstStyle/>
-                    <a:p>
+                    <a:bodyPr tIns="18288" bIns="18288" lIns="45720" rIns="45720"/>
+                    <a:lstStyle/>
+                    <a:p>
+                      <a:pPr>
+                        <a:defRPr sz="700">
+                          <a:latin typeface="Arial Narrow"/>
+                        </a:defRPr>
+                      </a:pPr>
                       <a:r>
                         <a:t>Agadir</a:t>
                       </a:r>
@@ -8422,9 +7790,14 @@
                 </a:tc>
                 <a:tc>
                   <a:txBody>
-                    <a:bodyPr/>
-                    <a:lstStyle/>
-                    <a:p>
+                    <a:bodyPr tIns="18288" bIns="18288" lIns="45720" rIns="45720"/>
+                    <a:lstStyle/>
+                    <a:p>
+                      <a:pPr>
+                        <a:defRPr sz="700">
+                          <a:latin typeface="Arial Narrow"/>
+                        </a:defRPr>
+                      </a:pPr>
                       <a:r>
                         <a:t>Laâyoune</a:t>
                       </a:r>
@@ -8434,9 +7807,14 @@
                 </a:tc>
                 <a:tc>
                   <a:txBody>
-                    <a:bodyPr/>
-                    <a:lstStyle/>
-                    <a:p>
+                    <a:bodyPr tIns="18288" bIns="18288" lIns="45720" rIns="45720"/>
+                    <a:lstStyle/>
+                    <a:p>
+                      <a:pPr>
+                        <a:defRPr sz="700">
+                          <a:latin typeface="Arial Narrow"/>
+                        </a:defRPr>
+                      </a:pPr>
                       <a:r>
                         <a:t>-13.19438899999999926, 27.13275000000000148</a:t>
                       </a:r>
@@ -8446,9 +7824,14 @@
                 </a:tc>
                 <a:tc>
                   <a:txBody>
-                    <a:bodyPr/>
-                    <a:lstStyle/>
-                    <a:p>
+                    <a:bodyPr tIns="18288" bIns="18288" lIns="45720" rIns="45720"/>
+                    <a:lstStyle/>
+                    <a:p>
+                      <a:pPr>
+                        <a:defRPr sz="700">
+                          <a:latin typeface="Arial Narrow"/>
+                        </a:defRPr>
+                      </a:pPr>
                       <a:r>
                         <a:t>27.13491611, -13.19848564</a:t>
                       </a:r>
@@ -8456,183 +7839,167 @@
                   </a:txBody>
                   <a:tcPr/>
                 </a:tc>
-                <a:tc>
-                  <a:txBody>
-                    <a:bodyPr/>
-                    <a:lstStyle/>
-                    <a:p/>
-                  </a:txBody>
-                  <a:tcPr/>
-                </a:tc>
-                <a:tc>
-                  <a:txBody>
-                    <a:bodyPr/>
-                    <a:lstStyle/>
-                    <a:p/>
-                  </a:txBody>
-                  <a:tcPr/>
-                </a:tc>
               </a:tr>
-              <a:tr h="127000">
-                <a:tc>
-                  <a:txBody>
-                    <a:bodyPr/>
-                    <a:lstStyle/>
-                    <a:p>
+              <a:tr h="93600">
+                <a:tc>
+                  <a:txBody>
+                    <a:bodyPr tIns="18288" bIns="18288" lIns="45720" rIns="45720"/>
+                    <a:lstStyle/>
+                    <a:p>
+                      <a:pPr>
+                        <a:defRPr sz="700">
+                          <a:latin typeface="Arial Narrow"/>
+                        </a:defRPr>
+                      </a:pPr>
                       <a:r>
                         <a:t>LAA055</a:t>
                       </a:r>
                     </a:p>
                   </a:txBody>
-                  <a:tcPr/>
-                </a:tc>
-                <a:tc>
-                  <a:txBody>
-                    <a:bodyPr/>
-                    <a:lstStyle/>
-                    <a:p>
+                  <a:tcPr>
+                    <a:solidFill>
+                      <a:srgbClr val="F2F2F2"/>
+                    </a:solidFill>
+                  </a:tcPr>
+                </a:tc>
+                <a:tc>
+                  <a:txBody>
+                    <a:bodyPr tIns="18288" bIns="18288" lIns="45720" rIns="45720"/>
+                    <a:lstStyle/>
+                    <a:p>
+                      <a:pPr>
+                        <a:defRPr sz="700">
+                          <a:latin typeface="Arial Narrow"/>
+                        </a:defRPr>
+                      </a:pPr>
                       <a:r>
                         <a:t>VERNE</a:t>
                       </a:r>
                     </a:p>
                   </a:txBody>
-                  <a:tcPr/>
-                </a:tc>
-                <a:tc>
-                  <a:txBody>
-                    <a:bodyPr/>
-                    <a:lstStyle/>
-                    <a:p>
-                      <a:r>
-                        <a:t>JUIN</a:t>
-                      </a:r>
-                    </a:p>
-                  </a:txBody>
-                  <a:tcPr/>
-                </a:tc>
-                <a:tc>
-                  <a:txBody>
-                    <a:bodyPr/>
-                    <a:lstStyle/>
-                    <a:p>
-                      <a:r>
-                        <a:t>Du 01/06/2024 Au 30/06/2024</a:t>
-                      </a:r>
-                    </a:p>
-                  </a:txBody>
-                  <a:tcPr/>
-                </a:tc>
-                <a:tc>
-                  <a:txBody>
-                    <a:bodyPr/>
-                    <a:lstStyle/>
-                    <a:p>
-                      <a:r>
-                        <a:t>Du 01/06/2024 Au 30/06/2024</a:t>
-                      </a:r>
-                    </a:p>
-                  </a:txBody>
-                  <a:tcPr/>
-                </a:tc>
-                <a:tc>
-                  <a:txBody>
-                    <a:bodyPr/>
-                    <a:lstStyle/>
-                    <a:p/>
-                  </a:txBody>
-                  <a:tcPr/>
-                </a:tc>
-                <a:tc>
-                  <a:txBody>
-                    <a:bodyPr/>
-                    <a:lstStyle/>
-                    <a:p>
+                  <a:tcPr>
+                    <a:solidFill>
+                      <a:srgbClr val="F2F2F2"/>
+                    </a:solidFill>
+                  </a:tcPr>
+                </a:tc>
+                <a:tc>
+                  <a:txBody>
+                    <a:bodyPr tIns="18288" bIns="18288" lIns="45720" rIns="45720"/>
+                    <a:lstStyle/>
+                    <a:p>
+                      <a:pPr>
+                        <a:defRPr sz="700">
+                          <a:latin typeface="Arial Narrow"/>
+                        </a:defRPr>
+                      </a:pPr>
                       <a:r>
                         <a:t>0660127763 AZEDDINE</a:t>
                       </a:r>
                     </a:p>
                   </a:txBody>
-                  <a:tcPr/>
-                </a:tc>
-                <a:tc>
-                  <a:txBody>
-                    <a:bodyPr/>
-                    <a:lstStyle/>
-                    <a:p/>
-                  </a:txBody>
-                  <a:tcPr/>
-                </a:tc>
-                <a:tc>
-                  <a:txBody>
-                    <a:bodyPr/>
-                    <a:lstStyle/>
-                    <a:p>
+                  <a:tcPr>
+                    <a:solidFill>
+                      <a:srgbClr val="F2F2F2"/>
+                    </a:solidFill>
+                  </a:tcPr>
+                </a:tc>
+                <a:tc>
+                  <a:txBody>
+                    <a:bodyPr tIns="18288" bIns="18288" lIns="45720" rIns="45720"/>
+                    <a:lstStyle/>
+                    <a:p>
+                      <a:pPr>
+                        <a:defRPr sz="700">
+                          <a:latin typeface="Arial Narrow"/>
+                        </a:defRPr>
+                      </a:pPr>
                       <a:r>
                         <a:t>Agadir</a:t>
                       </a:r>
                     </a:p>
                   </a:txBody>
-                  <a:tcPr/>
-                </a:tc>
-                <a:tc>
-                  <a:txBody>
-                    <a:bodyPr/>
-                    <a:lstStyle/>
-                    <a:p>
+                  <a:tcPr>
+                    <a:solidFill>
+                      <a:srgbClr val="F2F2F2"/>
+                    </a:solidFill>
+                  </a:tcPr>
+                </a:tc>
+                <a:tc>
+                  <a:txBody>
+                    <a:bodyPr tIns="18288" bIns="18288" lIns="45720" rIns="45720"/>
+                    <a:lstStyle/>
+                    <a:p>
+                      <a:pPr>
+                        <a:defRPr sz="700">
+                          <a:latin typeface="Arial Narrow"/>
+                        </a:defRPr>
+                      </a:pPr>
                       <a:r>
                         <a:t>Laâyoune</a:t>
                       </a:r>
                     </a:p>
                   </a:txBody>
-                  <a:tcPr/>
-                </a:tc>
-                <a:tc>
-                  <a:txBody>
-                    <a:bodyPr/>
-                    <a:lstStyle/>
-                    <a:p>
+                  <a:tcPr>
+                    <a:solidFill>
+                      <a:srgbClr val="F2F2F2"/>
+                    </a:solidFill>
+                  </a:tcPr>
+                </a:tc>
+                <a:tc>
+                  <a:txBody>
+                    <a:bodyPr tIns="18288" bIns="18288" lIns="45720" rIns="45720"/>
+                    <a:lstStyle/>
+                    <a:p>
+                      <a:pPr>
+                        <a:defRPr sz="700">
+                          <a:latin typeface="Arial Narrow"/>
+                        </a:defRPr>
+                      </a:pPr>
                       <a:r>
                         <a:t>-13.19458299999999973, 27.13658300000000168</a:t>
                       </a:r>
                     </a:p>
                   </a:txBody>
-                  <a:tcPr/>
-                </a:tc>
-                <a:tc>
-                  <a:txBody>
-                    <a:bodyPr/>
-                    <a:lstStyle/>
-                    <a:p>
+                  <a:tcPr>
+                    <a:solidFill>
+                      <a:srgbClr val="F2F2F2"/>
+                    </a:solidFill>
+                  </a:tcPr>
+                </a:tc>
+                <a:tc>
+                  <a:txBody>
+                    <a:bodyPr tIns="18288" bIns="18288" lIns="45720" rIns="45720"/>
+                    <a:lstStyle/>
+                    <a:p>
+                      <a:pPr>
+                        <a:defRPr sz="700">
+                          <a:latin typeface="Arial Narrow"/>
+                        </a:defRPr>
+                      </a:pPr>
                       <a:r>
                         <a:t>27.13491611, -13.19848564</a:t>
                       </a:r>
                     </a:p>
                   </a:txBody>
-                  <a:tcPr/>
-                </a:tc>
-                <a:tc>
-                  <a:txBody>
-                    <a:bodyPr/>
-                    <a:lstStyle/>
-                    <a:p/>
-                  </a:txBody>
-                  <a:tcPr/>
-                </a:tc>
-                <a:tc>
-                  <a:txBody>
-                    <a:bodyPr/>
-                    <a:lstStyle/>
-                    <a:p/>
-                  </a:txBody>
-                  <a:tcPr/>
+                  <a:tcPr>
+                    <a:solidFill>
+                      <a:srgbClr val="F2F2F2"/>
+                    </a:solidFill>
+                  </a:tcPr>
                 </a:tc>
               </a:tr>
-              <a:tr h="127000">
-                <a:tc>
-                  <a:txBody>
-                    <a:bodyPr/>
-                    <a:lstStyle/>
-                    <a:p>
+              <a:tr h="93600">
+                <a:tc>
+                  <a:txBody>
+                    <a:bodyPr tIns="18288" bIns="18288" lIns="45720" rIns="45720"/>
+                    <a:lstStyle/>
+                    <a:p>
+                      <a:pPr>
+                        <a:defRPr sz="700">
+                          <a:latin typeface="Arial Narrow"/>
+                        </a:defRPr>
+                      </a:pPr>
                       <a:r>
                         <a:t>LAA009</a:t>
                       </a:r>
@@ -8642,9 +8009,14 @@
                 </a:tc>
                 <a:tc>
                   <a:txBody>
-                    <a:bodyPr/>
-                    <a:lstStyle/>
-                    <a:p>
+                    <a:bodyPr tIns="18288" bIns="18288" lIns="45720" rIns="45720"/>
+                    <a:lstStyle/>
+                    <a:p>
+                      <a:pPr>
+                        <a:defRPr sz="700">
+                          <a:latin typeface="Arial Narrow"/>
+                        </a:defRPr>
+                      </a:pPr>
                       <a:r>
                         <a:t>VERNE</a:t>
                       </a:r>
@@ -8654,53 +8026,14 @@
                 </a:tc>
                 <a:tc>
                   <a:txBody>
-                    <a:bodyPr/>
-                    <a:lstStyle/>
-                    <a:p>
-                      <a:r>
-                        <a:t>JUIN</a:t>
-                      </a:r>
-                    </a:p>
-                  </a:txBody>
-                  <a:tcPr/>
-                </a:tc>
-                <a:tc>
-                  <a:txBody>
-                    <a:bodyPr/>
-                    <a:lstStyle/>
-                    <a:p>
-                      <a:r>
-                        <a:t>Du 01/06/2024 Au 30/06/2024</a:t>
-                      </a:r>
-                    </a:p>
-                  </a:txBody>
-                  <a:tcPr/>
-                </a:tc>
-                <a:tc>
-                  <a:txBody>
-                    <a:bodyPr/>
-                    <a:lstStyle/>
-                    <a:p>
-                      <a:r>
-                        <a:t>Du 01/06/2024 Au 30/06/2024</a:t>
-                      </a:r>
-                    </a:p>
-                  </a:txBody>
-                  <a:tcPr/>
-                </a:tc>
-                <a:tc>
-                  <a:txBody>
-                    <a:bodyPr/>
-                    <a:lstStyle/>
-                    <a:p/>
-                  </a:txBody>
-                  <a:tcPr/>
-                </a:tc>
-                <a:tc>
-                  <a:txBody>
-                    <a:bodyPr/>
-                    <a:lstStyle/>
-                    <a:p>
+                    <a:bodyPr tIns="18288" bIns="18288" lIns="45720" rIns="45720"/>
+                    <a:lstStyle/>
+                    <a:p>
+                      <a:pPr>
+                        <a:defRPr sz="700">
+                          <a:latin typeface="Arial Narrow"/>
+                        </a:defRPr>
+                      </a:pPr>
                       <a:r>
                         <a:t>0660127763 AZEDDINE</a:t>
                       </a:r>
@@ -8710,17 +8043,14 @@
                 </a:tc>
                 <a:tc>
                   <a:txBody>
-                    <a:bodyPr/>
-                    <a:lstStyle/>
-                    <a:p/>
-                  </a:txBody>
-                  <a:tcPr/>
-                </a:tc>
-                <a:tc>
-                  <a:txBody>
-                    <a:bodyPr/>
-                    <a:lstStyle/>
-                    <a:p>
+                    <a:bodyPr tIns="18288" bIns="18288" lIns="45720" rIns="45720"/>
+                    <a:lstStyle/>
+                    <a:p>
+                      <a:pPr>
+                        <a:defRPr sz="700">
+                          <a:latin typeface="Arial Narrow"/>
+                        </a:defRPr>
+                      </a:pPr>
                       <a:r>
                         <a:t>Agadir</a:t>
                       </a:r>
@@ -8730,9 +8060,14 @@
                 </a:tc>
                 <a:tc>
                   <a:txBody>
-                    <a:bodyPr/>
-                    <a:lstStyle/>
-                    <a:p>
+                    <a:bodyPr tIns="18288" bIns="18288" lIns="45720" rIns="45720"/>
+                    <a:lstStyle/>
+                    <a:p>
+                      <a:pPr>
+                        <a:defRPr sz="700">
+                          <a:latin typeface="Arial Narrow"/>
+                        </a:defRPr>
+                      </a:pPr>
                       <a:r>
                         <a:t>Laâyoune</a:t>
                       </a:r>
@@ -8742,9 +8077,14 @@
                 </a:tc>
                 <a:tc>
                   <a:txBody>
-                    <a:bodyPr/>
-                    <a:lstStyle/>
-                    <a:p>
+                    <a:bodyPr tIns="18288" bIns="18288" lIns="45720" rIns="45720"/>
+                    <a:lstStyle/>
+                    <a:p>
+                      <a:pPr>
+                        <a:defRPr sz="700">
+                          <a:latin typeface="Arial Narrow"/>
+                        </a:defRPr>
+                      </a:pPr>
                       <a:r>
                         <a:t>-13.2132000000000005, 27.16029999999999944</a:t>
                       </a:r>
@@ -8754,29 +8094,18 @@
                 </a:tc>
                 <a:tc>
                   <a:txBody>
-                    <a:bodyPr/>
-                    <a:lstStyle/>
-                    <a:p>
+                    <a:bodyPr tIns="18288" bIns="18288" lIns="45720" rIns="45720"/>
+                    <a:lstStyle/>
+                    <a:p>
+                      <a:pPr>
+                        <a:defRPr sz="700">
+                          <a:latin typeface="Arial Narrow"/>
+                        </a:defRPr>
+                      </a:pPr>
                       <a:r>
                         <a:t>27.15791670, -13.21483330</a:t>
                       </a:r>
                     </a:p>
-                  </a:txBody>
-                  <a:tcPr/>
-                </a:tc>
-                <a:tc>
-                  <a:txBody>
-                    <a:bodyPr/>
-                    <a:lstStyle/>
-                    <a:p/>
-                  </a:txBody>
-                  <a:tcPr/>
-                </a:tc>
-                <a:tc>
-                  <a:txBody>
-                    <a:bodyPr/>
-                    <a:lstStyle/>
-                    <a:p/>
                   </a:txBody>
                   <a:tcPr/>
                 </a:tc>
